--- a/Actividad 3 (INSECTICIDAS EN ÁRBOLES)/PRESENTATION EFFICACY TREATMENT - DAVID VALCÁRCEL - NO PROCEDURE.pptx
+++ b/Actividad 3 (INSECTICIDAS EN ÁRBOLES)/PRESENTATION EFFICACY TREATMENT - DAVID VALCÁRCEL - NO PROCEDURE.pptx
@@ -4,22 +4,33 @@
   <p:sldMasterIdLst>
     <p:sldMasterId id="2147483713" r:id="rId1"/>
   </p:sldMasterIdLst>
+  <p:notesMasterIdLst>
+    <p:notesMasterId r:id="rId25"/>
+  </p:notesMasterIdLst>
   <p:sldIdLst>
     <p:sldId id="256" r:id="rId2"/>
     <p:sldId id="257" r:id="rId3"/>
     <p:sldId id="262" r:id="rId4"/>
-    <p:sldId id="266" r:id="rId5"/>
-    <p:sldId id="268" r:id="rId6"/>
-    <p:sldId id="259" r:id="rId7"/>
-    <p:sldId id="269" r:id="rId8"/>
-    <p:sldId id="270" r:id="rId9"/>
-    <p:sldId id="260" r:id="rId10"/>
-    <p:sldId id="271" r:id="rId11"/>
-    <p:sldId id="272" r:id="rId12"/>
-    <p:sldId id="261" r:id="rId13"/>
-    <p:sldId id="273" r:id="rId14"/>
-    <p:sldId id="264" r:id="rId15"/>
-    <p:sldId id="265" r:id="rId16"/>
+    <p:sldId id="268" r:id="rId5"/>
+    <p:sldId id="259" r:id="rId6"/>
+    <p:sldId id="269" r:id="rId7"/>
+    <p:sldId id="270" r:id="rId8"/>
+    <p:sldId id="260" r:id="rId9"/>
+    <p:sldId id="271" r:id="rId10"/>
+    <p:sldId id="272" r:id="rId11"/>
+    <p:sldId id="261" r:id="rId12"/>
+    <p:sldId id="274" r:id="rId13"/>
+    <p:sldId id="275" r:id="rId14"/>
+    <p:sldId id="276" r:id="rId15"/>
+    <p:sldId id="279" r:id="rId16"/>
+    <p:sldId id="281" r:id="rId17"/>
+    <p:sldId id="282" r:id="rId18"/>
+    <p:sldId id="283" r:id="rId19"/>
+    <p:sldId id="273" r:id="rId20"/>
+    <p:sldId id="284" r:id="rId21"/>
+    <p:sldId id="285" r:id="rId22"/>
+    <p:sldId id="264" r:id="rId23"/>
+    <p:sldId id="265" r:id="rId24"/>
   </p:sldIdLst>
   <p:sldSz cx="12192000" cy="6858000"/>
   <p:notesSz cx="6858000" cy="9144000"/>
@@ -895,18 +906,18 @@
         <a:lstStyle/>
         <a:p>
           <a:r>
-            <a:rPr lang="en-GB" b="1" dirty="0"/>
+            <a:rPr lang="en-US" b="1" noProof="0" dirty="0"/>
             <a:t>Average mortality at the elbow point (</a:t>
           </a:r>
           <a:r>
-            <a:rPr lang="en-GB" b="1" dirty="0" err="1"/>
+            <a:rPr lang="en-US" b="1" noProof="0" dirty="0" err="1"/>
             <a:t>m_elbow</a:t>
           </a:r>
           <a:r>
-            <a:rPr lang="en-GB" b="1" dirty="0"/>
+            <a:rPr lang="en-US" b="1" noProof="0" dirty="0"/>
             <a:t>)</a:t>
           </a:r>
-          <a:endParaRPr lang="en-GB" dirty="0"/>
+          <a:endParaRPr lang="en-US" noProof="0" dirty="0"/>
         </a:p>
       </dgm:t>
     </dgm:pt>
@@ -940,30 +951,13 @@
         <a:lstStyle/>
         <a:p>
           <a:r>
-            <a:rPr lang="es-ES" b="1" dirty="0" err="1"/>
-            <a:t>Elbow</a:t>
+            <a:rPr lang="en-US" b="1" noProof="0" dirty="0"/>
+            <a:t>Elbow point</a:t>
           </a:r>
           <a:r>
-            <a:rPr lang="es-ES" b="1" dirty="0"/>
-            <a:t> </a:t>
+            <a:rPr lang="en-US" noProof="0" dirty="0"/>
+            <a:t>: The point on the curve where the rate of change shifts, creating the most pronounced bend. </a:t>
           </a:r>
-          <a:r>
-            <a:rPr lang="es-ES" b="1" dirty="0" err="1"/>
-            <a:t>point</a:t>
-          </a:r>
-          <a:r>
-            <a:rPr lang="es-ES" dirty="0"/>
-            <a:t>: </a:t>
-          </a:r>
-          <a:r>
-            <a:rPr lang="en-GB" dirty="0"/>
-            <a:t>The point on the curve where the rate of change shifts, creating the most pronounced bend.</a:t>
-          </a:r>
-          <a:r>
-            <a:rPr lang="es-ES" dirty="0"/>
-            <a:t> </a:t>
-          </a:r>
-          <a:endParaRPr lang="en-GB" dirty="0"/>
         </a:p>
       </dgm:t>
     </dgm:pt>
@@ -997,46 +991,17 @@
         <a:lstStyle/>
         <a:p>
           <a:r>
-            <a:rPr lang="es-ES" b="1" dirty="0" err="1"/>
-            <a:t>Average</a:t>
+            <a:rPr lang="en-US" b="1" noProof="0" dirty="0"/>
+            <a:t>Average mortality at the final point (</a:t>
           </a:r>
           <a:r>
-            <a:rPr lang="es-ES" b="1" dirty="0"/>
-            <a:t> </a:t>
-          </a:r>
-          <a:r>
-            <a:rPr lang="es-ES" b="1" dirty="0" err="1"/>
-            <a:t>mortality</a:t>
-          </a:r>
-          <a:r>
-            <a:rPr lang="es-ES" b="1" dirty="0"/>
-            <a:t> at </a:t>
-          </a:r>
-          <a:r>
-            <a:rPr lang="es-ES" b="1" dirty="0" err="1"/>
-            <a:t>the</a:t>
-          </a:r>
-          <a:r>
-            <a:rPr lang="es-ES" b="1" dirty="0"/>
-            <a:t> final </a:t>
-          </a:r>
-          <a:r>
-            <a:rPr lang="es-ES" b="1" dirty="0" err="1"/>
-            <a:t>point</a:t>
-          </a:r>
-          <a:r>
-            <a:rPr lang="es-ES" b="1" dirty="0"/>
-            <a:t> (</a:t>
-          </a:r>
-          <a:r>
-            <a:rPr lang="es-ES" b="1" dirty="0" err="1"/>
+            <a:rPr lang="en-US" b="1" noProof="0" dirty="0" err="1"/>
             <a:t>m_final</a:t>
           </a:r>
           <a:r>
-            <a:rPr lang="es-ES" b="1" dirty="0"/>
+            <a:rPr lang="en-US" b="1" noProof="0" dirty="0"/>
             <a:t>)</a:t>
           </a:r>
-          <a:endParaRPr lang="en-GB" b="1" dirty="0"/>
         </a:p>
       </dgm:t>
     </dgm:pt>
@@ -1070,62 +1035,48 @@
         <a:lstStyle/>
         <a:p>
           <a:r>
-            <a:rPr lang="el-GR" b="1" dirty="0">
+            <a:rPr lang="en-US" b="1" noProof="0" dirty="0" err="1">
               <a:latin typeface="Times New Roman" panose="02020603050405020304" pitchFamily="18" charset="0"/>
               <a:cs typeface="Times New Roman" panose="02020603050405020304" pitchFamily="18" charset="0"/>
             </a:rPr>
-            <a:t>Δ</a:t>
+            <a:t>Δ_elbow</a:t>
           </a:r>
           <a:r>
-            <a:rPr lang="es-ES" b="1" dirty="0">
-              <a:latin typeface="Times New Roman" panose="02020603050405020304" pitchFamily="18" charset="0"/>
-              <a:cs typeface="Times New Roman" panose="02020603050405020304" pitchFamily="18" charset="0"/>
-            </a:rPr>
-            <a:t>_</a:t>
-          </a:r>
-          <a:r>
-            <a:rPr lang="es-ES" b="1" dirty="0" err="1">
-              <a:latin typeface="Times New Roman" panose="02020603050405020304" pitchFamily="18" charset="0"/>
-              <a:cs typeface="Times New Roman" panose="02020603050405020304" pitchFamily="18" charset="0"/>
-            </a:rPr>
-            <a:t>elbow</a:t>
-          </a:r>
-          <a:r>
-            <a:rPr lang="es-ES" b="1" dirty="0">
+            <a:rPr lang="en-US" b="1" noProof="0" dirty="0">
               <a:latin typeface="Times New Roman" panose="02020603050405020304" pitchFamily="18" charset="0"/>
               <a:cs typeface="Times New Roman" panose="02020603050405020304" pitchFamily="18" charset="0"/>
             </a:rPr>
             <a:t> = </a:t>
           </a:r>
           <a:r>
-            <a:rPr lang="es-ES" b="1" dirty="0" err="1">
+            <a:rPr lang="en-US" b="1" noProof="0" dirty="0" err="1">
               <a:latin typeface="Times New Roman" panose="02020603050405020304" pitchFamily="18" charset="0"/>
               <a:cs typeface="Times New Roman" panose="02020603050405020304" pitchFamily="18" charset="0"/>
             </a:rPr>
             <a:t>m_elbow</a:t>
           </a:r>
           <a:r>
-            <a:rPr lang="es-ES" b="1" dirty="0">
+            <a:rPr lang="en-US" b="1" noProof="0" dirty="0">
               <a:latin typeface="Times New Roman" panose="02020603050405020304" pitchFamily="18" charset="0"/>
               <a:cs typeface="Times New Roman" panose="02020603050405020304" pitchFamily="18" charset="0"/>
             </a:rPr>
             <a:t> – </a:t>
           </a:r>
           <a:r>
-            <a:rPr lang="es-ES" b="1" dirty="0" err="1">
+            <a:rPr lang="en-US" b="1" noProof="0" dirty="0" err="1">
               <a:latin typeface="Times New Roman" panose="02020603050405020304" pitchFamily="18" charset="0"/>
               <a:cs typeface="Times New Roman" panose="02020603050405020304" pitchFamily="18" charset="0"/>
             </a:rPr>
             <a:t>m_final</a:t>
           </a:r>
           <a:r>
-            <a:rPr lang="es-ES" b="1" dirty="0">
+            <a:rPr lang="en-US" b="1" noProof="0" dirty="0">
               <a:latin typeface="Times New Roman" panose="02020603050405020304" pitchFamily="18" charset="0"/>
               <a:cs typeface="Times New Roman" panose="02020603050405020304" pitchFamily="18" charset="0"/>
             </a:rPr>
             <a:t> </a:t>
           </a:r>
-          <a:endParaRPr lang="en-GB" b="1" dirty="0"/>
+          <a:endParaRPr lang="en-US" b="1" noProof="0" dirty="0"/>
         </a:p>
       </dgm:t>
     </dgm:pt>
@@ -1159,34 +1110,9 @@
         <a:lstStyle/>
         <a:p>
           <a:r>
-            <a:rPr lang="es-ES" b="1" dirty="0"/>
-            <a:t>AUC (</a:t>
+            <a:rPr lang="en-US" b="1" noProof="0" dirty="0"/>
+            <a:t>AUC (Area under the curve)</a:t>
           </a:r>
-          <a:r>
-            <a:rPr lang="es-ES" b="1" dirty="0" err="1"/>
-            <a:t>Area</a:t>
-          </a:r>
-          <a:r>
-            <a:rPr lang="es-ES" b="1" dirty="0"/>
-            <a:t> </a:t>
-          </a:r>
-          <a:r>
-            <a:rPr lang="es-ES" b="1" dirty="0" err="1"/>
-            <a:t>under</a:t>
-          </a:r>
-          <a:r>
-            <a:rPr lang="es-ES" b="1" dirty="0"/>
-            <a:t> </a:t>
-          </a:r>
-          <a:r>
-            <a:rPr lang="es-ES" b="1" dirty="0" err="1"/>
-            <a:t>the</a:t>
-          </a:r>
-          <a:r>
-            <a:rPr lang="es-ES" b="1" dirty="0"/>
-            <a:t> curve)</a:t>
-          </a:r>
-          <a:endParaRPr lang="en-GB" b="1" dirty="0"/>
         </a:p>
       </dgm:t>
     </dgm:pt>
@@ -1319,8 +1245,8 @@
       </dsp:nvSpPr>
       <dsp:spPr>
         <a:xfrm>
-          <a:off x="0" y="54409"/>
-          <a:ext cx="4453445" cy="722474"/>
+          <a:off x="0" y="87066"/>
+          <a:ext cx="3701143" cy="722474"/>
         </a:xfrm>
         <a:prstGeom prst="roundRect">
           <a:avLst/>
@@ -1379,39 +1305,14 @@
             <a:buNone/>
           </a:pPr>
           <a:r>
-            <a:rPr lang="es-ES" sz="1900" b="1" kern="1200" dirty="0"/>
-            <a:t>AUC (</a:t>
+            <a:rPr lang="en-US" sz="1900" b="1" kern="1200" noProof="0" dirty="0"/>
+            <a:t>AUC (Area under the curve)</a:t>
           </a:r>
-          <a:r>
-            <a:rPr lang="es-ES" sz="1900" b="1" kern="1200" dirty="0" err="1"/>
-            <a:t>Area</a:t>
-          </a:r>
-          <a:r>
-            <a:rPr lang="es-ES" sz="1900" b="1" kern="1200" dirty="0"/>
-            <a:t> </a:t>
-          </a:r>
-          <a:r>
-            <a:rPr lang="es-ES" sz="1900" b="1" kern="1200" dirty="0" err="1"/>
-            <a:t>under</a:t>
-          </a:r>
-          <a:r>
-            <a:rPr lang="es-ES" sz="1900" b="1" kern="1200" dirty="0"/>
-            <a:t> </a:t>
-          </a:r>
-          <a:r>
-            <a:rPr lang="es-ES" sz="1900" b="1" kern="1200" dirty="0" err="1"/>
-            <a:t>the</a:t>
-          </a:r>
-          <a:r>
-            <a:rPr lang="es-ES" sz="1900" b="1" kern="1200" dirty="0"/>
-            <a:t> curve)</a:t>
-          </a:r>
-          <a:endParaRPr lang="en-GB" sz="1900" b="1" kern="1200" dirty="0"/>
         </a:p>
       </dsp:txBody>
       <dsp:txXfrm>
-        <a:off x="35268" y="89677"/>
-        <a:ext cx="4382909" cy="651938"/>
+        <a:off x="35268" y="122334"/>
+        <a:ext cx="3630607" cy="651938"/>
       </dsp:txXfrm>
     </dsp:sp>
     <dsp:sp modelId="{8217D250-B545-4EB2-BEC8-24A6F4A91CC7}">
@@ -1421,8 +1322,8 @@
       </dsp:nvSpPr>
       <dsp:spPr>
         <a:xfrm>
-          <a:off x="0" y="831500"/>
-          <a:ext cx="4453445" cy="722474"/>
+          <a:off x="0" y="864157"/>
+          <a:ext cx="3701143" cy="722474"/>
         </a:xfrm>
         <a:prstGeom prst="roundRect">
           <a:avLst/>
@@ -1481,23 +1382,23 @@
             <a:buNone/>
           </a:pPr>
           <a:r>
-            <a:rPr lang="en-GB" sz="1900" b="1" kern="1200" dirty="0"/>
+            <a:rPr lang="en-US" sz="1900" b="1" kern="1200" noProof="0" dirty="0"/>
             <a:t>Average mortality at the elbow point (</a:t>
           </a:r>
           <a:r>
-            <a:rPr lang="en-GB" sz="1900" b="1" kern="1200" dirty="0" err="1"/>
+            <a:rPr lang="en-US" sz="1900" b="1" kern="1200" noProof="0" dirty="0" err="1"/>
             <a:t>m_elbow</a:t>
           </a:r>
           <a:r>
-            <a:rPr lang="en-GB" sz="1900" b="1" kern="1200" dirty="0"/>
+            <a:rPr lang="en-US" sz="1900" b="1" kern="1200" noProof="0" dirty="0"/>
             <a:t>)</a:t>
           </a:r>
-          <a:endParaRPr lang="en-GB" sz="1900" kern="1200" dirty="0"/>
+          <a:endParaRPr lang="en-US" sz="1900" kern="1200" noProof="0" dirty="0"/>
         </a:p>
       </dsp:txBody>
       <dsp:txXfrm>
-        <a:off x="35268" y="866768"/>
-        <a:ext cx="4382909" cy="651938"/>
+        <a:off x="35268" y="899425"/>
+        <a:ext cx="3630607" cy="651938"/>
       </dsp:txXfrm>
     </dsp:sp>
     <dsp:sp modelId="{0B1FAD2D-A4D6-48EF-8569-9C4415F453FD}">
@@ -1507,8 +1408,8 @@
       </dsp:nvSpPr>
       <dsp:spPr>
         <a:xfrm>
-          <a:off x="0" y="1553975"/>
-          <a:ext cx="4453445" cy="648944"/>
+          <a:off x="0" y="1586632"/>
+          <a:ext cx="3701143" cy="648944"/>
         </a:xfrm>
         <a:prstGeom prst="rect">
           <a:avLst/>
@@ -1532,7 +1433,7 @@
         <a:fontRef idx="minor"/>
       </dsp:style>
       <dsp:txBody>
-        <a:bodyPr spcFirstLastPara="0" vert="horz" wrap="square" lIns="141397" tIns="24130" rIns="135128" bIns="24130" numCol="1" spcCol="1270" anchor="t" anchorCtr="0">
+        <a:bodyPr spcFirstLastPara="0" vert="horz" wrap="square" lIns="117511" tIns="24130" rIns="135128" bIns="24130" numCol="1" spcCol="1270" anchor="t" anchorCtr="0">
           <a:noAutofit/>
         </a:bodyPr>
         <a:lstStyle/>
@@ -1550,35 +1451,18 @@
             <a:buChar char="•"/>
           </a:pPr>
           <a:r>
-            <a:rPr lang="es-ES" sz="1500" b="1" kern="1200" dirty="0" err="1"/>
-            <a:t>Elbow</a:t>
+            <a:rPr lang="en-US" sz="1500" b="1" kern="1200" noProof="0" dirty="0"/>
+            <a:t>Elbow point</a:t>
           </a:r>
           <a:r>
-            <a:rPr lang="es-ES" sz="1500" b="1" kern="1200" dirty="0"/>
-            <a:t> </a:t>
+            <a:rPr lang="en-US" sz="1500" kern="1200" noProof="0" dirty="0"/>
+            <a:t>: The point on the curve where the rate of change shifts, creating the most pronounced bend. </a:t>
           </a:r>
-          <a:r>
-            <a:rPr lang="es-ES" sz="1500" b="1" kern="1200" dirty="0" err="1"/>
-            <a:t>point</a:t>
-          </a:r>
-          <a:r>
-            <a:rPr lang="es-ES" sz="1500" kern="1200" dirty="0"/>
-            <a:t>: </a:t>
-          </a:r>
-          <a:r>
-            <a:rPr lang="en-GB" sz="1500" kern="1200" dirty="0"/>
-            <a:t>The point on the curve where the rate of change shifts, creating the most pronounced bend.</a:t>
-          </a:r>
-          <a:r>
-            <a:rPr lang="es-ES" sz="1500" kern="1200" dirty="0"/>
-            <a:t> </a:t>
-          </a:r>
-          <a:endParaRPr lang="en-GB" sz="1500" kern="1200" dirty="0"/>
         </a:p>
       </dsp:txBody>
       <dsp:txXfrm>
-        <a:off x="0" y="1553975"/>
-        <a:ext cx="4453445" cy="648944"/>
+        <a:off x="0" y="1586632"/>
+        <a:ext cx="3701143" cy="648944"/>
       </dsp:txXfrm>
     </dsp:sp>
     <dsp:sp modelId="{BE285C38-CA1E-4330-AB6F-C16F056F8B71}">
@@ -1588,8 +1472,8 @@
       </dsp:nvSpPr>
       <dsp:spPr>
         <a:xfrm>
-          <a:off x="0" y="2202920"/>
-          <a:ext cx="4453445" cy="722474"/>
+          <a:off x="0" y="2235577"/>
+          <a:ext cx="3701143" cy="722474"/>
         </a:xfrm>
         <a:prstGeom prst="roundRect">
           <a:avLst/>
@@ -1648,51 +1532,22 @@
             <a:buNone/>
           </a:pPr>
           <a:r>
-            <a:rPr lang="es-ES" sz="1900" b="1" kern="1200" dirty="0" err="1"/>
-            <a:t>Average</a:t>
+            <a:rPr lang="en-US" sz="1900" b="1" kern="1200" noProof="0" dirty="0"/>
+            <a:t>Average mortality at the final point (</a:t>
           </a:r>
           <a:r>
-            <a:rPr lang="es-ES" sz="1900" b="1" kern="1200" dirty="0"/>
-            <a:t> </a:t>
-          </a:r>
-          <a:r>
-            <a:rPr lang="es-ES" sz="1900" b="1" kern="1200" dirty="0" err="1"/>
-            <a:t>mortality</a:t>
-          </a:r>
-          <a:r>
-            <a:rPr lang="es-ES" sz="1900" b="1" kern="1200" dirty="0"/>
-            <a:t> at </a:t>
-          </a:r>
-          <a:r>
-            <a:rPr lang="es-ES" sz="1900" b="1" kern="1200" dirty="0" err="1"/>
-            <a:t>the</a:t>
-          </a:r>
-          <a:r>
-            <a:rPr lang="es-ES" sz="1900" b="1" kern="1200" dirty="0"/>
-            <a:t> final </a:t>
-          </a:r>
-          <a:r>
-            <a:rPr lang="es-ES" sz="1900" b="1" kern="1200" dirty="0" err="1"/>
-            <a:t>point</a:t>
-          </a:r>
-          <a:r>
-            <a:rPr lang="es-ES" sz="1900" b="1" kern="1200" dirty="0"/>
-            <a:t> (</a:t>
-          </a:r>
-          <a:r>
-            <a:rPr lang="es-ES" sz="1900" b="1" kern="1200" dirty="0" err="1"/>
+            <a:rPr lang="en-US" sz="1900" b="1" kern="1200" noProof="0" dirty="0" err="1"/>
             <a:t>m_final</a:t>
           </a:r>
           <a:r>
-            <a:rPr lang="es-ES" sz="1900" b="1" kern="1200" dirty="0"/>
+            <a:rPr lang="en-US" sz="1900" b="1" kern="1200" noProof="0" dirty="0"/>
             <a:t>)</a:t>
           </a:r>
-          <a:endParaRPr lang="en-GB" sz="1900" b="1" kern="1200" dirty="0"/>
         </a:p>
       </dsp:txBody>
       <dsp:txXfrm>
-        <a:off x="35268" y="2238188"/>
-        <a:ext cx="4382909" cy="651938"/>
+        <a:off x="35268" y="2270845"/>
+        <a:ext cx="3630607" cy="651938"/>
       </dsp:txXfrm>
     </dsp:sp>
     <dsp:sp modelId="{601DE4B9-E8F1-4211-99A9-C1A4B22A0EAD}">
@@ -1702,8 +1557,8 @@
       </dsp:nvSpPr>
       <dsp:spPr>
         <a:xfrm>
-          <a:off x="0" y="2980115"/>
-          <a:ext cx="4453445" cy="722474"/>
+          <a:off x="0" y="3012772"/>
+          <a:ext cx="3701143" cy="722474"/>
         </a:xfrm>
         <a:prstGeom prst="roundRect">
           <a:avLst/>
@@ -1762,67 +1617,53 @@
             <a:buNone/>
           </a:pPr>
           <a:r>
-            <a:rPr lang="el-GR" sz="1900" b="1" kern="1200" dirty="0">
+            <a:rPr lang="en-US" sz="1900" b="1" kern="1200" noProof="0" dirty="0" err="1">
               <a:latin typeface="Times New Roman" panose="02020603050405020304" pitchFamily="18" charset="0"/>
               <a:cs typeface="Times New Roman" panose="02020603050405020304" pitchFamily="18" charset="0"/>
             </a:rPr>
-            <a:t>Δ</a:t>
+            <a:t>Δ_elbow</a:t>
           </a:r>
           <a:r>
-            <a:rPr lang="es-ES" sz="1900" b="1" kern="1200" dirty="0">
-              <a:latin typeface="Times New Roman" panose="02020603050405020304" pitchFamily="18" charset="0"/>
-              <a:cs typeface="Times New Roman" panose="02020603050405020304" pitchFamily="18" charset="0"/>
-            </a:rPr>
-            <a:t>_</a:t>
-          </a:r>
-          <a:r>
-            <a:rPr lang="es-ES" sz="1900" b="1" kern="1200" dirty="0" err="1">
-              <a:latin typeface="Times New Roman" panose="02020603050405020304" pitchFamily="18" charset="0"/>
-              <a:cs typeface="Times New Roman" panose="02020603050405020304" pitchFamily="18" charset="0"/>
-            </a:rPr>
-            <a:t>elbow</a:t>
-          </a:r>
-          <a:r>
-            <a:rPr lang="es-ES" sz="1900" b="1" kern="1200" dirty="0">
+            <a:rPr lang="en-US" sz="1900" b="1" kern="1200" noProof="0" dirty="0">
               <a:latin typeface="Times New Roman" panose="02020603050405020304" pitchFamily="18" charset="0"/>
               <a:cs typeface="Times New Roman" panose="02020603050405020304" pitchFamily="18" charset="0"/>
             </a:rPr>
             <a:t> = </a:t>
           </a:r>
           <a:r>
-            <a:rPr lang="es-ES" sz="1900" b="1" kern="1200" dirty="0" err="1">
+            <a:rPr lang="en-US" sz="1900" b="1" kern="1200" noProof="0" dirty="0" err="1">
               <a:latin typeface="Times New Roman" panose="02020603050405020304" pitchFamily="18" charset="0"/>
               <a:cs typeface="Times New Roman" panose="02020603050405020304" pitchFamily="18" charset="0"/>
             </a:rPr>
             <a:t>m_elbow</a:t>
           </a:r>
           <a:r>
-            <a:rPr lang="es-ES" sz="1900" b="1" kern="1200" dirty="0">
+            <a:rPr lang="en-US" sz="1900" b="1" kern="1200" noProof="0" dirty="0">
               <a:latin typeface="Times New Roman" panose="02020603050405020304" pitchFamily="18" charset="0"/>
               <a:cs typeface="Times New Roman" panose="02020603050405020304" pitchFamily="18" charset="0"/>
             </a:rPr>
             <a:t> – </a:t>
           </a:r>
           <a:r>
-            <a:rPr lang="es-ES" sz="1900" b="1" kern="1200" dirty="0" err="1">
+            <a:rPr lang="en-US" sz="1900" b="1" kern="1200" noProof="0" dirty="0" err="1">
               <a:latin typeface="Times New Roman" panose="02020603050405020304" pitchFamily="18" charset="0"/>
               <a:cs typeface="Times New Roman" panose="02020603050405020304" pitchFamily="18" charset="0"/>
             </a:rPr>
             <a:t>m_final</a:t>
           </a:r>
           <a:r>
-            <a:rPr lang="es-ES" sz="1900" b="1" kern="1200" dirty="0">
+            <a:rPr lang="en-US" sz="1900" b="1" kern="1200" noProof="0" dirty="0">
               <a:latin typeface="Times New Roman" panose="02020603050405020304" pitchFamily="18" charset="0"/>
               <a:cs typeface="Times New Roman" panose="02020603050405020304" pitchFamily="18" charset="0"/>
             </a:rPr>
             <a:t> </a:t>
           </a:r>
-          <a:endParaRPr lang="en-GB" sz="1900" b="1" kern="1200" dirty="0"/>
+          <a:endParaRPr lang="en-US" sz="1900" b="1" kern="1200" noProof="0" dirty="0"/>
         </a:p>
       </dsp:txBody>
       <dsp:txXfrm>
-        <a:off x="35268" y="3015383"/>
-        <a:ext cx="4382909" cy="651938"/>
+        <a:off x="35268" y="3048040"/>
+        <a:ext cx="3630607" cy="651938"/>
       </dsp:txXfrm>
     </dsp:sp>
   </dsp:spTree>
@@ -3030,6 +2871,524 @@
 </dgm:styleDef>
 </file>
 
+<file path=ppt/notesMasters/notesMaster1.xml><?xml version="1.0" encoding="utf-8"?>
+<p:notesMaster xmlns:a="http://schemas.openxmlformats.org/drawingml/2006/main" xmlns:r="http://schemas.openxmlformats.org/officeDocument/2006/relationships" xmlns:p="http://schemas.openxmlformats.org/presentationml/2006/main">
+  <p:cSld>
+    <p:bg>
+      <p:bgRef idx="1001">
+        <a:schemeClr val="bg1"/>
+      </p:bgRef>
+    </p:bg>
+    <p:spTree>
+      <p:nvGrpSpPr>
+        <p:cNvPr id="1" name=""/>
+        <p:cNvGrpSpPr/>
+        <p:nvPr/>
+      </p:nvGrpSpPr>
+      <p:grpSpPr>
+        <a:xfrm>
+          <a:off x="0" y="0"/>
+          <a:ext cx="0" cy="0"/>
+          <a:chOff x="0" y="0"/>
+          <a:chExt cx="0" cy="0"/>
+        </a:xfrm>
+      </p:grpSpPr>
+      <p:sp>
+        <p:nvSpPr>
+          <p:cNvPr id="2" name="Marcador de encabezado 1"/>
+          <p:cNvSpPr>
+            <a:spLocks noGrp="1"/>
+          </p:cNvSpPr>
+          <p:nvPr>
+            <p:ph type="hdr" sz="quarter"/>
+          </p:nvPr>
+        </p:nvSpPr>
+        <p:spPr>
+          <a:xfrm>
+            <a:off x="0" y="0"/>
+            <a:ext cx="2971800" cy="458788"/>
+          </a:xfrm>
+          <a:prstGeom prst="rect">
+            <a:avLst/>
+          </a:prstGeom>
+        </p:spPr>
+        <p:txBody>
+          <a:bodyPr vert="horz" lIns="91440" tIns="45720" rIns="91440" bIns="45720" rtlCol="0"/>
+          <a:lstStyle>
+            <a:lvl1pPr algn="l">
+              <a:defRPr sz="1200"/>
+            </a:lvl1pPr>
+          </a:lstStyle>
+          <a:p>
+            <a:endParaRPr lang="en-GB"/>
+          </a:p>
+        </p:txBody>
+      </p:sp>
+      <p:sp>
+        <p:nvSpPr>
+          <p:cNvPr id="3" name="Marcador de fecha 2"/>
+          <p:cNvSpPr>
+            <a:spLocks noGrp="1"/>
+          </p:cNvSpPr>
+          <p:nvPr>
+            <p:ph type="dt" idx="1"/>
+          </p:nvPr>
+        </p:nvSpPr>
+        <p:spPr>
+          <a:xfrm>
+            <a:off x="3884613" y="0"/>
+            <a:ext cx="2971800" cy="458788"/>
+          </a:xfrm>
+          <a:prstGeom prst="rect">
+            <a:avLst/>
+          </a:prstGeom>
+        </p:spPr>
+        <p:txBody>
+          <a:bodyPr vert="horz" lIns="91440" tIns="45720" rIns="91440" bIns="45720" rtlCol="0"/>
+          <a:lstStyle>
+            <a:lvl1pPr algn="r">
+              <a:defRPr sz="1200"/>
+            </a:lvl1pPr>
+          </a:lstStyle>
+          <a:p>
+            <a:fld id="{82A9F2C7-6AB5-4B2D-A231-F8CD7648FE5F}" type="datetimeFigureOut">
+              <a:rPr lang="en-GB" smtClean="0"/>
+              <a:t>29/07/2025</a:t>
+            </a:fld>
+            <a:endParaRPr lang="en-GB"/>
+          </a:p>
+        </p:txBody>
+      </p:sp>
+      <p:sp>
+        <p:nvSpPr>
+          <p:cNvPr id="4" name="Marcador de imagen de diapositiva 3"/>
+          <p:cNvSpPr>
+            <a:spLocks noGrp="1" noRot="1" noChangeAspect="1"/>
+          </p:cNvSpPr>
+          <p:nvPr>
+            <p:ph type="sldImg" idx="2"/>
+          </p:nvPr>
+        </p:nvSpPr>
+        <p:spPr>
+          <a:xfrm>
+            <a:off x="685800" y="1143000"/>
+            <a:ext cx="5486400" cy="3086100"/>
+          </a:xfrm>
+          <a:prstGeom prst="rect">
+            <a:avLst/>
+          </a:prstGeom>
+          <a:noFill/>
+          <a:ln w="12700">
+            <a:solidFill>
+              <a:prstClr val="black"/>
+            </a:solidFill>
+          </a:ln>
+        </p:spPr>
+        <p:txBody>
+          <a:bodyPr vert="horz" lIns="91440" tIns="45720" rIns="91440" bIns="45720" rtlCol="0" anchor="ctr"/>
+          <a:lstStyle/>
+          <a:p>
+            <a:endParaRPr lang="en-GB"/>
+          </a:p>
+        </p:txBody>
+      </p:sp>
+      <p:sp>
+        <p:nvSpPr>
+          <p:cNvPr id="5" name="Marcador de notas 4"/>
+          <p:cNvSpPr>
+            <a:spLocks noGrp="1"/>
+          </p:cNvSpPr>
+          <p:nvPr>
+            <p:ph type="body" sz="quarter" idx="3"/>
+          </p:nvPr>
+        </p:nvSpPr>
+        <p:spPr>
+          <a:xfrm>
+            <a:off x="685800" y="4400550"/>
+            <a:ext cx="5486400" cy="3600450"/>
+          </a:xfrm>
+          <a:prstGeom prst="rect">
+            <a:avLst/>
+          </a:prstGeom>
+        </p:spPr>
+        <p:txBody>
+          <a:bodyPr vert="horz" lIns="91440" tIns="45720" rIns="91440" bIns="45720" rtlCol="0"/>
+          <a:lstStyle/>
+          <a:p>
+            <a:pPr lvl="0"/>
+            <a:r>
+              <a:rPr lang="es-ES"/>
+              <a:t>Haga clic para modificar los estilos de texto del patrón</a:t>
+            </a:r>
+          </a:p>
+          <a:p>
+            <a:pPr lvl="1"/>
+            <a:r>
+              <a:rPr lang="es-ES"/>
+              <a:t>Segundo nivel</a:t>
+            </a:r>
+          </a:p>
+          <a:p>
+            <a:pPr lvl="2"/>
+            <a:r>
+              <a:rPr lang="es-ES"/>
+              <a:t>Tercer nivel</a:t>
+            </a:r>
+          </a:p>
+          <a:p>
+            <a:pPr lvl="3"/>
+            <a:r>
+              <a:rPr lang="es-ES"/>
+              <a:t>Cuarto nivel</a:t>
+            </a:r>
+          </a:p>
+          <a:p>
+            <a:pPr lvl="4"/>
+            <a:r>
+              <a:rPr lang="es-ES"/>
+              <a:t>Quinto nivel</a:t>
+            </a:r>
+            <a:endParaRPr lang="en-GB"/>
+          </a:p>
+        </p:txBody>
+      </p:sp>
+      <p:sp>
+        <p:nvSpPr>
+          <p:cNvPr id="6" name="Marcador de pie de página 5"/>
+          <p:cNvSpPr>
+            <a:spLocks noGrp="1"/>
+          </p:cNvSpPr>
+          <p:nvPr>
+            <p:ph type="ftr" sz="quarter" idx="4"/>
+          </p:nvPr>
+        </p:nvSpPr>
+        <p:spPr>
+          <a:xfrm>
+            <a:off x="0" y="8685213"/>
+            <a:ext cx="2971800" cy="458787"/>
+          </a:xfrm>
+          <a:prstGeom prst="rect">
+            <a:avLst/>
+          </a:prstGeom>
+        </p:spPr>
+        <p:txBody>
+          <a:bodyPr vert="horz" lIns="91440" tIns="45720" rIns="91440" bIns="45720" rtlCol="0" anchor="b"/>
+          <a:lstStyle>
+            <a:lvl1pPr algn="l">
+              <a:defRPr sz="1200"/>
+            </a:lvl1pPr>
+          </a:lstStyle>
+          <a:p>
+            <a:endParaRPr lang="en-GB"/>
+          </a:p>
+        </p:txBody>
+      </p:sp>
+      <p:sp>
+        <p:nvSpPr>
+          <p:cNvPr id="7" name="Marcador de número de diapositiva 6"/>
+          <p:cNvSpPr>
+            <a:spLocks noGrp="1"/>
+          </p:cNvSpPr>
+          <p:nvPr>
+            <p:ph type="sldNum" sz="quarter" idx="5"/>
+          </p:nvPr>
+        </p:nvSpPr>
+        <p:spPr>
+          <a:xfrm>
+            <a:off x="3884613" y="8685213"/>
+            <a:ext cx="2971800" cy="458787"/>
+          </a:xfrm>
+          <a:prstGeom prst="rect">
+            <a:avLst/>
+          </a:prstGeom>
+        </p:spPr>
+        <p:txBody>
+          <a:bodyPr vert="horz" lIns="91440" tIns="45720" rIns="91440" bIns="45720" rtlCol="0" anchor="b"/>
+          <a:lstStyle>
+            <a:lvl1pPr algn="r">
+              <a:defRPr sz="1200"/>
+            </a:lvl1pPr>
+          </a:lstStyle>
+          <a:p>
+            <a:fld id="{87F0930D-D2EC-476A-9833-118846D19211}" type="slidenum">
+              <a:rPr lang="en-GB" smtClean="0"/>
+              <a:t>‹Nº›</a:t>
+            </a:fld>
+            <a:endParaRPr lang="en-GB"/>
+          </a:p>
+        </p:txBody>
+      </p:sp>
+    </p:spTree>
+    <p:extLst>
+      <p:ext uri="{BB962C8B-B14F-4D97-AF65-F5344CB8AC3E}">
+        <p14:creationId xmlns:p14="http://schemas.microsoft.com/office/powerpoint/2010/main" val="861520590"/>
+      </p:ext>
+    </p:extLst>
+  </p:cSld>
+  <p:clrMap bg1="lt1" tx1="dk1" bg2="lt2" tx2="dk2" accent1="accent1" accent2="accent2" accent3="accent3" accent4="accent4" accent5="accent5" accent6="accent6" hlink="hlink" folHlink="folHlink"/>
+  <p:notesStyle>
+    <a:lvl1pPr marL="0" algn="l" defTabSz="914400" rtl="0" eaLnBrk="1" latinLnBrk="0" hangingPunct="1">
+      <a:defRPr sz="1200" kern="1200">
+        <a:solidFill>
+          <a:schemeClr val="tx1"/>
+        </a:solidFill>
+        <a:latin typeface="+mn-lt"/>
+        <a:ea typeface="+mn-ea"/>
+        <a:cs typeface="+mn-cs"/>
+      </a:defRPr>
+    </a:lvl1pPr>
+    <a:lvl2pPr marL="457200" algn="l" defTabSz="914400" rtl="0" eaLnBrk="1" latinLnBrk="0" hangingPunct="1">
+      <a:defRPr sz="1200" kern="1200">
+        <a:solidFill>
+          <a:schemeClr val="tx1"/>
+        </a:solidFill>
+        <a:latin typeface="+mn-lt"/>
+        <a:ea typeface="+mn-ea"/>
+        <a:cs typeface="+mn-cs"/>
+      </a:defRPr>
+    </a:lvl2pPr>
+    <a:lvl3pPr marL="914400" algn="l" defTabSz="914400" rtl="0" eaLnBrk="1" latinLnBrk="0" hangingPunct="1">
+      <a:defRPr sz="1200" kern="1200">
+        <a:solidFill>
+          <a:schemeClr val="tx1"/>
+        </a:solidFill>
+        <a:latin typeface="+mn-lt"/>
+        <a:ea typeface="+mn-ea"/>
+        <a:cs typeface="+mn-cs"/>
+      </a:defRPr>
+    </a:lvl3pPr>
+    <a:lvl4pPr marL="1371600" algn="l" defTabSz="914400" rtl="0" eaLnBrk="1" latinLnBrk="0" hangingPunct="1">
+      <a:defRPr sz="1200" kern="1200">
+        <a:solidFill>
+          <a:schemeClr val="tx1"/>
+        </a:solidFill>
+        <a:latin typeface="+mn-lt"/>
+        <a:ea typeface="+mn-ea"/>
+        <a:cs typeface="+mn-cs"/>
+      </a:defRPr>
+    </a:lvl4pPr>
+    <a:lvl5pPr marL="1828800" algn="l" defTabSz="914400" rtl="0" eaLnBrk="1" latinLnBrk="0" hangingPunct="1">
+      <a:defRPr sz="1200" kern="1200">
+        <a:solidFill>
+          <a:schemeClr val="tx1"/>
+        </a:solidFill>
+        <a:latin typeface="+mn-lt"/>
+        <a:ea typeface="+mn-ea"/>
+        <a:cs typeface="+mn-cs"/>
+      </a:defRPr>
+    </a:lvl5pPr>
+    <a:lvl6pPr marL="2286000" algn="l" defTabSz="914400" rtl="0" eaLnBrk="1" latinLnBrk="0" hangingPunct="1">
+      <a:defRPr sz="1200" kern="1200">
+        <a:solidFill>
+          <a:schemeClr val="tx1"/>
+        </a:solidFill>
+        <a:latin typeface="+mn-lt"/>
+        <a:ea typeface="+mn-ea"/>
+        <a:cs typeface="+mn-cs"/>
+      </a:defRPr>
+    </a:lvl6pPr>
+    <a:lvl7pPr marL="2743200" algn="l" defTabSz="914400" rtl="0" eaLnBrk="1" latinLnBrk="0" hangingPunct="1">
+      <a:defRPr sz="1200" kern="1200">
+        <a:solidFill>
+          <a:schemeClr val="tx1"/>
+        </a:solidFill>
+        <a:latin typeface="+mn-lt"/>
+        <a:ea typeface="+mn-ea"/>
+        <a:cs typeface="+mn-cs"/>
+      </a:defRPr>
+    </a:lvl7pPr>
+    <a:lvl8pPr marL="3200400" algn="l" defTabSz="914400" rtl="0" eaLnBrk="1" latinLnBrk="0" hangingPunct="1">
+      <a:defRPr sz="1200" kern="1200">
+        <a:solidFill>
+          <a:schemeClr val="tx1"/>
+        </a:solidFill>
+        <a:latin typeface="+mn-lt"/>
+        <a:ea typeface="+mn-ea"/>
+        <a:cs typeface="+mn-cs"/>
+      </a:defRPr>
+    </a:lvl8pPr>
+    <a:lvl9pPr marL="3657600" algn="l" defTabSz="914400" rtl="0" eaLnBrk="1" latinLnBrk="0" hangingPunct="1">
+      <a:defRPr sz="1200" kern="1200">
+        <a:solidFill>
+          <a:schemeClr val="tx1"/>
+        </a:solidFill>
+        <a:latin typeface="+mn-lt"/>
+        <a:ea typeface="+mn-ea"/>
+        <a:cs typeface="+mn-cs"/>
+      </a:defRPr>
+    </a:lvl9pPr>
+  </p:notesStyle>
+</p:notesMaster>
+</file>
+
+<file path=ppt/notesSlides/notesSlide1.xml><?xml version="1.0" encoding="utf-8"?>
+<p:notes xmlns:a="http://schemas.openxmlformats.org/drawingml/2006/main" xmlns:r="http://schemas.openxmlformats.org/officeDocument/2006/relationships" xmlns:p="http://schemas.openxmlformats.org/presentationml/2006/main">
+  <p:cSld>
+    <p:spTree>
+      <p:nvGrpSpPr>
+        <p:cNvPr id="1" name=""/>
+        <p:cNvGrpSpPr/>
+        <p:nvPr/>
+      </p:nvGrpSpPr>
+      <p:grpSpPr>
+        <a:xfrm>
+          <a:off x="0" y="0"/>
+          <a:ext cx="0" cy="0"/>
+          <a:chOff x="0" y="0"/>
+          <a:chExt cx="0" cy="0"/>
+        </a:xfrm>
+      </p:grpSpPr>
+      <p:sp>
+        <p:nvSpPr>
+          <p:cNvPr id="2" name="Marcador de imagen de diapositiva 1"/>
+          <p:cNvSpPr>
+            <a:spLocks noGrp="1" noRot="1" noChangeAspect="1"/>
+          </p:cNvSpPr>
+          <p:nvPr>
+            <p:ph type="sldImg"/>
+          </p:nvPr>
+        </p:nvSpPr>
+        <p:spPr/>
+      </p:sp>
+      <p:sp>
+        <p:nvSpPr>
+          <p:cNvPr id="3" name="Marcador de notas 2"/>
+          <p:cNvSpPr>
+            <a:spLocks noGrp="1"/>
+          </p:cNvSpPr>
+          <p:nvPr>
+            <p:ph type="body" idx="1"/>
+          </p:nvPr>
+        </p:nvSpPr>
+        <p:spPr/>
+        <p:txBody>
+          <a:bodyPr/>
+          <a:lstStyle/>
+          <a:p>
+            <a:endParaRPr lang="en-GB" dirty="0"/>
+          </a:p>
+        </p:txBody>
+      </p:sp>
+      <p:sp>
+        <p:nvSpPr>
+          <p:cNvPr id="4" name="Marcador de número de diapositiva 3"/>
+          <p:cNvSpPr>
+            <a:spLocks noGrp="1"/>
+          </p:cNvSpPr>
+          <p:nvPr>
+            <p:ph type="sldNum" sz="quarter" idx="5"/>
+          </p:nvPr>
+        </p:nvSpPr>
+        <p:spPr/>
+        <p:txBody>
+          <a:bodyPr/>
+          <a:lstStyle/>
+          <a:p>
+            <a:fld id="{87F0930D-D2EC-476A-9833-118846D19211}" type="slidenum">
+              <a:rPr lang="en-GB" smtClean="0"/>
+              <a:t>14</a:t>
+            </a:fld>
+            <a:endParaRPr lang="en-GB"/>
+          </a:p>
+        </p:txBody>
+      </p:sp>
+    </p:spTree>
+    <p:extLst>
+      <p:ext uri="{BB962C8B-B14F-4D97-AF65-F5344CB8AC3E}">
+        <p14:creationId xmlns:p14="http://schemas.microsoft.com/office/powerpoint/2010/main" val="624182255"/>
+      </p:ext>
+    </p:extLst>
+  </p:cSld>
+  <p:clrMapOvr>
+    <a:masterClrMapping/>
+  </p:clrMapOvr>
+</p:notes>
+</file>
+
+<file path=ppt/notesSlides/notesSlide2.xml><?xml version="1.0" encoding="utf-8"?>
+<p:notes xmlns:a="http://schemas.openxmlformats.org/drawingml/2006/main" xmlns:r="http://schemas.openxmlformats.org/officeDocument/2006/relationships" xmlns:p="http://schemas.openxmlformats.org/presentationml/2006/main">
+  <p:cSld>
+    <p:spTree>
+      <p:nvGrpSpPr>
+        <p:cNvPr id="1" name=""/>
+        <p:cNvGrpSpPr/>
+        <p:nvPr/>
+      </p:nvGrpSpPr>
+      <p:grpSpPr>
+        <a:xfrm>
+          <a:off x="0" y="0"/>
+          <a:ext cx="0" cy="0"/>
+          <a:chOff x="0" y="0"/>
+          <a:chExt cx="0" cy="0"/>
+        </a:xfrm>
+      </p:grpSpPr>
+      <p:sp>
+        <p:nvSpPr>
+          <p:cNvPr id="2" name="Marcador de imagen de diapositiva 1"/>
+          <p:cNvSpPr>
+            <a:spLocks noGrp="1" noRot="1" noChangeAspect="1"/>
+          </p:cNvSpPr>
+          <p:nvPr>
+            <p:ph type="sldImg"/>
+          </p:nvPr>
+        </p:nvSpPr>
+        <p:spPr/>
+      </p:sp>
+      <p:sp>
+        <p:nvSpPr>
+          <p:cNvPr id="3" name="Marcador de notas 2"/>
+          <p:cNvSpPr>
+            <a:spLocks noGrp="1"/>
+          </p:cNvSpPr>
+          <p:nvPr>
+            <p:ph type="body" idx="1"/>
+          </p:nvPr>
+        </p:nvSpPr>
+        <p:spPr/>
+        <p:txBody>
+          <a:bodyPr/>
+          <a:lstStyle/>
+          <a:p>
+            <a:endParaRPr lang="en-GB" dirty="0"/>
+          </a:p>
+        </p:txBody>
+      </p:sp>
+      <p:sp>
+        <p:nvSpPr>
+          <p:cNvPr id="4" name="Marcador de número de diapositiva 3"/>
+          <p:cNvSpPr>
+            <a:spLocks noGrp="1"/>
+          </p:cNvSpPr>
+          <p:nvPr>
+            <p:ph type="sldNum" sz="quarter" idx="5"/>
+          </p:nvPr>
+        </p:nvSpPr>
+        <p:spPr/>
+        <p:txBody>
+          <a:bodyPr/>
+          <a:lstStyle/>
+          <a:p>
+            <a:fld id="{87F0930D-D2EC-476A-9833-118846D19211}" type="slidenum">
+              <a:rPr lang="en-GB" smtClean="0"/>
+              <a:t>19</a:t>
+            </a:fld>
+            <a:endParaRPr lang="en-GB"/>
+          </a:p>
+        </p:txBody>
+      </p:sp>
+    </p:spTree>
+    <p:extLst>
+      <p:ext uri="{BB962C8B-B14F-4D97-AF65-F5344CB8AC3E}">
+        <p14:creationId xmlns:p14="http://schemas.microsoft.com/office/powerpoint/2010/main" val="468870736"/>
+      </p:ext>
+    </p:extLst>
+  </p:cSld>
+  <p:clrMapOvr>
+    <a:masterClrMapping/>
+  </p:clrMapOvr>
+</p:notes>
+</file>
+
 <file path=ppt/slideLayouts/slideLayout1.xml><?xml version="1.0" encoding="utf-8"?>
 <p:sldLayout xmlns:a="http://schemas.openxmlformats.org/drawingml/2006/main" xmlns:r="http://schemas.openxmlformats.org/officeDocument/2006/relationships" xmlns:p="http://schemas.openxmlformats.org/presentationml/2006/main" showMasterSp="0" type="title" preserve="1">
   <p:cSld name="Diapositiva de título">
@@ -8816,7 +9175,7 @@
         </p:nvSpPr>
         <p:spPr>
           <a:xfrm>
-            <a:off x="327722" y="4500964"/>
+            <a:off x="295065" y="4500964"/>
             <a:ext cx="8637072" cy="1476225"/>
           </a:xfrm>
         </p:spPr>
@@ -8827,14 +9186,18 @@
           <a:lstStyle/>
           <a:p>
             <a:r>
-              <a:rPr lang="en-US" b="1" noProof="0" dirty="0"/>
+              <a:rPr lang="en-US" sz="2800" b="1" noProof="0" dirty="0"/>
               <a:t>David Valcárcel </a:t>
             </a:r>
             <a:r>
-              <a:rPr lang="en-US" b="1" noProof="0" dirty="0" err="1"/>
-              <a:t>herrera</a:t>
-            </a:r>
-            <a:endParaRPr lang="en-US" b="1" noProof="0" dirty="0"/>
+              <a:rPr lang="en-US" sz="2800" b="1" dirty="0"/>
+              <a:t>H</a:t>
+            </a:r>
+            <a:r>
+              <a:rPr lang="en-US" sz="2800" b="1" noProof="0" dirty="0" err="1"/>
+              <a:t>errera</a:t>
+            </a:r>
+            <a:endParaRPr lang="en-US" sz="2800" b="1" noProof="0" dirty="0"/>
           </a:p>
           <a:p>
             <a:r>
@@ -8870,605 +9233,6 @@
 </file>
 
 <file path=ppt/slides/slide10.xml><?xml version="1.0" encoding="utf-8"?>
-<p:sld xmlns:a="http://schemas.openxmlformats.org/drawingml/2006/main" xmlns:r="http://schemas.openxmlformats.org/officeDocument/2006/relationships" xmlns:p="http://schemas.openxmlformats.org/presentationml/2006/main">
-  <p:cSld>
-    <p:spTree>
-      <p:nvGrpSpPr>
-        <p:cNvPr id="1" name="">
-          <a:extLst>
-            <a:ext uri="{FF2B5EF4-FFF2-40B4-BE49-F238E27FC236}">
-              <a16:creationId xmlns:a16="http://schemas.microsoft.com/office/drawing/2014/main" id="{C6DE3BAE-2F93-46F5-CB01-E5C80F0FE656}"/>
-            </a:ext>
-          </a:extLst>
-        </p:cNvPr>
-        <p:cNvGrpSpPr/>
-        <p:nvPr/>
-      </p:nvGrpSpPr>
-      <p:grpSpPr>
-        <a:xfrm>
-          <a:off x="0" y="0"/>
-          <a:ext cx="0" cy="0"/>
-          <a:chOff x="0" y="0"/>
-          <a:chExt cx="0" cy="0"/>
-        </a:xfrm>
-      </p:grpSpPr>
-      <p:sp>
-        <p:nvSpPr>
-          <p:cNvPr id="2" name="Título 1">
-            <a:extLst>
-              <a:ext uri="{FF2B5EF4-FFF2-40B4-BE49-F238E27FC236}">
-                <a16:creationId xmlns:a16="http://schemas.microsoft.com/office/drawing/2014/main" id="{BD5E7BD0-7C18-29CF-C0A9-0AC195D51150}"/>
-              </a:ext>
-            </a:extLst>
-          </p:cNvPr>
-          <p:cNvSpPr>
-            <a:spLocks noGrp="1"/>
-          </p:cNvSpPr>
-          <p:nvPr>
-            <p:ph type="title"/>
-          </p:nvPr>
-        </p:nvSpPr>
-        <p:spPr>
-          <a:xfrm>
-            <a:off x="655563" y="252263"/>
-            <a:ext cx="8869437" cy="1320800"/>
-          </a:xfrm>
-        </p:spPr>
-        <p:txBody>
-          <a:bodyPr>
-            <a:normAutofit/>
-          </a:bodyPr>
-          <a:lstStyle/>
-          <a:p>
-            <a:r>
-              <a:rPr lang="en-GB" noProof="0" dirty="0"/>
-              <a:t>2. Is foliar application or trunk injection more efficient for each treatment? (2018)</a:t>
-            </a:r>
-            <a:endParaRPr lang="en-US" noProof="0" dirty="0"/>
-          </a:p>
-        </p:txBody>
-      </p:sp>
-      <p:pic>
-        <p:nvPicPr>
-          <p:cNvPr id="6" name="Imagen 5">
-            <a:extLst>
-              <a:ext uri="{FF2B5EF4-FFF2-40B4-BE49-F238E27FC236}">
-                <a16:creationId xmlns:a16="http://schemas.microsoft.com/office/drawing/2014/main" id="{40376781-1BFE-CE0C-9888-12283AE68325}"/>
-              </a:ext>
-            </a:extLst>
-          </p:cNvPr>
-          <p:cNvPicPr>
-            <a:picLocks noChangeAspect="1"/>
-          </p:cNvPicPr>
-          <p:nvPr/>
-        </p:nvPicPr>
-        <p:blipFill>
-          <a:blip r:embed="rId2"/>
-          <a:stretch>
-            <a:fillRect/>
-          </a:stretch>
-        </p:blipFill>
-        <p:spPr>
-          <a:xfrm>
-            <a:off x="783771" y="6165839"/>
-            <a:ext cx="2560565" cy="678044"/>
-          </a:xfrm>
-          <a:prstGeom prst="rect">
-            <a:avLst/>
-          </a:prstGeom>
-        </p:spPr>
-      </p:pic>
-      <p:sp>
-        <p:nvSpPr>
-          <p:cNvPr id="3" name="CuadroTexto 2">
-            <a:extLst>
-              <a:ext uri="{FF2B5EF4-FFF2-40B4-BE49-F238E27FC236}">
-                <a16:creationId xmlns:a16="http://schemas.microsoft.com/office/drawing/2014/main" id="{1008A915-B0A0-2CC8-D116-F83261F3EED8}"/>
-              </a:ext>
-            </a:extLst>
-          </p:cNvPr>
-          <p:cNvSpPr txBox="1"/>
-          <p:nvPr/>
-        </p:nvSpPr>
-        <p:spPr>
-          <a:xfrm>
-            <a:off x="3537856" y="6197552"/>
-            <a:ext cx="3722915" cy="646331"/>
-          </a:xfrm>
-          <a:prstGeom prst="rect">
-            <a:avLst/>
-          </a:prstGeom>
-          <a:noFill/>
-        </p:spPr>
-        <p:txBody>
-          <a:bodyPr wrap="square" rtlCol="0">
-            <a:spAutoFit/>
-          </a:bodyPr>
-          <a:lstStyle/>
-          <a:p>
-            <a:r>
-              <a:rPr lang="es-ES" dirty="0"/>
-              <a:t>INJ – </a:t>
-            </a:r>
-            <a:r>
-              <a:rPr lang="es-ES" dirty="0" err="1"/>
-              <a:t>trunk</a:t>
-            </a:r>
-            <a:r>
-              <a:rPr lang="es-ES" dirty="0"/>
-              <a:t> </a:t>
-            </a:r>
-            <a:r>
-              <a:rPr lang="es-ES" dirty="0" err="1"/>
-              <a:t>injection</a:t>
-            </a:r>
-            <a:endParaRPr lang="es-ES" dirty="0"/>
-          </a:p>
-          <a:p>
-            <a:r>
-              <a:rPr lang="es-ES" dirty="0"/>
-              <a:t>FOL – foliar </a:t>
-            </a:r>
-            <a:r>
-              <a:rPr lang="es-ES" dirty="0" err="1"/>
-              <a:t>application</a:t>
-            </a:r>
-            <a:endParaRPr lang="en-GB" dirty="0"/>
-          </a:p>
-        </p:txBody>
-      </p:sp>
-      <p:sp>
-        <p:nvSpPr>
-          <p:cNvPr id="15" name="Rectángulo 14">
-            <a:extLst>
-              <a:ext uri="{FF2B5EF4-FFF2-40B4-BE49-F238E27FC236}">
-                <a16:creationId xmlns:a16="http://schemas.microsoft.com/office/drawing/2014/main" id="{25789CE6-AECF-5E5E-1535-D45967283EF8}"/>
-              </a:ext>
-            </a:extLst>
-          </p:cNvPr>
-          <p:cNvSpPr/>
-          <p:nvPr/>
-        </p:nvSpPr>
-        <p:spPr>
-          <a:xfrm>
-            <a:off x="8510205" y="1709057"/>
-            <a:ext cx="3418117" cy="4597400"/>
-          </a:xfrm>
-          <a:prstGeom prst="rect">
-            <a:avLst/>
-          </a:prstGeom>
-          <a:solidFill>
-            <a:schemeClr val="accent1">
-              <a:lumMod val="60000"/>
-              <a:lumOff val="40000"/>
-            </a:schemeClr>
-          </a:solidFill>
-        </p:spPr>
-        <p:style>
-          <a:lnRef idx="2">
-            <a:schemeClr val="accent1">
-              <a:shade val="15000"/>
-            </a:schemeClr>
-          </a:lnRef>
-          <a:fillRef idx="1">
-            <a:schemeClr val="accent1"/>
-          </a:fillRef>
-          <a:effectRef idx="0">
-            <a:schemeClr val="accent1"/>
-          </a:effectRef>
-          <a:fontRef idx="minor">
-            <a:schemeClr val="lt1"/>
-          </a:fontRef>
-        </p:style>
-        <p:txBody>
-          <a:bodyPr rtlCol="0" anchor="ctr"/>
-          <a:lstStyle/>
-          <a:p>
-            <a:r>
-              <a:rPr lang="es-ES" dirty="0" err="1">
-                <a:solidFill>
-                  <a:schemeClr val="tx1"/>
-                </a:solidFill>
-              </a:rPr>
-              <a:t>We</a:t>
-            </a:r>
-            <a:r>
-              <a:rPr lang="es-ES" dirty="0">
-                <a:solidFill>
-                  <a:schemeClr val="tx1"/>
-                </a:solidFill>
-              </a:rPr>
-              <a:t> </a:t>
-            </a:r>
-            <a:r>
-              <a:rPr lang="es-ES" dirty="0" err="1">
-                <a:solidFill>
-                  <a:schemeClr val="tx1"/>
-                </a:solidFill>
-              </a:rPr>
-              <a:t>conclude</a:t>
-            </a:r>
-            <a:r>
-              <a:rPr lang="es-ES" dirty="0">
-                <a:solidFill>
-                  <a:schemeClr val="tx1"/>
-                </a:solidFill>
-              </a:rPr>
-              <a:t> </a:t>
-            </a:r>
-            <a:r>
-              <a:rPr lang="es-ES" dirty="0" err="1">
-                <a:solidFill>
-                  <a:schemeClr val="tx1"/>
-                </a:solidFill>
-              </a:rPr>
-              <a:t>that</a:t>
-            </a:r>
-            <a:r>
-              <a:rPr lang="es-ES" dirty="0">
-                <a:solidFill>
-                  <a:schemeClr val="tx1"/>
-                </a:solidFill>
-              </a:rPr>
-              <a:t> </a:t>
-            </a:r>
-            <a:r>
-              <a:rPr lang="es-ES" b="1" dirty="0" err="1">
-                <a:solidFill>
-                  <a:schemeClr val="tx1"/>
-                </a:solidFill>
-              </a:rPr>
-              <a:t>it</a:t>
-            </a:r>
-            <a:r>
-              <a:rPr lang="es-ES" b="1" dirty="0">
-                <a:solidFill>
-                  <a:schemeClr val="tx1"/>
-                </a:solidFill>
-              </a:rPr>
-              <a:t> </a:t>
-            </a:r>
-            <a:r>
-              <a:rPr lang="es-ES" b="1" dirty="0" err="1">
-                <a:solidFill>
-                  <a:schemeClr val="tx1"/>
-                </a:solidFill>
-              </a:rPr>
-              <a:t>does</a:t>
-            </a:r>
-            <a:r>
-              <a:rPr lang="es-ES" b="1" dirty="0">
-                <a:solidFill>
-                  <a:schemeClr val="tx1"/>
-                </a:solidFill>
-              </a:rPr>
-              <a:t> </a:t>
-            </a:r>
-            <a:r>
-              <a:rPr lang="es-ES" b="1" dirty="0" err="1">
-                <a:solidFill>
-                  <a:schemeClr val="tx1"/>
-                </a:solidFill>
-              </a:rPr>
-              <a:t>not</a:t>
-            </a:r>
-            <a:r>
-              <a:rPr lang="es-ES" b="1" dirty="0">
-                <a:solidFill>
-                  <a:schemeClr val="tx1"/>
-                </a:solidFill>
-              </a:rPr>
-              <a:t> </a:t>
-            </a:r>
-            <a:r>
-              <a:rPr lang="es-ES" b="1" dirty="0" err="1">
-                <a:solidFill>
-                  <a:schemeClr val="tx1"/>
-                </a:solidFill>
-              </a:rPr>
-              <a:t>matter</a:t>
-            </a:r>
-            <a:r>
-              <a:rPr lang="es-ES" b="1" dirty="0">
-                <a:solidFill>
-                  <a:schemeClr val="tx1"/>
-                </a:solidFill>
-              </a:rPr>
-              <a:t> </a:t>
-            </a:r>
-            <a:r>
-              <a:rPr lang="es-ES" b="1" dirty="0" err="1">
-                <a:solidFill>
-                  <a:schemeClr val="tx1"/>
-                </a:solidFill>
-              </a:rPr>
-              <a:t>if</a:t>
-            </a:r>
-            <a:r>
-              <a:rPr lang="es-ES" b="1" dirty="0">
-                <a:solidFill>
-                  <a:schemeClr val="tx1"/>
-                </a:solidFill>
-              </a:rPr>
-              <a:t> </a:t>
-            </a:r>
-            <a:r>
-              <a:rPr lang="es-ES" b="1" dirty="0" err="1">
-                <a:solidFill>
-                  <a:schemeClr val="tx1"/>
-                </a:solidFill>
-              </a:rPr>
-              <a:t>we</a:t>
-            </a:r>
-            <a:r>
-              <a:rPr lang="es-ES" b="1" dirty="0">
-                <a:solidFill>
-                  <a:schemeClr val="tx1"/>
-                </a:solidFill>
-              </a:rPr>
-              <a:t> </a:t>
-            </a:r>
-            <a:r>
-              <a:rPr lang="es-ES" b="1" dirty="0" err="1">
-                <a:solidFill>
-                  <a:schemeClr val="tx1"/>
-                </a:solidFill>
-              </a:rPr>
-              <a:t>make</a:t>
-            </a:r>
-            <a:r>
-              <a:rPr lang="es-ES" b="1" dirty="0">
-                <a:solidFill>
-                  <a:schemeClr val="tx1"/>
-                </a:solidFill>
-              </a:rPr>
-              <a:t> a foliar </a:t>
-            </a:r>
-            <a:r>
-              <a:rPr lang="es-ES" b="1" dirty="0" err="1">
-                <a:solidFill>
-                  <a:schemeClr val="tx1"/>
-                </a:solidFill>
-              </a:rPr>
-              <a:t>application</a:t>
-            </a:r>
-            <a:r>
-              <a:rPr lang="es-ES" b="1" dirty="0">
-                <a:solidFill>
-                  <a:schemeClr val="tx1"/>
-                </a:solidFill>
-              </a:rPr>
-              <a:t> </a:t>
-            </a:r>
-            <a:r>
-              <a:rPr lang="es-ES" b="1" dirty="0" err="1">
-                <a:solidFill>
-                  <a:schemeClr val="tx1"/>
-                </a:solidFill>
-              </a:rPr>
-              <a:t>or</a:t>
-            </a:r>
-            <a:r>
-              <a:rPr lang="es-ES" b="1" dirty="0">
-                <a:solidFill>
-                  <a:schemeClr val="tx1"/>
-                </a:solidFill>
-              </a:rPr>
-              <a:t> a </a:t>
-            </a:r>
-            <a:r>
-              <a:rPr lang="es-ES" b="1" dirty="0" err="1">
-                <a:solidFill>
-                  <a:schemeClr val="tx1"/>
-                </a:solidFill>
-              </a:rPr>
-              <a:t>trunk</a:t>
-            </a:r>
-            <a:r>
-              <a:rPr lang="es-ES" b="1" dirty="0">
-                <a:solidFill>
-                  <a:schemeClr val="tx1"/>
-                </a:solidFill>
-              </a:rPr>
-              <a:t> </a:t>
-            </a:r>
-            <a:r>
-              <a:rPr lang="es-ES" b="1" dirty="0" err="1">
-                <a:solidFill>
-                  <a:schemeClr val="tx1"/>
-                </a:solidFill>
-              </a:rPr>
-              <a:t>injection</a:t>
-            </a:r>
-            <a:r>
-              <a:rPr lang="es-ES" b="1" dirty="0">
-                <a:solidFill>
-                  <a:schemeClr val="tx1"/>
-                </a:solidFill>
-              </a:rPr>
-              <a:t> </a:t>
-            </a:r>
-            <a:r>
-              <a:rPr lang="es-ES" b="1" dirty="0" err="1">
-                <a:solidFill>
-                  <a:schemeClr val="tx1"/>
-                </a:solidFill>
-              </a:rPr>
-              <a:t>for</a:t>
-            </a:r>
-            <a:r>
-              <a:rPr lang="es-ES" b="1" dirty="0">
-                <a:solidFill>
-                  <a:schemeClr val="tx1"/>
-                </a:solidFill>
-              </a:rPr>
-              <a:t> </a:t>
-            </a:r>
-            <a:r>
-              <a:rPr lang="es-ES" b="1" dirty="0" err="1">
-                <a:solidFill>
-                  <a:schemeClr val="tx1"/>
-                </a:solidFill>
-              </a:rPr>
-              <a:t>treatments</a:t>
-            </a:r>
-            <a:r>
-              <a:rPr lang="es-ES" b="1" dirty="0">
-                <a:solidFill>
-                  <a:schemeClr val="tx1"/>
-                </a:solidFill>
-              </a:rPr>
-              <a:t> </a:t>
-            </a:r>
-            <a:r>
-              <a:rPr lang="es-ES" b="1" dirty="0" err="1">
-                <a:solidFill>
-                  <a:schemeClr val="tx1"/>
-                </a:solidFill>
-              </a:rPr>
-              <a:t>applied</a:t>
-            </a:r>
-            <a:r>
-              <a:rPr lang="es-ES" b="1" dirty="0">
-                <a:solidFill>
-                  <a:schemeClr val="tx1"/>
-                </a:solidFill>
-              </a:rPr>
-              <a:t> in 2018 </a:t>
-            </a:r>
-            <a:r>
-              <a:rPr lang="es-ES" b="1" dirty="0" err="1">
-                <a:solidFill>
-                  <a:schemeClr val="tx1"/>
-                </a:solidFill>
-              </a:rPr>
-              <a:t>regarding</a:t>
-            </a:r>
-            <a:r>
-              <a:rPr lang="es-ES" b="1" dirty="0">
-                <a:solidFill>
-                  <a:schemeClr val="tx1"/>
-                </a:solidFill>
-              </a:rPr>
-              <a:t> </a:t>
-            </a:r>
-            <a:r>
-              <a:rPr lang="es-ES" b="1" dirty="0" err="1">
-                <a:solidFill>
-                  <a:schemeClr val="tx1"/>
-                </a:solidFill>
-              </a:rPr>
-              <a:t>mortality</a:t>
-            </a:r>
-            <a:r>
-              <a:rPr lang="es-ES" dirty="0">
-                <a:solidFill>
-                  <a:schemeClr val="tx1"/>
-                </a:solidFill>
-              </a:rPr>
-              <a:t>. </a:t>
-            </a:r>
-          </a:p>
-          <a:p>
-            <a:endParaRPr lang="es-ES" dirty="0">
-              <a:solidFill>
-                <a:schemeClr val="tx1"/>
-              </a:solidFill>
-            </a:endParaRPr>
-          </a:p>
-          <a:p>
-            <a:r>
-              <a:rPr lang="en-GB" dirty="0">
-                <a:solidFill>
-                  <a:schemeClr val="tx1"/>
-                </a:solidFill>
-              </a:rPr>
-              <a:t>Overall, we have found that, </a:t>
-            </a:r>
-            <a:r>
-              <a:rPr lang="en-GB" b="1" dirty="0">
-                <a:solidFill>
-                  <a:schemeClr val="tx1"/>
-                </a:solidFill>
-              </a:rPr>
-              <a:t>unless CONFIDOR is applied, the method of application has no effect on mortality</a:t>
-            </a:r>
-            <a:r>
-              <a:rPr lang="en-GB" dirty="0">
-                <a:solidFill>
-                  <a:schemeClr val="tx1"/>
-                </a:solidFill>
-              </a:rPr>
-              <a:t>. However, there appears to be a general, non-statistical trend suggesting </a:t>
-            </a:r>
-            <a:r>
-              <a:rPr lang="en-GB" b="1" dirty="0">
-                <a:solidFill>
-                  <a:schemeClr val="tx1"/>
-                </a:solidFill>
-              </a:rPr>
-              <a:t>that foliar application tends to be the most effective</a:t>
-            </a:r>
-            <a:r>
-              <a:rPr lang="en-GB" dirty="0">
-                <a:solidFill>
-                  <a:schemeClr val="tx1"/>
-                </a:solidFill>
-              </a:rPr>
-              <a:t>.</a:t>
-            </a:r>
-          </a:p>
-        </p:txBody>
-      </p:sp>
-      <p:pic>
-        <p:nvPicPr>
-          <p:cNvPr id="19" name="Marcador de contenido 18">
-            <a:extLst>
-              <a:ext uri="{FF2B5EF4-FFF2-40B4-BE49-F238E27FC236}">
-                <a16:creationId xmlns:a16="http://schemas.microsoft.com/office/drawing/2014/main" id="{6D98502B-CAD8-31E6-82E0-3ABE5A1DACC0}"/>
-              </a:ext>
-            </a:extLst>
-          </p:cNvPr>
-          <p:cNvPicPr>
-            <a:picLocks noGrp="1" noChangeAspect="1"/>
-          </p:cNvPicPr>
-          <p:nvPr>
-            <p:ph idx="1"/>
-          </p:nvPr>
-        </p:nvPicPr>
-        <p:blipFill>
-          <a:blip r:embed="rId3">
-            <a:extLst>
-              <a:ext uri="{28A0092B-C50C-407E-A947-70E740481C1C}">
-                <a14:useLocalDpi xmlns:a14="http://schemas.microsoft.com/office/drawing/2010/main" val="0"/>
-              </a:ext>
-            </a:extLst>
-          </a:blip>
-          <a:stretch>
-            <a:fillRect/>
-          </a:stretch>
-        </p:blipFill>
-        <p:spPr>
-          <a:xfrm>
-            <a:off x="578033" y="1425624"/>
-            <a:ext cx="7782196" cy="4807128"/>
-          </a:xfrm>
-        </p:spPr>
-      </p:pic>
-    </p:spTree>
-    <p:extLst>
-      <p:ext uri="{BB962C8B-B14F-4D97-AF65-F5344CB8AC3E}">
-        <p14:creationId xmlns:p14="http://schemas.microsoft.com/office/powerpoint/2010/main" val="3379292936"/>
-      </p:ext>
-    </p:extLst>
-  </p:cSld>
-  <p:clrMapOvr>
-    <a:masterClrMapping/>
-  </p:clrMapOvr>
-</p:sld>
-</file>
-
-<file path=ppt/slides/slide11.xml><?xml version="1.0" encoding="utf-8"?>
 <p:sld xmlns:a="http://schemas.openxmlformats.org/drawingml/2006/main" xmlns:r="http://schemas.openxmlformats.org/officeDocument/2006/relationships" xmlns:p="http://schemas.openxmlformats.org/presentationml/2006/main">
   <p:cSld>
     <p:spTree>
@@ -9507,7 +9271,12 @@
             <p:ph type="title"/>
           </p:nvPr>
         </p:nvSpPr>
-        <p:spPr/>
+        <p:spPr>
+          <a:xfrm>
+            <a:off x="0" y="152820"/>
+            <a:ext cx="7900609" cy="1320800"/>
+          </a:xfrm>
+        </p:spPr>
         <p:txBody>
           <a:bodyPr>
             <a:normAutofit fontScale="90000"/>
@@ -9551,8 +9320,8 @@
         </p:blipFill>
         <p:spPr>
           <a:xfrm>
-            <a:off x="185684" y="1930400"/>
-            <a:ext cx="7639352" cy="4550988"/>
+            <a:off x="-30865" y="1560985"/>
+            <a:ext cx="8728552" cy="5199857"/>
           </a:xfrm>
         </p:spPr>
       </p:pic>
@@ -9570,7 +9339,7 @@
         </p:nvSpPr>
         <p:spPr>
           <a:xfrm>
-            <a:off x="8305173" y="1794818"/>
+            <a:off x="8383186" y="152820"/>
             <a:ext cx="3701143" cy="1023258"/>
           </a:xfrm>
           <a:prstGeom prst="rect">
@@ -9599,7 +9368,7 @@
           <a:p>
             <a:pPr algn="ctr"/>
             <a:r>
-              <a:rPr lang="es-ES" dirty="0" err="1">
+              <a:rPr lang="en-US" noProof="0" dirty="0">
                 <a:ln w="0"/>
                 <a:solidFill>
                   <a:schemeClr val="tx1"/>
@@ -9612,26 +9381,10 @@
                   </a:outerShdw>
                 </a:effectLst>
               </a:rPr>
-              <a:t>The</a:t>
-            </a:r>
-            <a:r>
-              <a:rPr lang="es-ES" dirty="0">
-                <a:ln w="0"/>
-                <a:solidFill>
-                  <a:schemeClr val="tx1"/>
-                </a:solidFill>
-                <a:effectLst>
-                  <a:outerShdw blurRad="38100" dist="19050" dir="2700000" algn="tl" rotWithShape="0">
-                    <a:schemeClr val="dk1">
-                      <a:alpha val="40000"/>
-                    </a:schemeClr>
-                  </a:outerShdw>
-                </a:effectLst>
-              </a:rPr>
-              <a:t> </a:t>
-            </a:r>
-            <a:r>
-              <a:rPr lang="es-ES" b="1" dirty="0" err="1">
+              <a:t>The </a:t>
+            </a:r>
+            <a:r>
+              <a:rPr lang="en-US" b="1" noProof="0" dirty="0">
                 <a:ln w="0"/>
                 <a:solidFill>
                   <a:schemeClr val="tx1"/>
@@ -9647,7 +9400,7 @@
               <a:t>graph</a:t>
             </a:r>
             <a:r>
-              <a:rPr lang="es-ES" dirty="0">
+              <a:rPr lang="en-US" noProof="0" dirty="0">
                 <a:ln w="0"/>
                 <a:solidFill>
                   <a:schemeClr val="tx1"/>
@@ -9663,7 +9416,7 @@
               <a:t> shows </a:t>
             </a:r>
             <a:r>
-              <a:rPr lang="es-ES" b="1" dirty="0" err="1">
+              <a:rPr lang="en-US" b="1" noProof="0" dirty="0">
                 <a:ln w="0"/>
                 <a:solidFill>
                   <a:schemeClr val="tx1"/>
@@ -9676,186 +9429,10 @@
                   </a:outerShdw>
                 </a:effectLst>
               </a:rPr>
-              <a:t>average</a:t>
-            </a:r>
-            <a:r>
-              <a:rPr lang="es-ES" b="1" dirty="0">
-                <a:ln w="0"/>
-                <a:solidFill>
-                  <a:schemeClr val="tx1"/>
-                </a:solidFill>
-                <a:effectLst>
-                  <a:outerShdw blurRad="38100" dist="19050" dir="2700000" algn="tl" rotWithShape="0">
-                    <a:schemeClr val="dk1">
-                      <a:alpha val="40000"/>
-                    </a:schemeClr>
-                  </a:outerShdw>
-                </a:effectLst>
-              </a:rPr>
-              <a:t> </a:t>
-            </a:r>
-            <a:r>
-              <a:rPr lang="es-ES" b="1" dirty="0" err="1">
-                <a:ln w="0"/>
-                <a:solidFill>
-                  <a:schemeClr val="tx1"/>
-                </a:solidFill>
-                <a:effectLst>
-                  <a:outerShdw blurRad="38100" dist="19050" dir="2700000" algn="tl" rotWithShape="0">
-                    <a:schemeClr val="dk1">
-                      <a:alpha val="40000"/>
-                    </a:schemeClr>
-                  </a:outerShdw>
-                </a:effectLst>
-              </a:rPr>
-              <a:t>mortality</a:t>
-            </a:r>
-            <a:r>
-              <a:rPr lang="es-ES" b="1" dirty="0">
-                <a:ln w="0"/>
-                <a:solidFill>
-                  <a:schemeClr val="tx1"/>
-                </a:solidFill>
-                <a:effectLst>
-                  <a:outerShdw blurRad="38100" dist="19050" dir="2700000" algn="tl" rotWithShape="0">
-                    <a:schemeClr val="dk1">
-                      <a:alpha val="40000"/>
-                    </a:schemeClr>
-                  </a:outerShdw>
-                </a:effectLst>
-              </a:rPr>
-              <a:t> </a:t>
-            </a:r>
-            <a:r>
-              <a:rPr lang="es-ES" b="1" dirty="0" err="1">
-                <a:ln w="0"/>
-                <a:solidFill>
-                  <a:schemeClr val="tx1"/>
-                </a:solidFill>
-                <a:effectLst>
-                  <a:outerShdw blurRad="38100" dist="19050" dir="2700000" algn="tl" rotWithShape="0">
-                    <a:schemeClr val="dk1">
-                      <a:alpha val="40000"/>
-                    </a:schemeClr>
-                  </a:outerShdw>
-                </a:effectLst>
-              </a:rPr>
-              <a:t>rate</a:t>
-            </a:r>
-            <a:r>
-              <a:rPr lang="es-ES" b="1" dirty="0">
-                <a:ln w="0"/>
-                <a:solidFill>
-                  <a:schemeClr val="tx1"/>
-                </a:solidFill>
-                <a:effectLst>
-                  <a:outerShdw blurRad="38100" dist="19050" dir="2700000" algn="tl" rotWithShape="0">
-                    <a:schemeClr val="dk1">
-                      <a:alpha val="40000"/>
-                    </a:schemeClr>
-                  </a:outerShdw>
-                </a:effectLst>
-              </a:rPr>
-              <a:t> </a:t>
-            </a:r>
-            <a:r>
-              <a:rPr lang="es-ES" b="1" dirty="0" err="1">
-                <a:ln w="0"/>
-                <a:solidFill>
-                  <a:schemeClr val="tx1"/>
-                </a:solidFill>
-                <a:effectLst>
-                  <a:outerShdw blurRad="38100" dist="19050" dir="2700000" algn="tl" rotWithShape="0">
-                    <a:schemeClr val="dk1">
-                      <a:alpha val="40000"/>
-                    </a:schemeClr>
-                  </a:outerShdw>
-                </a:effectLst>
-              </a:rPr>
-              <a:t>by</a:t>
-            </a:r>
-            <a:r>
-              <a:rPr lang="es-ES" b="1" dirty="0">
-                <a:ln w="0"/>
-                <a:solidFill>
-                  <a:schemeClr val="tx1"/>
-                </a:solidFill>
-                <a:effectLst>
-                  <a:outerShdw blurRad="38100" dist="19050" dir="2700000" algn="tl" rotWithShape="0">
-                    <a:schemeClr val="dk1">
-                      <a:alpha val="40000"/>
-                    </a:schemeClr>
-                  </a:outerShdw>
-                </a:effectLst>
-              </a:rPr>
-              <a:t> </a:t>
-            </a:r>
-            <a:r>
-              <a:rPr lang="es-ES" b="1" dirty="0" err="1">
-                <a:ln w="0"/>
-                <a:solidFill>
-                  <a:schemeClr val="tx1"/>
-                </a:solidFill>
-                <a:effectLst>
-                  <a:outerShdw blurRad="38100" dist="19050" dir="2700000" algn="tl" rotWithShape="0">
-                    <a:schemeClr val="dk1">
-                      <a:alpha val="40000"/>
-                    </a:schemeClr>
-                  </a:outerShdw>
-                </a:effectLst>
-              </a:rPr>
-              <a:t>period</a:t>
-            </a:r>
-            <a:r>
-              <a:rPr lang="es-ES" b="1" dirty="0">
-                <a:ln w="0"/>
-                <a:solidFill>
-                  <a:schemeClr val="tx1"/>
-                </a:solidFill>
-                <a:effectLst>
-                  <a:outerShdw blurRad="38100" dist="19050" dir="2700000" algn="tl" rotWithShape="0">
-                    <a:schemeClr val="dk1">
-                      <a:alpha val="40000"/>
-                    </a:schemeClr>
-                  </a:outerShdw>
-                </a:effectLst>
-              </a:rPr>
-              <a:t> </a:t>
-            </a:r>
-            <a:r>
-              <a:rPr lang="es-ES" b="1" dirty="0" err="1">
-                <a:ln w="0"/>
-                <a:solidFill>
-                  <a:schemeClr val="tx1"/>
-                </a:solidFill>
-                <a:effectLst>
-                  <a:outerShdw blurRad="38100" dist="19050" dir="2700000" algn="tl" rotWithShape="0">
-                    <a:schemeClr val="dk1">
-                      <a:alpha val="40000"/>
-                    </a:schemeClr>
-                  </a:outerShdw>
-                </a:effectLst>
-              </a:rPr>
-              <a:t>within</a:t>
-            </a:r>
-            <a:r>
-              <a:rPr lang="es-ES" b="1" dirty="0">
-                <a:ln w="0"/>
-                <a:solidFill>
-                  <a:schemeClr val="tx1"/>
-                </a:solidFill>
-                <a:effectLst>
-                  <a:outerShdw blurRad="38100" dist="19050" dir="2700000" algn="tl" rotWithShape="0">
-                    <a:schemeClr val="dk1">
-                      <a:alpha val="40000"/>
-                    </a:schemeClr>
-                  </a:outerShdw>
-                </a:effectLst>
-              </a:rPr>
-              <a:t> 2017</a:t>
-            </a:r>
-            <a:r>
-              <a:rPr lang="es-ES" dirty="0">
+              <a:t>average mortality rate by period within 2017</a:t>
+            </a:r>
+            <a:r>
+              <a:rPr lang="en-US" noProof="0" dirty="0">
                 <a:ln w="0"/>
                 <a:solidFill>
                   <a:schemeClr val="tx1"/>
@@ -9886,14 +9463,14 @@
           <p:nvPr>
             <p:extLst>
               <p:ext uri="{D42A27DB-BD31-4B8C-83A1-F6EECF244321}">
-                <p14:modId xmlns:p14="http://schemas.microsoft.com/office/powerpoint/2010/main" val="2982235125"/>
+                <p14:modId xmlns:p14="http://schemas.microsoft.com/office/powerpoint/2010/main" val="3373104052"/>
               </p:ext>
             </p:extLst>
           </p:nvPr>
         </p:nvGraphicFramePr>
         <p:xfrm>
-          <a:off x="7794171" y="2926933"/>
-          <a:ext cx="4453445" cy="3756896"/>
+          <a:off x="8546472" y="2926933"/>
+          <a:ext cx="3701143" cy="3822210"/>
         </p:xfrm>
         <a:graphic>
           <a:graphicData uri="http://schemas.openxmlformats.org/drawingml/2006/diagram">
@@ -9901,6 +9478,67 @@
           </a:graphicData>
         </a:graphic>
       </p:graphicFrame>
+      <p:sp>
+        <p:nvSpPr>
+          <p:cNvPr id="11" name="Rectángulo: esquinas redondeadas 10">
+            <a:extLst>
+              <a:ext uri="{FF2B5EF4-FFF2-40B4-BE49-F238E27FC236}">
+                <a16:creationId xmlns:a16="http://schemas.microsoft.com/office/drawing/2014/main" id="{3F9042BE-3A43-CDAE-E007-36106C16AF78}"/>
+              </a:ext>
+            </a:extLst>
+          </p:cNvPr>
+          <p:cNvSpPr/>
+          <p:nvPr/>
+        </p:nvSpPr>
+        <p:spPr>
+          <a:xfrm>
+            <a:off x="8697687" y="2111829"/>
+            <a:ext cx="3385456" cy="598714"/>
+          </a:xfrm>
+          <a:prstGeom prst="roundRect">
+            <a:avLst/>
+          </a:prstGeom>
+          <a:solidFill>
+            <a:srgbClr val="FFFF00"/>
+          </a:solidFill>
+        </p:spPr>
+        <p:style>
+          <a:lnRef idx="2">
+            <a:schemeClr val="accent1">
+              <a:shade val="15000"/>
+            </a:schemeClr>
+          </a:lnRef>
+          <a:fillRef idx="1">
+            <a:schemeClr val="accent1"/>
+          </a:fillRef>
+          <a:effectRef idx="0">
+            <a:schemeClr val="accent1"/>
+          </a:effectRef>
+          <a:fontRef idx="minor">
+            <a:schemeClr val="lt1"/>
+          </a:fontRef>
+        </p:style>
+        <p:txBody>
+          <a:bodyPr rtlCol="0" anchor="ctr"/>
+          <a:lstStyle/>
+          <a:p>
+            <a:pPr algn="ctr"/>
+            <a:r>
+              <a:rPr lang="es-ES" dirty="0">
+                <a:solidFill>
+                  <a:schemeClr val="tx1"/>
+                </a:solidFill>
+              </a:rPr>
+              <a:t>CONSIDERED VARIABLES</a:t>
+            </a:r>
+            <a:endParaRPr lang="en-GB" dirty="0">
+              <a:solidFill>
+                <a:schemeClr val="tx1"/>
+              </a:solidFill>
+            </a:endParaRPr>
+          </a:p>
+        </p:txBody>
+      </p:sp>
     </p:spTree>
     <p:extLst>
       <p:ext uri="{BB962C8B-B14F-4D97-AF65-F5344CB8AC3E}">
@@ -9914,7 +9552,7 @@
 </p:sld>
 </file>
 
-<file path=ppt/slides/slide12.xml><?xml version="1.0" encoding="utf-8"?>
+<file path=ppt/slides/slide11.xml><?xml version="1.0" encoding="utf-8"?>
 <p:sld xmlns:a="http://schemas.openxmlformats.org/drawingml/2006/main" xmlns:r="http://schemas.openxmlformats.org/officeDocument/2006/relationships" xmlns:p="http://schemas.openxmlformats.org/presentationml/2006/main">
   <p:cSld>
     <p:spTree>
@@ -9955,18 +9593,18 @@
         </p:nvSpPr>
         <p:spPr>
           <a:xfrm>
-            <a:off x="890590" y="358775"/>
-            <a:ext cx="8596668" cy="1320800"/>
+            <a:off x="890589" y="217714"/>
+            <a:ext cx="9276667" cy="707572"/>
           </a:xfrm>
         </p:spPr>
         <p:txBody>
           <a:bodyPr>
-            <a:normAutofit fontScale="90000"/>
+            <a:noAutofit/>
           </a:bodyPr>
           <a:lstStyle/>
           <a:p>
             <a:r>
-              <a:rPr lang="en-US" noProof="0" dirty="0"/>
+              <a:rPr lang="en-US" sz="2800" noProof="0" dirty="0"/>
               <a:t>3. How persistent is each treatment and which of them is more persistent on time?</a:t>
             </a:r>
           </a:p>
@@ -10002,8 +9640,8 @@
         </p:blipFill>
         <p:spPr>
           <a:xfrm>
-            <a:off x="324534" y="1583094"/>
-            <a:ext cx="8579980" cy="4916131"/>
+            <a:off x="-16649" y="1230511"/>
+            <a:ext cx="9650505" cy="5529517"/>
           </a:xfrm>
         </p:spPr>
       </p:pic>
@@ -10021,8 +9659,8 @@
         </p:nvSpPr>
         <p:spPr>
           <a:xfrm>
-            <a:off x="9002486" y="1783932"/>
-            <a:ext cx="3101802" cy="1023258"/>
+            <a:off x="9775370" y="1783931"/>
+            <a:ext cx="2328917" cy="1514439"/>
           </a:xfrm>
           <a:prstGeom prst="rect">
             <a:avLst/>
@@ -10050,7 +9688,7 @@
           <a:p>
             <a:pPr algn="ctr"/>
             <a:r>
-              <a:rPr lang="es-ES" dirty="0" err="1">
+              <a:rPr lang="en-US" noProof="0" dirty="0">
                 <a:ln w="0"/>
                 <a:solidFill>
                   <a:schemeClr val="tx1"/>
@@ -10063,26 +9701,10 @@
                   </a:outerShdw>
                 </a:effectLst>
               </a:rPr>
-              <a:t>The</a:t>
-            </a:r>
-            <a:r>
-              <a:rPr lang="es-ES" dirty="0">
-                <a:ln w="0"/>
-                <a:solidFill>
-                  <a:schemeClr val="tx1"/>
-                </a:solidFill>
-                <a:effectLst>
-                  <a:outerShdw blurRad="38100" dist="19050" dir="2700000" algn="tl" rotWithShape="0">
-                    <a:schemeClr val="dk1">
-                      <a:alpha val="40000"/>
-                    </a:schemeClr>
-                  </a:outerShdw>
-                </a:effectLst>
-              </a:rPr>
-              <a:t> </a:t>
-            </a:r>
-            <a:r>
-              <a:rPr lang="es-ES" b="1" dirty="0" err="1">
+              <a:t>The </a:t>
+            </a:r>
+            <a:r>
+              <a:rPr lang="en-US" b="1" noProof="0" dirty="0">
                 <a:ln w="0"/>
                 <a:solidFill>
                   <a:schemeClr val="tx1"/>
@@ -10098,7 +9720,7 @@
               <a:t>graph</a:t>
             </a:r>
             <a:r>
-              <a:rPr lang="es-ES" dirty="0">
+              <a:rPr lang="en-US" noProof="0" dirty="0">
                 <a:ln w="0"/>
                 <a:solidFill>
                   <a:schemeClr val="tx1"/>
@@ -10114,7 +9736,7 @@
               <a:t> shows </a:t>
             </a:r>
             <a:r>
-              <a:rPr lang="es-ES" b="1" dirty="0" err="1">
+              <a:rPr lang="en-US" b="1" noProof="0" dirty="0">
                 <a:ln w="0"/>
                 <a:solidFill>
                   <a:schemeClr val="tx1"/>
@@ -10127,186 +9749,10 @@
                   </a:outerShdw>
                 </a:effectLst>
               </a:rPr>
-              <a:t>average</a:t>
-            </a:r>
-            <a:r>
-              <a:rPr lang="es-ES" b="1" dirty="0">
-                <a:ln w="0"/>
-                <a:solidFill>
-                  <a:schemeClr val="tx1"/>
-                </a:solidFill>
-                <a:effectLst>
-                  <a:outerShdw blurRad="38100" dist="19050" dir="2700000" algn="tl" rotWithShape="0">
-                    <a:schemeClr val="dk1">
-                      <a:alpha val="40000"/>
-                    </a:schemeClr>
-                  </a:outerShdw>
-                </a:effectLst>
-              </a:rPr>
-              <a:t> </a:t>
-            </a:r>
-            <a:r>
-              <a:rPr lang="es-ES" b="1" dirty="0" err="1">
-                <a:ln w="0"/>
-                <a:solidFill>
-                  <a:schemeClr val="tx1"/>
-                </a:solidFill>
-                <a:effectLst>
-                  <a:outerShdw blurRad="38100" dist="19050" dir="2700000" algn="tl" rotWithShape="0">
-                    <a:schemeClr val="dk1">
-                      <a:alpha val="40000"/>
-                    </a:schemeClr>
-                  </a:outerShdw>
-                </a:effectLst>
-              </a:rPr>
-              <a:t>mortality</a:t>
-            </a:r>
-            <a:r>
-              <a:rPr lang="es-ES" b="1" dirty="0">
-                <a:ln w="0"/>
-                <a:solidFill>
-                  <a:schemeClr val="tx1"/>
-                </a:solidFill>
-                <a:effectLst>
-                  <a:outerShdw blurRad="38100" dist="19050" dir="2700000" algn="tl" rotWithShape="0">
-                    <a:schemeClr val="dk1">
-                      <a:alpha val="40000"/>
-                    </a:schemeClr>
-                  </a:outerShdw>
-                </a:effectLst>
-              </a:rPr>
-              <a:t> </a:t>
-            </a:r>
-            <a:r>
-              <a:rPr lang="es-ES" b="1" dirty="0" err="1">
-                <a:ln w="0"/>
-                <a:solidFill>
-                  <a:schemeClr val="tx1"/>
-                </a:solidFill>
-                <a:effectLst>
-                  <a:outerShdw blurRad="38100" dist="19050" dir="2700000" algn="tl" rotWithShape="0">
-                    <a:schemeClr val="dk1">
-                      <a:alpha val="40000"/>
-                    </a:schemeClr>
-                  </a:outerShdw>
-                </a:effectLst>
-              </a:rPr>
-              <a:t>rate</a:t>
-            </a:r>
-            <a:r>
-              <a:rPr lang="es-ES" b="1" dirty="0">
-                <a:ln w="0"/>
-                <a:solidFill>
-                  <a:schemeClr val="tx1"/>
-                </a:solidFill>
-                <a:effectLst>
-                  <a:outerShdw blurRad="38100" dist="19050" dir="2700000" algn="tl" rotWithShape="0">
-                    <a:schemeClr val="dk1">
-                      <a:alpha val="40000"/>
-                    </a:schemeClr>
-                  </a:outerShdw>
-                </a:effectLst>
-              </a:rPr>
-              <a:t> </a:t>
-            </a:r>
-            <a:r>
-              <a:rPr lang="es-ES" b="1" dirty="0" err="1">
-                <a:ln w="0"/>
-                <a:solidFill>
-                  <a:schemeClr val="tx1"/>
-                </a:solidFill>
-                <a:effectLst>
-                  <a:outerShdw blurRad="38100" dist="19050" dir="2700000" algn="tl" rotWithShape="0">
-                    <a:schemeClr val="dk1">
-                      <a:alpha val="40000"/>
-                    </a:schemeClr>
-                  </a:outerShdw>
-                </a:effectLst>
-              </a:rPr>
-              <a:t>by</a:t>
-            </a:r>
-            <a:r>
-              <a:rPr lang="es-ES" b="1" dirty="0">
-                <a:ln w="0"/>
-                <a:solidFill>
-                  <a:schemeClr val="tx1"/>
-                </a:solidFill>
-                <a:effectLst>
-                  <a:outerShdw blurRad="38100" dist="19050" dir="2700000" algn="tl" rotWithShape="0">
-                    <a:schemeClr val="dk1">
-                      <a:alpha val="40000"/>
-                    </a:schemeClr>
-                  </a:outerShdw>
-                </a:effectLst>
-              </a:rPr>
-              <a:t> </a:t>
-            </a:r>
-            <a:r>
-              <a:rPr lang="es-ES" b="1" dirty="0" err="1">
-                <a:ln w="0"/>
-                <a:solidFill>
-                  <a:schemeClr val="tx1"/>
-                </a:solidFill>
-                <a:effectLst>
-                  <a:outerShdw blurRad="38100" dist="19050" dir="2700000" algn="tl" rotWithShape="0">
-                    <a:schemeClr val="dk1">
-                      <a:alpha val="40000"/>
-                    </a:schemeClr>
-                  </a:outerShdw>
-                </a:effectLst>
-              </a:rPr>
-              <a:t>period</a:t>
-            </a:r>
-            <a:r>
-              <a:rPr lang="es-ES" b="1" dirty="0">
-                <a:ln w="0"/>
-                <a:solidFill>
-                  <a:schemeClr val="tx1"/>
-                </a:solidFill>
-                <a:effectLst>
-                  <a:outerShdw blurRad="38100" dist="19050" dir="2700000" algn="tl" rotWithShape="0">
-                    <a:schemeClr val="dk1">
-                      <a:alpha val="40000"/>
-                    </a:schemeClr>
-                  </a:outerShdw>
-                </a:effectLst>
-              </a:rPr>
-              <a:t> </a:t>
-            </a:r>
-            <a:r>
-              <a:rPr lang="es-ES" b="1" dirty="0" err="1">
-                <a:ln w="0"/>
-                <a:solidFill>
-                  <a:schemeClr val="tx1"/>
-                </a:solidFill>
-                <a:effectLst>
-                  <a:outerShdw blurRad="38100" dist="19050" dir="2700000" algn="tl" rotWithShape="0">
-                    <a:schemeClr val="dk1">
-                      <a:alpha val="40000"/>
-                    </a:schemeClr>
-                  </a:outerShdw>
-                </a:effectLst>
-              </a:rPr>
-              <a:t>within</a:t>
-            </a:r>
-            <a:r>
-              <a:rPr lang="es-ES" b="1" dirty="0">
-                <a:ln w="0"/>
-                <a:solidFill>
-                  <a:schemeClr val="tx1"/>
-                </a:solidFill>
-                <a:effectLst>
-                  <a:outerShdw blurRad="38100" dist="19050" dir="2700000" algn="tl" rotWithShape="0">
-                    <a:schemeClr val="dk1">
-                      <a:alpha val="40000"/>
-                    </a:schemeClr>
-                  </a:outerShdw>
-                </a:effectLst>
-              </a:rPr>
-              <a:t> 2018</a:t>
-            </a:r>
-            <a:r>
-              <a:rPr lang="es-ES" dirty="0">
+              <a:t>average mortality rate by period within 2018</a:t>
+            </a:r>
+            <a:r>
+              <a:rPr lang="en-US" noProof="0" dirty="0">
                 <a:ln w="0"/>
                 <a:solidFill>
                   <a:schemeClr val="tx1"/>
@@ -10337,7 +9783,1621 @@
 </p:sld>
 </file>
 
+<file path=ppt/slides/slide12.xml><?xml version="1.0" encoding="utf-8"?>
+<p:sld xmlns:a="http://schemas.openxmlformats.org/drawingml/2006/main" xmlns:r="http://schemas.openxmlformats.org/officeDocument/2006/relationships" xmlns:p="http://schemas.openxmlformats.org/presentationml/2006/main">
+  <p:cSld>
+    <p:spTree>
+      <p:nvGrpSpPr>
+        <p:cNvPr id="1" name=""/>
+        <p:cNvGrpSpPr/>
+        <p:nvPr/>
+      </p:nvGrpSpPr>
+      <p:grpSpPr>
+        <a:xfrm>
+          <a:off x="0" y="0"/>
+          <a:ext cx="0" cy="0"/>
+          <a:chOff x="0" y="0"/>
+          <a:chExt cx="0" cy="0"/>
+        </a:xfrm>
+      </p:grpSpPr>
+      <p:sp>
+        <p:nvSpPr>
+          <p:cNvPr id="2" name="Título 1">
+            <a:extLst>
+              <a:ext uri="{FF2B5EF4-FFF2-40B4-BE49-F238E27FC236}">
+                <a16:creationId xmlns:a16="http://schemas.microsoft.com/office/drawing/2014/main" id="{84D50C60-E771-1468-746E-2C1DB257A23D}"/>
+              </a:ext>
+            </a:extLst>
+          </p:cNvPr>
+          <p:cNvSpPr>
+            <a:spLocks noGrp="1"/>
+          </p:cNvSpPr>
+          <p:nvPr>
+            <p:ph type="title"/>
+          </p:nvPr>
+        </p:nvSpPr>
+        <p:spPr>
+          <a:xfrm>
+            <a:off x="677333" y="250372"/>
+            <a:ext cx="9119810" cy="1320800"/>
+          </a:xfrm>
+        </p:spPr>
+        <p:txBody>
+          <a:bodyPr>
+            <a:normAutofit/>
+          </a:bodyPr>
+          <a:lstStyle/>
+          <a:p>
+            <a:r>
+              <a:rPr lang="en-US" noProof="0" dirty="0"/>
+              <a:t>3. How persistent is each treatment and which of them is more persistent on time?</a:t>
+            </a:r>
+          </a:p>
+        </p:txBody>
+      </p:sp>
+      <p:pic>
+        <p:nvPicPr>
+          <p:cNvPr id="9" name="Marcador de contenido 8">
+            <a:extLst>
+              <a:ext uri="{FF2B5EF4-FFF2-40B4-BE49-F238E27FC236}">
+                <a16:creationId xmlns:a16="http://schemas.microsoft.com/office/drawing/2014/main" id="{A771E4F7-AE2F-A93E-6B2D-BE065EEF5331}"/>
+              </a:ext>
+            </a:extLst>
+          </p:cNvPr>
+          <p:cNvPicPr>
+            <a:picLocks noGrp="1" noChangeAspect="1"/>
+          </p:cNvPicPr>
+          <p:nvPr>
+            <p:ph idx="1"/>
+          </p:nvPr>
+        </p:nvPicPr>
+        <p:blipFill>
+          <a:blip r:embed="rId2"/>
+          <a:stretch>
+            <a:fillRect/>
+          </a:stretch>
+        </p:blipFill>
+        <p:spPr>
+          <a:xfrm>
+            <a:off x="753533" y="1603827"/>
+            <a:ext cx="7748210" cy="5211645"/>
+          </a:xfrm>
+        </p:spPr>
+      </p:pic>
+      <p:sp>
+        <p:nvSpPr>
+          <p:cNvPr id="10" name="Rectángulo 9">
+            <a:extLst>
+              <a:ext uri="{FF2B5EF4-FFF2-40B4-BE49-F238E27FC236}">
+                <a16:creationId xmlns:a16="http://schemas.microsoft.com/office/drawing/2014/main" id="{5EF26149-24C1-154E-6439-DB764E75E8A8}"/>
+              </a:ext>
+            </a:extLst>
+          </p:cNvPr>
+          <p:cNvSpPr/>
+          <p:nvPr/>
+        </p:nvSpPr>
+        <p:spPr>
+          <a:xfrm>
+            <a:off x="8654144" y="2438399"/>
+            <a:ext cx="3331028" cy="1545771"/>
+          </a:xfrm>
+          <a:prstGeom prst="rect">
+            <a:avLst/>
+          </a:prstGeom>
+        </p:spPr>
+        <p:style>
+          <a:lnRef idx="2">
+            <a:schemeClr val="accent1">
+              <a:shade val="15000"/>
+            </a:schemeClr>
+          </a:lnRef>
+          <a:fillRef idx="1">
+            <a:schemeClr val="accent1"/>
+          </a:fillRef>
+          <a:effectRef idx="0">
+            <a:schemeClr val="accent1"/>
+          </a:effectRef>
+          <a:fontRef idx="minor">
+            <a:schemeClr val="lt1"/>
+          </a:fontRef>
+        </p:style>
+        <p:txBody>
+          <a:bodyPr rtlCol="0" anchor="ctr"/>
+          <a:lstStyle/>
+          <a:p>
+            <a:pPr algn="ctr"/>
+            <a:r>
+              <a:rPr lang="en-US" noProof="0" dirty="0">
+                <a:solidFill>
+                  <a:schemeClr val="tx1"/>
+                </a:solidFill>
+              </a:rPr>
+              <a:t>Table showing </a:t>
+            </a:r>
+            <a:r>
+              <a:rPr lang="en-US" b="1" noProof="0" dirty="0">
+                <a:solidFill>
+                  <a:schemeClr val="tx1"/>
+                </a:solidFill>
+              </a:rPr>
+              <a:t>statistical grouping of treatments </a:t>
+            </a:r>
+            <a:r>
+              <a:rPr lang="en-US" noProof="0" dirty="0">
+                <a:solidFill>
+                  <a:schemeClr val="tx1"/>
+                </a:solidFill>
+              </a:rPr>
+              <a:t>using 4 LMM models and mean and standard deviation for each variable. </a:t>
+            </a:r>
+          </a:p>
+        </p:txBody>
+      </p:sp>
+      <p:sp>
+        <p:nvSpPr>
+          <p:cNvPr id="12" name="Elipse 11">
+            <a:extLst>
+              <a:ext uri="{FF2B5EF4-FFF2-40B4-BE49-F238E27FC236}">
+                <a16:creationId xmlns:a16="http://schemas.microsoft.com/office/drawing/2014/main" id="{413122E1-0A71-72B3-DE54-3BF818A1E4F0}"/>
+              </a:ext>
+            </a:extLst>
+          </p:cNvPr>
+          <p:cNvSpPr/>
+          <p:nvPr/>
+        </p:nvSpPr>
+        <p:spPr>
+          <a:xfrm>
+            <a:off x="3341914" y="4996544"/>
+            <a:ext cx="1698172" cy="1861456"/>
+          </a:xfrm>
+          <a:prstGeom prst="ellipse">
+            <a:avLst/>
+          </a:prstGeom>
+          <a:noFill/>
+          <a:ln>
+            <a:solidFill>
+              <a:schemeClr val="tx1"/>
+            </a:solidFill>
+          </a:ln>
+        </p:spPr>
+        <p:style>
+          <a:lnRef idx="2">
+            <a:schemeClr val="accent1">
+              <a:shade val="15000"/>
+            </a:schemeClr>
+          </a:lnRef>
+          <a:fillRef idx="1">
+            <a:schemeClr val="accent1"/>
+          </a:fillRef>
+          <a:effectRef idx="0">
+            <a:schemeClr val="accent1"/>
+          </a:effectRef>
+          <a:fontRef idx="minor">
+            <a:schemeClr val="lt1"/>
+          </a:fontRef>
+        </p:style>
+        <p:txBody>
+          <a:bodyPr rtlCol="0" anchor="ctr"/>
+          <a:lstStyle/>
+          <a:p>
+            <a:pPr algn="ctr"/>
+            <a:endParaRPr lang="en-US" noProof="0" dirty="0"/>
+          </a:p>
+        </p:txBody>
+      </p:sp>
+    </p:spTree>
+    <p:extLst>
+      <p:ext uri="{BB962C8B-B14F-4D97-AF65-F5344CB8AC3E}">
+        <p14:creationId xmlns:p14="http://schemas.microsoft.com/office/powerpoint/2010/main" val="3168268438"/>
+      </p:ext>
+    </p:extLst>
+  </p:cSld>
+  <p:clrMapOvr>
+    <a:masterClrMapping/>
+  </p:clrMapOvr>
+  <p:timing>
+    <p:tnLst>
+      <p:par>
+        <p:cTn id="1" dur="indefinite" restart="never" nodeType="tmRoot">
+          <p:childTnLst>
+            <p:seq concurrent="1" nextAc="seek">
+              <p:cTn id="2" dur="indefinite" nodeType="mainSeq">
+                <p:childTnLst>
+                  <p:par>
+                    <p:cTn id="3" fill="hold">
+                      <p:stCondLst>
+                        <p:cond delay="indefinite"/>
+                      </p:stCondLst>
+                      <p:childTnLst>
+                        <p:par>
+                          <p:cTn id="4" fill="hold">
+                            <p:stCondLst>
+                              <p:cond delay="0"/>
+                            </p:stCondLst>
+                            <p:childTnLst>
+                              <p:par>
+                                <p:cTn id="5" presetID="1" presetClass="entr" presetSubtype="0" fill="hold" grpId="0" nodeType="clickEffect">
+                                  <p:stCondLst>
+                                    <p:cond delay="0"/>
+                                  </p:stCondLst>
+                                  <p:childTnLst>
+                                    <p:set>
+                                      <p:cBhvr>
+                                        <p:cTn id="6" dur="1" fill="hold">
+                                          <p:stCondLst>
+                                            <p:cond delay="0"/>
+                                          </p:stCondLst>
+                                        </p:cTn>
+                                        <p:tgtEl>
+                                          <p:spTgt spid="12"/>
+                                        </p:tgtEl>
+                                        <p:attrNameLst>
+                                          <p:attrName>style.visibility</p:attrName>
+                                        </p:attrNameLst>
+                                      </p:cBhvr>
+                                      <p:to>
+                                        <p:strVal val="visible"/>
+                                      </p:to>
+                                    </p:set>
+                                  </p:childTnLst>
+                                </p:cTn>
+                              </p:par>
+                            </p:childTnLst>
+                          </p:cTn>
+                        </p:par>
+                      </p:childTnLst>
+                    </p:cTn>
+                  </p:par>
+                </p:childTnLst>
+              </p:cTn>
+              <p:prevCondLst>
+                <p:cond evt="onPrev" delay="0">
+                  <p:tgtEl>
+                    <p:sldTgt/>
+                  </p:tgtEl>
+                </p:cond>
+              </p:prevCondLst>
+              <p:nextCondLst>
+                <p:cond evt="onNext" delay="0">
+                  <p:tgtEl>
+                    <p:sldTgt/>
+                  </p:tgtEl>
+                </p:cond>
+              </p:nextCondLst>
+            </p:seq>
+          </p:childTnLst>
+        </p:cTn>
+      </p:par>
+    </p:tnLst>
+    <p:bldLst>
+      <p:bldP spid="12" grpId="0" animBg="1"/>
+    </p:bldLst>
+  </p:timing>
+</p:sld>
+</file>
+
 <file path=ppt/slides/slide13.xml><?xml version="1.0" encoding="utf-8"?>
+<p:sld xmlns:a="http://schemas.openxmlformats.org/drawingml/2006/main" xmlns:r="http://schemas.openxmlformats.org/officeDocument/2006/relationships" xmlns:p="http://schemas.openxmlformats.org/presentationml/2006/main">
+  <p:cSld>
+    <p:spTree>
+      <p:nvGrpSpPr>
+        <p:cNvPr id="1" name="">
+          <a:extLst>
+            <a:ext uri="{FF2B5EF4-FFF2-40B4-BE49-F238E27FC236}">
+              <a16:creationId xmlns:a16="http://schemas.microsoft.com/office/drawing/2014/main" id="{AA8A53D1-CAA8-1117-D87C-2A5A95CFA62E}"/>
+            </a:ext>
+          </a:extLst>
+        </p:cNvPr>
+        <p:cNvGrpSpPr/>
+        <p:nvPr/>
+      </p:nvGrpSpPr>
+      <p:grpSpPr>
+        <a:xfrm>
+          <a:off x="0" y="0"/>
+          <a:ext cx="0" cy="0"/>
+          <a:chOff x="0" y="0"/>
+          <a:chExt cx="0" cy="0"/>
+        </a:xfrm>
+      </p:grpSpPr>
+      <p:sp>
+        <p:nvSpPr>
+          <p:cNvPr id="2" name="Título 1">
+            <a:extLst>
+              <a:ext uri="{FF2B5EF4-FFF2-40B4-BE49-F238E27FC236}">
+                <a16:creationId xmlns:a16="http://schemas.microsoft.com/office/drawing/2014/main" id="{DF473465-5423-69B9-1246-BB3E0944858B}"/>
+              </a:ext>
+            </a:extLst>
+          </p:cNvPr>
+          <p:cNvSpPr>
+            <a:spLocks noGrp="1"/>
+          </p:cNvSpPr>
+          <p:nvPr>
+            <p:ph type="title"/>
+          </p:nvPr>
+        </p:nvSpPr>
+        <p:spPr>
+          <a:xfrm>
+            <a:off x="677333" y="250372"/>
+            <a:ext cx="9119810" cy="1320800"/>
+          </a:xfrm>
+        </p:spPr>
+        <p:txBody>
+          <a:bodyPr>
+            <a:normAutofit/>
+          </a:bodyPr>
+          <a:lstStyle/>
+          <a:p>
+            <a:r>
+              <a:rPr lang="en-US" noProof="0" dirty="0"/>
+              <a:t>3. How persistent is each treatment and which of them is more persistent on time?</a:t>
+            </a:r>
+          </a:p>
+        </p:txBody>
+      </p:sp>
+      <p:pic>
+        <p:nvPicPr>
+          <p:cNvPr id="9" name="Marcador de contenido 8">
+            <a:extLst>
+              <a:ext uri="{FF2B5EF4-FFF2-40B4-BE49-F238E27FC236}">
+                <a16:creationId xmlns:a16="http://schemas.microsoft.com/office/drawing/2014/main" id="{492C294C-784E-3E20-D1A5-AA9EE2CFF949}"/>
+              </a:ext>
+            </a:extLst>
+          </p:cNvPr>
+          <p:cNvPicPr>
+            <a:picLocks noGrp="1" noChangeAspect="1"/>
+          </p:cNvPicPr>
+          <p:nvPr>
+            <p:ph idx="1"/>
+          </p:nvPr>
+        </p:nvPicPr>
+        <p:blipFill>
+          <a:blip r:embed="rId2"/>
+          <a:stretch>
+            <a:fillRect/>
+          </a:stretch>
+        </p:blipFill>
+        <p:spPr>
+          <a:xfrm>
+            <a:off x="753533" y="1603827"/>
+            <a:ext cx="7748210" cy="5211645"/>
+          </a:xfrm>
+        </p:spPr>
+      </p:pic>
+      <p:sp>
+        <p:nvSpPr>
+          <p:cNvPr id="10" name="Rectángulo 9">
+            <a:extLst>
+              <a:ext uri="{FF2B5EF4-FFF2-40B4-BE49-F238E27FC236}">
+                <a16:creationId xmlns:a16="http://schemas.microsoft.com/office/drawing/2014/main" id="{20AB13B6-9BC3-8DB7-C6CA-A0B7D5E872BA}"/>
+              </a:ext>
+            </a:extLst>
+          </p:cNvPr>
+          <p:cNvSpPr/>
+          <p:nvPr/>
+        </p:nvSpPr>
+        <p:spPr>
+          <a:xfrm>
+            <a:off x="8654144" y="2438399"/>
+            <a:ext cx="3331028" cy="1545771"/>
+          </a:xfrm>
+          <a:prstGeom prst="rect">
+            <a:avLst/>
+          </a:prstGeom>
+        </p:spPr>
+        <p:style>
+          <a:lnRef idx="2">
+            <a:schemeClr val="accent1">
+              <a:shade val="15000"/>
+            </a:schemeClr>
+          </a:lnRef>
+          <a:fillRef idx="1">
+            <a:schemeClr val="accent1"/>
+          </a:fillRef>
+          <a:effectRef idx="0">
+            <a:schemeClr val="accent1"/>
+          </a:effectRef>
+          <a:fontRef idx="minor">
+            <a:schemeClr val="lt1"/>
+          </a:fontRef>
+        </p:style>
+        <p:txBody>
+          <a:bodyPr rtlCol="0" anchor="ctr"/>
+          <a:lstStyle/>
+          <a:p>
+            <a:pPr algn="ctr"/>
+            <a:r>
+              <a:rPr lang="en-US" noProof="0" dirty="0">
+                <a:solidFill>
+                  <a:schemeClr val="tx1"/>
+                </a:solidFill>
+              </a:rPr>
+              <a:t>Table showing </a:t>
+            </a:r>
+            <a:r>
+              <a:rPr lang="en-US" b="1" noProof="0" dirty="0">
+                <a:solidFill>
+                  <a:schemeClr val="tx1"/>
+                </a:solidFill>
+              </a:rPr>
+              <a:t>statistical grouping of treatments </a:t>
+            </a:r>
+            <a:r>
+              <a:rPr lang="en-US" noProof="0" dirty="0">
+                <a:solidFill>
+                  <a:schemeClr val="tx1"/>
+                </a:solidFill>
+              </a:rPr>
+              <a:t>using 4 LMM models and mean and standard deviation for each variable. </a:t>
+            </a:r>
+          </a:p>
+        </p:txBody>
+      </p:sp>
+      <p:sp>
+        <p:nvSpPr>
+          <p:cNvPr id="3" name="Elipse 2">
+            <a:extLst>
+              <a:ext uri="{FF2B5EF4-FFF2-40B4-BE49-F238E27FC236}">
+                <a16:creationId xmlns:a16="http://schemas.microsoft.com/office/drawing/2014/main" id="{859B4EE3-6BF2-C44B-BE70-B93B3B8B7D00}"/>
+              </a:ext>
+            </a:extLst>
+          </p:cNvPr>
+          <p:cNvSpPr/>
+          <p:nvPr/>
+        </p:nvSpPr>
+        <p:spPr>
+          <a:xfrm>
+            <a:off x="3624943" y="3429000"/>
+            <a:ext cx="1219200" cy="457200"/>
+          </a:xfrm>
+          <a:prstGeom prst="ellipse">
+            <a:avLst/>
+          </a:prstGeom>
+          <a:noFill/>
+          <a:ln>
+            <a:solidFill>
+              <a:schemeClr val="tx1"/>
+            </a:solidFill>
+          </a:ln>
+        </p:spPr>
+        <p:style>
+          <a:lnRef idx="2">
+            <a:schemeClr val="accent1">
+              <a:shade val="15000"/>
+            </a:schemeClr>
+          </a:lnRef>
+          <a:fillRef idx="1">
+            <a:schemeClr val="accent1"/>
+          </a:fillRef>
+          <a:effectRef idx="0">
+            <a:schemeClr val="accent1"/>
+          </a:effectRef>
+          <a:fontRef idx="minor">
+            <a:schemeClr val="lt1"/>
+          </a:fontRef>
+        </p:style>
+        <p:txBody>
+          <a:bodyPr rtlCol="0" anchor="ctr"/>
+          <a:lstStyle/>
+          <a:p>
+            <a:pPr algn="ctr"/>
+            <a:endParaRPr lang="en-US" noProof="0" dirty="0"/>
+          </a:p>
+        </p:txBody>
+      </p:sp>
+    </p:spTree>
+    <p:extLst>
+      <p:ext uri="{BB962C8B-B14F-4D97-AF65-F5344CB8AC3E}">
+        <p14:creationId xmlns:p14="http://schemas.microsoft.com/office/powerpoint/2010/main" val="2067028527"/>
+      </p:ext>
+    </p:extLst>
+  </p:cSld>
+  <p:clrMapOvr>
+    <a:masterClrMapping/>
+  </p:clrMapOvr>
+</p:sld>
+</file>
+
+<file path=ppt/slides/slide14.xml><?xml version="1.0" encoding="utf-8"?>
+<p:sld xmlns:a="http://schemas.openxmlformats.org/drawingml/2006/main" xmlns:r="http://schemas.openxmlformats.org/officeDocument/2006/relationships" xmlns:p="http://schemas.openxmlformats.org/presentationml/2006/main">
+  <p:cSld>
+    <p:spTree>
+      <p:nvGrpSpPr>
+        <p:cNvPr id="1" name="">
+          <a:extLst>
+            <a:ext uri="{FF2B5EF4-FFF2-40B4-BE49-F238E27FC236}">
+              <a16:creationId xmlns:a16="http://schemas.microsoft.com/office/drawing/2014/main" id="{80DA565A-72A9-776F-4761-FC1E53663D9E}"/>
+            </a:ext>
+          </a:extLst>
+        </p:cNvPr>
+        <p:cNvGrpSpPr/>
+        <p:nvPr/>
+      </p:nvGrpSpPr>
+      <p:grpSpPr>
+        <a:xfrm>
+          <a:off x="0" y="0"/>
+          <a:ext cx="0" cy="0"/>
+          <a:chOff x="0" y="0"/>
+          <a:chExt cx="0" cy="0"/>
+        </a:xfrm>
+      </p:grpSpPr>
+      <p:sp>
+        <p:nvSpPr>
+          <p:cNvPr id="2" name="Título 1">
+            <a:extLst>
+              <a:ext uri="{FF2B5EF4-FFF2-40B4-BE49-F238E27FC236}">
+                <a16:creationId xmlns:a16="http://schemas.microsoft.com/office/drawing/2014/main" id="{807A2A98-DE9E-66B1-5CD0-2D07407D7D07}"/>
+              </a:ext>
+            </a:extLst>
+          </p:cNvPr>
+          <p:cNvSpPr>
+            <a:spLocks noGrp="1"/>
+          </p:cNvSpPr>
+          <p:nvPr>
+            <p:ph type="title"/>
+          </p:nvPr>
+        </p:nvSpPr>
+        <p:spPr>
+          <a:xfrm>
+            <a:off x="677333" y="250372"/>
+            <a:ext cx="9119810" cy="1320800"/>
+          </a:xfrm>
+        </p:spPr>
+        <p:txBody>
+          <a:bodyPr>
+            <a:normAutofit/>
+          </a:bodyPr>
+          <a:lstStyle/>
+          <a:p>
+            <a:r>
+              <a:rPr lang="en-US" noProof="0" dirty="0"/>
+              <a:t>3. How persistent is each treatment and which of them is more persistent on time?</a:t>
+            </a:r>
+          </a:p>
+        </p:txBody>
+      </p:sp>
+      <p:pic>
+        <p:nvPicPr>
+          <p:cNvPr id="9" name="Marcador de contenido 8">
+            <a:extLst>
+              <a:ext uri="{FF2B5EF4-FFF2-40B4-BE49-F238E27FC236}">
+                <a16:creationId xmlns:a16="http://schemas.microsoft.com/office/drawing/2014/main" id="{596A65E7-7B21-B7D7-687F-513344F8ED64}"/>
+              </a:ext>
+            </a:extLst>
+          </p:cNvPr>
+          <p:cNvPicPr>
+            <a:picLocks noGrp="1" noChangeAspect="1"/>
+          </p:cNvPicPr>
+          <p:nvPr>
+            <p:ph idx="1"/>
+          </p:nvPr>
+        </p:nvPicPr>
+        <p:blipFill>
+          <a:blip r:embed="rId3"/>
+          <a:stretch>
+            <a:fillRect/>
+          </a:stretch>
+        </p:blipFill>
+        <p:spPr>
+          <a:xfrm>
+            <a:off x="753533" y="1603827"/>
+            <a:ext cx="7748210" cy="5211645"/>
+          </a:xfrm>
+        </p:spPr>
+      </p:pic>
+      <p:sp>
+        <p:nvSpPr>
+          <p:cNvPr id="10" name="Rectángulo 9">
+            <a:extLst>
+              <a:ext uri="{FF2B5EF4-FFF2-40B4-BE49-F238E27FC236}">
+                <a16:creationId xmlns:a16="http://schemas.microsoft.com/office/drawing/2014/main" id="{8ED2E75B-96A8-6F27-8BF1-16660EDB15D7}"/>
+              </a:ext>
+            </a:extLst>
+          </p:cNvPr>
+          <p:cNvSpPr/>
+          <p:nvPr/>
+        </p:nvSpPr>
+        <p:spPr>
+          <a:xfrm>
+            <a:off x="8654144" y="2438399"/>
+            <a:ext cx="3331028" cy="1545771"/>
+          </a:xfrm>
+          <a:prstGeom prst="rect">
+            <a:avLst/>
+          </a:prstGeom>
+        </p:spPr>
+        <p:style>
+          <a:lnRef idx="2">
+            <a:schemeClr val="accent1">
+              <a:shade val="15000"/>
+            </a:schemeClr>
+          </a:lnRef>
+          <a:fillRef idx="1">
+            <a:schemeClr val="accent1"/>
+          </a:fillRef>
+          <a:effectRef idx="0">
+            <a:schemeClr val="accent1"/>
+          </a:effectRef>
+          <a:fontRef idx="minor">
+            <a:schemeClr val="lt1"/>
+          </a:fontRef>
+        </p:style>
+        <p:txBody>
+          <a:bodyPr rtlCol="0" anchor="ctr"/>
+          <a:lstStyle/>
+          <a:p>
+            <a:pPr algn="ctr"/>
+            <a:r>
+              <a:rPr lang="en-US" noProof="0" dirty="0">
+                <a:solidFill>
+                  <a:schemeClr val="tx1"/>
+                </a:solidFill>
+              </a:rPr>
+              <a:t>Table showing </a:t>
+            </a:r>
+            <a:r>
+              <a:rPr lang="en-US" b="1" noProof="0" dirty="0">
+                <a:solidFill>
+                  <a:schemeClr val="tx1"/>
+                </a:solidFill>
+              </a:rPr>
+              <a:t>statistical grouping of treatments </a:t>
+            </a:r>
+            <a:r>
+              <a:rPr lang="en-US" noProof="0" dirty="0">
+                <a:solidFill>
+                  <a:schemeClr val="tx1"/>
+                </a:solidFill>
+              </a:rPr>
+              <a:t>using 4 LMM models and mean and standard deviation for each variable. </a:t>
+            </a:r>
+          </a:p>
+        </p:txBody>
+      </p:sp>
+      <p:sp>
+        <p:nvSpPr>
+          <p:cNvPr id="3" name="Elipse 2">
+            <a:extLst>
+              <a:ext uri="{FF2B5EF4-FFF2-40B4-BE49-F238E27FC236}">
+                <a16:creationId xmlns:a16="http://schemas.microsoft.com/office/drawing/2014/main" id="{979D3833-E07D-567C-6B27-92DC2B92E98D}"/>
+              </a:ext>
+            </a:extLst>
+          </p:cNvPr>
+          <p:cNvSpPr/>
+          <p:nvPr/>
+        </p:nvSpPr>
+        <p:spPr>
+          <a:xfrm>
+            <a:off x="4680857" y="5018313"/>
+            <a:ext cx="1556657" cy="1839687"/>
+          </a:xfrm>
+          <a:prstGeom prst="ellipse">
+            <a:avLst/>
+          </a:prstGeom>
+          <a:noFill/>
+          <a:ln>
+            <a:solidFill>
+              <a:schemeClr val="tx1"/>
+            </a:solidFill>
+          </a:ln>
+        </p:spPr>
+        <p:style>
+          <a:lnRef idx="2">
+            <a:schemeClr val="accent1">
+              <a:shade val="15000"/>
+            </a:schemeClr>
+          </a:lnRef>
+          <a:fillRef idx="1">
+            <a:schemeClr val="accent1"/>
+          </a:fillRef>
+          <a:effectRef idx="0">
+            <a:schemeClr val="accent1"/>
+          </a:effectRef>
+          <a:fontRef idx="minor">
+            <a:schemeClr val="lt1"/>
+          </a:fontRef>
+        </p:style>
+        <p:txBody>
+          <a:bodyPr rtlCol="0" anchor="ctr"/>
+          <a:lstStyle/>
+          <a:p>
+            <a:pPr algn="ctr"/>
+            <a:endParaRPr lang="en-US" noProof="0" dirty="0"/>
+          </a:p>
+        </p:txBody>
+      </p:sp>
+    </p:spTree>
+    <p:extLst>
+      <p:ext uri="{BB962C8B-B14F-4D97-AF65-F5344CB8AC3E}">
+        <p14:creationId xmlns:p14="http://schemas.microsoft.com/office/powerpoint/2010/main" val="2558015795"/>
+      </p:ext>
+    </p:extLst>
+  </p:cSld>
+  <p:clrMapOvr>
+    <a:masterClrMapping/>
+  </p:clrMapOvr>
+</p:sld>
+</file>
+
+<file path=ppt/slides/slide15.xml><?xml version="1.0" encoding="utf-8"?>
+<p:sld xmlns:a="http://schemas.openxmlformats.org/drawingml/2006/main" xmlns:r="http://schemas.openxmlformats.org/officeDocument/2006/relationships" xmlns:p="http://schemas.openxmlformats.org/presentationml/2006/main">
+  <p:cSld>
+    <p:spTree>
+      <p:nvGrpSpPr>
+        <p:cNvPr id="1" name="">
+          <a:extLst>
+            <a:ext uri="{FF2B5EF4-FFF2-40B4-BE49-F238E27FC236}">
+              <a16:creationId xmlns:a16="http://schemas.microsoft.com/office/drawing/2014/main" id="{FFF13BF0-A416-7D42-123F-949599A3DA26}"/>
+            </a:ext>
+          </a:extLst>
+        </p:cNvPr>
+        <p:cNvGrpSpPr/>
+        <p:nvPr/>
+      </p:nvGrpSpPr>
+      <p:grpSpPr>
+        <a:xfrm>
+          <a:off x="0" y="0"/>
+          <a:ext cx="0" cy="0"/>
+          <a:chOff x="0" y="0"/>
+          <a:chExt cx="0" cy="0"/>
+        </a:xfrm>
+      </p:grpSpPr>
+      <p:sp>
+        <p:nvSpPr>
+          <p:cNvPr id="2" name="Título 1">
+            <a:extLst>
+              <a:ext uri="{FF2B5EF4-FFF2-40B4-BE49-F238E27FC236}">
+                <a16:creationId xmlns:a16="http://schemas.microsoft.com/office/drawing/2014/main" id="{2ACC76F0-180D-B8A2-34EF-24E2AF09A459}"/>
+              </a:ext>
+            </a:extLst>
+          </p:cNvPr>
+          <p:cNvSpPr>
+            <a:spLocks noGrp="1"/>
+          </p:cNvSpPr>
+          <p:nvPr>
+            <p:ph type="title"/>
+          </p:nvPr>
+        </p:nvSpPr>
+        <p:spPr>
+          <a:xfrm>
+            <a:off x="677333" y="250372"/>
+            <a:ext cx="9119810" cy="1320800"/>
+          </a:xfrm>
+        </p:spPr>
+        <p:txBody>
+          <a:bodyPr>
+            <a:normAutofit/>
+          </a:bodyPr>
+          <a:lstStyle/>
+          <a:p>
+            <a:r>
+              <a:rPr lang="en-US" noProof="0" dirty="0"/>
+              <a:t>3. How persistent is each treatment and which of them is more persistent on time?</a:t>
+            </a:r>
+          </a:p>
+        </p:txBody>
+      </p:sp>
+      <p:pic>
+        <p:nvPicPr>
+          <p:cNvPr id="9" name="Marcador de contenido 8">
+            <a:extLst>
+              <a:ext uri="{FF2B5EF4-FFF2-40B4-BE49-F238E27FC236}">
+                <a16:creationId xmlns:a16="http://schemas.microsoft.com/office/drawing/2014/main" id="{F395C2C2-F89D-8C3F-4942-5E3E9393A949}"/>
+              </a:ext>
+            </a:extLst>
+          </p:cNvPr>
+          <p:cNvPicPr>
+            <a:picLocks noGrp="1" noChangeAspect="1"/>
+          </p:cNvPicPr>
+          <p:nvPr>
+            <p:ph idx="1"/>
+          </p:nvPr>
+        </p:nvPicPr>
+        <p:blipFill>
+          <a:blip r:embed="rId2"/>
+          <a:stretch>
+            <a:fillRect/>
+          </a:stretch>
+        </p:blipFill>
+        <p:spPr>
+          <a:xfrm>
+            <a:off x="753533" y="1603827"/>
+            <a:ext cx="7748210" cy="5211645"/>
+          </a:xfrm>
+        </p:spPr>
+      </p:pic>
+      <p:sp>
+        <p:nvSpPr>
+          <p:cNvPr id="10" name="Rectángulo 9">
+            <a:extLst>
+              <a:ext uri="{FF2B5EF4-FFF2-40B4-BE49-F238E27FC236}">
+                <a16:creationId xmlns:a16="http://schemas.microsoft.com/office/drawing/2014/main" id="{5F4890E1-165E-B28F-E332-6C4AC67D64D1}"/>
+              </a:ext>
+            </a:extLst>
+          </p:cNvPr>
+          <p:cNvSpPr/>
+          <p:nvPr/>
+        </p:nvSpPr>
+        <p:spPr>
+          <a:xfrm>
+            <a:off x="8654144" y="2438399"/>
+            <a:ext cx="3331028" cy="1545771"/>
+          </a:xfrm>
+          <a:prstGeom prst="rect">
+            <a:avLst/>
+          </a:prstGeom>
+        </p:spPr>
+        <p:style>
+          <a:lnRef idx="2">
+            <a:schemeClr val="accent1">
+              <a:shade val="15000"/>
+            </a:schemeClr>
+          </a:lnRef>
+          <a:fillRef idx="1">
+            <a:schemeClr val="accent1"/>
+          </a:fillRef>
+          <a:effectRef idx="0">
+            <a:schemeClr val="accent1"/>
+          </a:effectRef>
+          <a:fontRef idx="minor">
+            <a:schemeClr val="lt1"/>
+          </a:fontRef>
+        </p:style>
+        <p:txBody>
+          <a:bodyPr rtlCol="0" anchor="ctr"/>
+          <a:lstStyle/>
+          <a:p>
+            <a:pPr algn="ctr"/>
+            <a:r>
+              <a:rPr lang="en-US" noProof="0" dirty="0">
+                <a:solidFill>
+                  <a:schemeClr val="tx1"/>
+                </a:solidFill>
+              </a:rPr>
+              <a:t>Table showing </a:t>
+            </a:r>
+            <a:r>
+              <a:rPr lang="en-US" b="1" noProof="0" dirty="0">
+                <a:solidFill>
+                  <a:schemeClr val="tx1"/>
+                </a:solidFill>
+              </a:rPr>
+              <a:t>statistical grouping of treatments </a:t>
+            </a:r>
+            <a:r>
+              <a:rPr lang="en-US" noProof="0" dirty="0">
+                <a:solidFill>
+                  <a:schemeClr val="tx1"/>
+                </a:solidFill>
+              </a:rPr>
+              <a:t>using 4 LMM models and mean and standard deviation for each variable. </a:t>
+            </a:r>
+          </a:p>
+        </p:txBody>
+      </p:sp>
+      <p:sp>
+        <p:nvSpPr>
+          <p:cNvPr id="3" name="Elipse 2">
+            <a:extLst>
+              <a:ext uri="{FF2B5EF4-FFF2-40B4-BE49-F238E27FC236}">
+                <a16:creationId xmlns:a16="http://schemas.microsoft.com/office/drawing/2014/main" id="{3ACE4108-719E-04CE-EFCC-57F8D531AB72}"/>
+              </a:ext>
+            </a:extLst>
+          </p:cNvPr>
+          <p:cNvSpPr/>
+          <p:nvPr/>
+        </p:nvSpPr>
+        <p:spPr>
+          <a:xfrm>
+            <a:off x="4898572" y="3352800"/>
+            <a:ext cx="1077686" cy="555170"/>
+          </a:xfrm>
+          <a:prstGeom prst="ellipse">
+            <a:avLst/>
+          </a:prstGeom>
+          <a:noFill/>
+          <a:ln>
+            <a:solidFill>
+              <a:schemeClr val="tx1"/>
+            </a:solidFill>
+          </a:ln>
+        </p:spPr>
+        <p:style>
+          <a:lnRef idx="2">
+            <a:schemeClr val="accent1">
+              <a:shade val="15000"/>
+            </a:schemeClr>
+          </a:lnRef>
+          <a:fillRef idx="1">
+            <a:schemeClr val="accent1"/>
+          </a:fillRef>
+          <a:effectRef idx="0">
+            <a:schemeClr val="accent1"/>
+          </a:effectRef>
+          <a:fontRef idx="minor">
+            <a:schemeClr val="lt1"/>
+          </a:fontRef>
+        </p:style>
+        <p:txBody>
+          <a:bodyPr rtlCol="0" anchor="ctr"/>
+          <a:lstStyle/>
+          <a:p>
+            <a:pPr algn="ctr"/>
+            <a:endParaRPr lang="en-US" noProof="0" dirty="0"/>
+          </a:p>
+        </p:txBody>
+      </p:sp>
+    </p:spTree>
+    <p:extLst>
+      <p:ext uri="{BB962C8B-B14F-4D97-AF65-F5344CB8AC3E}">
+        <p14:creationId xmlns:p14="http://schemas.microsoft.com/office/powerpoint/2010/main" val="738628156"/>
+      </p:ext>
+    </p:extLst>
+  </p:cSld>
+  <p:clrMapOvr>
+    <a:masterClrMapping/>
+  </p:clrMapOvr>
+</p:sld>
+</file>
+
+<file path=ppt/slides/slide16.xml><?xml version="1.0" encoding="utf-8"?>
+<p:sld xmlns:a="http://schemas.openxmlformats.org/drawingml/2006/main" xmlns:r="http://schemas.openxmlformats.org/officeDocument/2006/relationships" xmlns:p="http://schemas.openxmlformats.org/presentationml/2006/main">
+  <p:cSld>
+    <p:spTree>
+      <p:nvGrpSpPr>
+        <p:cNvPr id="1" name="">
+          <a:extLst>
+            <a:ext uri="{FF2B5EF4-FFF2-40B4-BE49-F238E27FC236}">
+              <a16:creationId xmlns:a16="http://schemas.microsoft.com/office/drawing/2014/main" id="{37D80678-05D7-DAF2-B0CF-3B7DEF3471DA}"/>
+            </a:ext>
+          </a:extLst>
+        </p:cNvPr>
+        <p:cNvGrpSpPr/>
+        <p:nvPr/>
+      </p:nvGrpSpPr>
+      <p:grpSpPr>
+        <a:xfrm>
+          <a:off x="0" y="0"/>
+          <a:ext cx="0" cy="0"/>
+          <a:chOff x="0" y="0"/>
+          <a:chExt cx="0" cy="0"/>
+        </a:xfrm>
+      </p:grpSpPr>
+      <p:sp>
+        <p:nvSpPr>
+          <p:cNvPr id="2" name="Título 1">
+            <a:extLst>
+              <a:ext uri="{FF2B5EF4-FFF2-40B4-BE49-F238E27FC236}">
+                <a16:creationId xmlns:a16="http://schemas.microsoft.com/office/drawing/2014/main" id="{8F40C3E5-2291-0AEF-7BC4-666C9F0973A5}"/>
+              </a:ext>
+            </a:extLst>
+          </p:cNvPr>
+          <p:cNvSpPr>
+            <a:spLocks noGrp="1"/>
+          </p:cNvSpPr>
+          <p:nvPr>
+            <p:ph type="title"/>
+          </p:nvPr>
+        </p:nvSpPr>
+        <p:spPr>
+          <a:xfrm>
+            <a:off x="677333" y="250372"/>
+            <a:ext cx="9119810" cy="1320800"/>
+          </a:xfrm>
+        </p:spPr>
+        <p:txBody>
+          <a:bodyPr>
+            <a:normAutofit/>
+          </a:bodyPr>
+          <a:lstStyle/>
+          <a:p>
+            <a:r>
+              <a:rPr lang="en-US" noProof="0" dirty="0"/>
+              <a:t>3. How persistent is each treatment and which of them is more persistent on time?</a:t>
+            </a:r>
+          </a:p>
+        </p:txBody>
+      </p:sp>
+      <p:pic>
+        <p:nvPicPr>
+          <p:cNvPr id="9" name="Marcador de contenido 8">
+            <a:extLst>
+              <a:ext uri="{FF2B5EF4-FFF2-40B4-BE49-F238E27FC236}">
+                <a16:creationId xmlns:a16="http://schemas.microsoft.com/office/drawing/2014/main" id="{7E5F864E-AB3A-E0DA-79A3-BE094C0FB466}"/>
+              </a:ext>
+            </a:extLst>
+          </p:cNvPr>
+          <p:cNvPicPr>
+            <a:picLocks noGrp="1" noChangeAspect="1"/>
+          </p:cNvPicPr>
+          <p:nvPr>
+            <p:ph idx="1"/>
+          </p:nvPr>
+        </p:nvPicPr>
+        <p:blipFill>
+          <a:blip r:embed="rId2"/>
+          <a:stretch>
+            <a:fillRect/>
+          </a:stretch>
+        </p:blipFill>
+        <p:spPr>
+          <a:xfrm>
+            <a:off x="753533" y="1603827"/>
+            <a:ext cx="7748210" cy="5211645"/>
+          </a:xfrm>
+        </p:spPr>
+      </p:pic>
+      <p:sp>
+        <p:nvSpPr>
+          <p:cNvPr id="10" name="Rectángulo 9">
+            <a:extLst>
+              <a:ext uri="{FF2B5EF4-FFF2-40B4-BE49-F238E27FC236}">
+                <a16:creationId xmlns:a16="http://schemas.microsoft.com/office/drawing/2014/main" id="{2FA980C0-C361-7BE1-CBF2-A8E6D6E6CE28}"/>
+              </a:ext>
+            </a:extLst>
+          </p:cNvPr>
+          <p:cNvSpPr/>
+          <p:nvPr/>
+        </p:nvSpPr>
+        <p:spPr>
+          <a:xfrm>
+            <a:off x="8654144" y="2438399"/>
+            <a:ext cx="3331028" cy="1545771"/>
+          </a:xfrm>
+          <a:prstGeom prst="rect">
+            <a:avLst/>
+          </a:prstGeom>
+        </p:spPr>
+        <p:style>
+          <a:lnRef idx="2">
+            <a:schemeClr val="accent1">
+              <a:shade val="15000"/>
+            </a:schemeClr>
+          </a:lnRef>
+          <a:fillRef idx="1">
+            <a:schemeClr val="accent1"/>
+          </a:fillRef>
+          <a:effectRef idx="0">
+            <a:schemeClr val="accent1"/>
+          </a:effectRef>
+          <a:fontRef idx="minor">
+            <a:schemeClr val="lt1"/>
+          </a:fontRef>
+        </p:style>
+        <p:txBody>
+          <a:bodyPr rtlCol="0" anchor="ctr"/>
+          <a:lstStyle/>
+          <a:p>
+            <a:pPr algn="ctr"/>
+            <a:r>
+              <a:rPr lang="en-US" noProof="0" dirty="0">
+                <a:solidFill>
+                  <a:schemeClr val="tx1"/>
+                </a:solidFill>
+              </a:rPr>
+              <a:t>Table showing </a:t>
+            </a:r>
+            <a:r>
+              <a:rPr lang="en-US" b="1" noProof="0" dirty="0">
+                <a:solidFill>
+                  <a:schemeClr val="tx1"/>
+                </a:solidFill>
+              </a:rPr>
+              <a:t>statistical grouping of treatments </a:t>
+            </a:r>
+            <a:r>
+              <a:rPr lang="en-US" noProof="0" dirty="0">
+                <a:solidFill>
+                  <a:schemeClr val="tx1"/>
+                </a:solidFill>
+              </a:rPr>
+              <a:t>using 4 LMM models and mean and standard deviation for each variable. </a:t>
+            </a:r>
+          </a:p>
+        </p:txBody>
+      </p:sp>
+      <p:sp>
+        <p:nvSpPr>
+          <p:cNvPr id="3" name="Elipse 2">
+            <a:extLst>
+              <a:ext uri="{FF2B5EF4-FFF2-40B4-BE49-F238E27FC236}">
+                <a16:creationId xmlns:a16="http://schemas.microsoft.com/office/drawing/2014/main" id="{1F23C18D-A6D2-70A3-52AB-4B654C19855C}"/>
+              </a:ext>
+            </a:extLst>
+          </p:cNvPr>
+          <p:cNvSpPr/>
+          <p:nvPr/>
+        </p:nvSpPr>
+        <p:spPr>
+          <a:xfrm>
+            <a:off x="5932715" y="5431971"/>
+            <a:ext cx="1349828" cy="1416156"/>
+          </a:xfrm>
+          <a:prstGeom prst="ellipse">
+            <a:avLst/>
+          </a:prstGeom>
+          <a:noFill/>
+          <a:ln>
+            <a:solidFill>
+              <a:schemeClr val="tx1"/>
+            </a:solidFill>
+          </a:ln>
+        </p:spPr>
+        <p:style>
+          <a:lnRef idx="2">
+            <a:schemeClr val="accent1">
+              <a:shade val="15000"/>
+            </a:schemeClr>
+          </a:lnRef>
+          <a:fillRef idx="1">
+            <a:schemeClr val="accent1"/>
+          </a:fillRef>
+          <a:effectRef idx="0">
+            <a:schemeClr val="accent1"/>
+          </a:effectRef>
+          <a:fontRef idx="minor">
+            <a:schemeClr val="lt1"/>
+          </a:fontRef>
+        </p:style>
+        <p:txBody>
+          <a:bodyPr rtlCol="0" anchor="ctr"/>
+          <a:lstStyle/>
+          <a:p>
+            <a:pPr algn="ctr"/>
+            <a:endParaRPr lang="en-US" noProof="0" dirty="0"/>
+          </a:p>
+        </p:txBody>
+      </p:sp>
+    </p:spTree>
+    <p:extLst>
+      <p:ext uri="{BB962C8B-B14F-4D97-AF65-F5344CB8AC3E}">
+        <p14:creationId xmlns:p14="http://schemas.microsoft.com/office/powerpoint/2010/main" val="3345024459"/>
+      </p:ext>
+    </p:extLst>
+  </p:cSld>
+  <p:clrMapOvr>
+    <a:masterClrMapping/>
+  </p:clrMapOvr>
+</p:sld>
+</file>
+
+<file path=ppt/slides/slide17.xml><?xml version="1.0" encoding="utf-8"?>
+<p:sld xmlns:a="http://schemas.openxmlformats.org/drawingml/2006/main" xmlns:r="http://schemas.openxmlformats.org/officeDocument/2006/relationships" xmlns:p="http://schemas.openxmlformats.org/presentationml/2006/main">
+  <p:cSld>
+    <p:spTree>
+      <p:nvGrpSpPr>
+        <p:cNvPr id="1" name="">
+          <a:extLst>
+            <a:ext uri="{FF2B5EF4-FFF2-40B4-BE49-F238E27FC236}">
+              <a16:creationId xmlns:a16="http://schemas.microsoft.com/office/drawing/2014/main" id="{0E9F15B5-C68C-F99E-C9F0-7F418BB60614}"/>
+            </a:ext>
+          </a:extLst>
+        </p:cNvPr>
+        <p:cNvGrpSpPr/>
+        <p:nvPr/>
+      </p:nvGrpSpPr>
+      <p:grpSpPr>
+        <a:xfrm>
+          <a:off x="0" y="0"/>
+          <a:ext cx="0" cy="0"/>
+          <a:chOff x="0" y="0"/>
+          <a:chExt cx="0" cy="0"/>
+        </a:xfrm>
+      </p:grpSpPr>
+      <p:sp>
+        <p:nvSpPr>
+          <p:cNvPr id="2" name="Título 1">
+            <a:extLst>
+              <a:ext uri="{FF2B5EF4-FFF2-40B4-BE49-F238E27FC236}">
+                <a16:creationId xmlns:a16="http://schemas.microsoft.com/office/drawing/2014/main" id="{F03ED579-BB89-7E63-6810-5E605994C79B}"/>
+              </a:ext>
+            </a:extLst>
+          </p:cNvPr>
+          <p:cNvSpPr>
+            <a:spLocks noGrp="1"/>
+          </p:cNvSpPr>
+          <p:nvPr>
+            <p:ph type="title"/>
+          </p:nvPr>
+        </p:nvSpPr>
+        <p:spPr>
+          <a:xfrm>
+            <a:off x="677333" y="250372"/>
+            <a:ext cx="9119810" cy="1320800"/>
+          </a:xfrm>
+        </p:spPr>
+        <p:txBody>
+          <a:bodyPr>
+            <a:normAutofit/>
+          </a:bodyPr>
+          <a:lstStyle/>
+          <a:p>
+            <a:r>
+              <a:rPr lang="en-US" noProof="0" dirty="0"/>
+              <a:t>3. How persistent is each treatment and which of them is more persistent on time?</a:t>
+            </a:r>
+          </a:p>
+        </p:txBody>
+      </p:sp>
+      <p:pic>
+        <p:nvPicPr>
+          <p:cNvPr id="9" name="Marcador de contenido 8">
+            <a:extLst>
+              <a:ext uri="{FF2B5EF4-FFF2-40B4-BE49-F238E27FC236}">
+                <a16:creationId xmlns:a16="http://schemas.microsoft.com/office/drawing/2014/main" id="{A04FDDA8-5594-1970-C8A0-AB0C56A72E1F}"/>
+              </a:ext>
+            </a:extLst>
+          </p:cNvPr>
+          <p:cNvPicPr>
+            <a:picLocks noGrp="1" noChangeAspect="1"/>
+          </p:cNvPicPr>
+          <p:nvPr>
+            <p:ph idx="1"/>
+          </p:nvPr>
+        </p:nvPicPr>
+        <p:blipFill>
+          <a:blip r:embed="rId2"/>
+          <a:stretch>
+            <a:fillRect/>
+          </a:stretch>
+        </p:blipFill>
+        <p:spPr>
+          <a:xfrm>
+            <a:off x="753533" y="1603827"/>
+            <a:ext cx="7748210" cy="5211645"/>
+          </a:xfrm>
+        </p:spPr>
+      </p:pic>
+      <p:sp>
+        <p:nvSpPr>
+          <p:cNvPr id="10" name="Rectángulo 9">
+            <a:extLst>
+              <a:ext uri="{FF2B5EF4-FFF2-40B4-BE49-F238E27FC236}">
+                <a16:creationId xmlns:a16="http://schemas.microsoft.com/office/drawing/2014/main" id="{BD3EEBC7-2272-164A-F64D-964DC5365959}"/>
+              </a:ext>
+            </a:extLst>
+          </p:cNvPr>
+          <p:cNvSpPr/>
+          <p:nvPr/>
+        </p:nvSpPr>
+        <p:spPr>
+          <a:xfrm>
+            <a:off x="8654144" y="2438399"/>
+            <a:ext cx="3331028" cy="1545771"/>
+          </a:xfrm>
+          <a:prstGeom prst="rect">
+            <a:avLst/>
+          </a:prstGeom>
+        </p:spPr>
+        <p:style>
+          <a:lnRef idx="2">
+            <a:schemeClr val="accent1">
+              <a:shade val="15000"/>
+            </a:schemeClr>
+          </a:lnRef>
+          <a:fillRef idx="1">
+            <a:schemeClr val="accent1"/>
+          </a:fillRef>
+          <a:effectRef idx="0">
+            <a:schemeClr val="accent1"/>
+          </a:effectRef>
+          <a:fontRef idx="minor">
+            <a:schemeClr val="lt1"/>
+          </a:fontRef>
+        </p:style>
+        <p:txBody>
+          <a:bodyPr rtlCol="0" anchor="ctr"/>
+          <a:lstStyle/>
+          <a:p>
+            <a:pPr algn="ctr"/>
+            <a:r>
+              <a:rPr lang="en-US" noProof="0" dirty="0">
+                <a:solidFill>
+                  <a:schemeClr val="tx1"/>
+                </a:solidFill>
+              </a:rPr>
+              <a:t>Table showing </a:t>
+            </a:r>
+            <a:r>
+              <a:rPr lang="en-US" b="1" noProof="0" dirty="0">
+                <a:solidFill>
+                  <a:schemeClr val="tx1"/>
+                </a:solidFill>
+              </a:rPr>
+              <a:t>statistical grouping of treatments </a:t>
+            </a:r>
+            <a:r>
+              <a:rPr lang="en-US" noProof="0" dirty="0">
+                <a:solidFill>
+                  <a:schemeClr val="tx1"/>
+                </a:solidFill>
+              </a:rPr>
+              <a:t>using 4 LMM models and mean and standard deviation for each variable. </a:t>
+            </a:r>
+          </a:p>
+        </p:txBody>
+      </p:sp>
+      <p:sp>
+        <p:nvSpPr>
+          <p:cNvPr id="3" name="Elipse 2">
+            <a:extLst>
+              <a:ext uri="{FF2B5EF4-FFF2-40B4-BE49-F238E27FC236}">
+                <a16:creationId xmlns:a16="http://schemas.microsoft.com/office/drawing/2014/main" id="{F9B72D5E-7513-FC0A-251B-BC2700DCA1B9}"/>
+              </a:ext>
+            </a:extLst>
+          </p:cNvPr>
+          <p:cNvSpPr/>
+          <p:nvPr/>
+        </p:nvSpPr>
+        <p:spPr>
+          <a:xfrm>
+            <a:off x="6008914" y="3429000"/>
+            <a:ext cx="1143000" cy="446314"/>
+          </a:xfrm>
+          <a:prstGeom prst="ellipse">
+            <a:avLst/>
+          </a:prstGeom>
+          <a:noFill/>
+          <a:ln>
+            <a:solidFill>
+              <a:schemeClr val="tx1"/>
+            </a:solidFill>
+          </a:ln>
+        </p:spPr>
+        <p:style>
+          <a:lnRef idx="2">
+            <a:schemeClr val="accent1">
+              <a:shade val="15000"/>
+            </a:schemeClr>
+          </a:lnRef>
+          <a:fillRef idx="1">
+            <a:schemeClr val="accent1"/>
+          </a:fillRef>
+          <a:effectRef idx="0">
+            <a:schemeClr val="accent1"/>
+          </a:effectRef>
+          <a:fontRef idx="minor">
+            <a:schemeClr val="lt1"/>
+          </a:fontRef>
+        </p:style>
+        <p:txBody>
+          <a:bodyPr rtlCol="0" anchor="ctr"/>
+          <a:lstStyle/>
+          <a:p>
+            <a:pPr algn="ctr"/>
+            <a:endParaRPr lang="en-US" noProof="0" dirty="0"/>
+          </a:p>
+        </p:txBody>
+      </p:sp>
+    </p:spTree>
+    <p:extLst>
+      <p:ext uri="{BB962C8B-B14F-4D97-AF65-F5344CB8AC3E}">
+        <p14:creationId xmlns:p14="http://schemas.microsoft.com/office/powerpoint/2010/main" val="1931376508"/>
+      </p:ext>
+    </p:extLst>
+  </p:cSld>
+  <p:clrMapOvr>
+    <a:masterClrMapping/>
+  </p:clrMapOvr>
+</p:sld>
+</file>
+
+<file path=ppt/slides/slide18.xml><?xml version="1.0" encoding="utf-8"?>
+<p:sld xmlns:a="http://schemas.openxmlformats.org/drawingml/2006/main" xmlns:r="http://schemas.openxmlformats.org/officeDocument/2006/relationships" xmlns:p="http://schemas.openxmlformats.org/presentationml/2006/main">
+  <p:cSld>
+    <p:spTree>
+      <p:nvGrpSpPr>
+        <p:cNvPr id="1" name="">
+          <a:extLst>
+            <a:ext uri="{FF2B5EF4-FFF2-40B4-BE49-F238E27FC236}">
+              <a16:creationId xmlns:a16="http://schemas.microsoft.com/office/drawing/2014/main" id="{DB6128C9-6DF2-768B-803F-90586043D24B}"/>
+            </a:ext>
+          </a:extLst>
+        </p:cNvPr>
+        <p:cNvGrpSpPr/>
+        <p:nvPr/>
+      </p:nvGrpSpPr>
+      <p:grpSpPr>
+        <a:xfrm>
+          <a:off x="0" y="0"/>
+          <a:ext cx="0" cy="0"/>
+          <a:chOff x="0" y="0"/>
+          <a:chExt cx="0" cy="0"/>
+        </a:xfrm>
+      </p:grpSpPr>
+      <p:sp>
+        <p:nvSpPr>
+          <p:cNvPr id="2" name="Título 1">
+            <a:extLst>
+              <a:ext uri="{FF2B5EF4-FFF2-40B4-BE49-F238E27FC236}">
+                <a16:creationId xmlns:a16="http://schemas.microsoft.com/office/drawing/2014/main" id="{26397828-036D-29DE-5F15-54705851069D}"/>
+              </a:ext>
+            </a:extLst>
+          </p:cNvPr>
+          <p:cNvSpPr>
+            <a:spLocks noGrp="1"/>
+          </p:cNvSpPr>
+          <p:nvPr>
+            <p:ph type="title"/>
+          </p:nvPr>
+        </p:nvSpPr>
+        <p:spPr>
+          <a:xfrm>
+            <a:off x="677333" y="250372"/>
+            <a:ext cx="9119810" cy="1320800"/>
+          </a:xfrm>
+        </p:spPr>
+        <p:txBody>
+          <a:bodyPr>
+            <a:normAutofit/>
+          </a:bodyPr>
+          <a:lstStyle/>
+          <a:p>
+            <a:r>
+              <a:rPr lang="en-US" noProof="0" dirty="0"/>
+              <a:t>3. How persistent is each treatment and which of them is more persistent on time?</a:t>
+            </a:r>
+          </a:p>
+        </p:txBody>
+      </p:sp>
+      <p:pic>
+        <p:nvPicPr>
+          <p:cNvPr id="9" name="Marcador de contenido 8">
+            <a:extLst>
+              <a:ext uri="{FF2B5EF4-FFF2-40B4-BE49-F238E27FC236}">
+                <a16:creationId xmlns:a16="http://schemas.microsoft.com/office/drawing/2014/main" id="{F3257FE6-D289-1142-603D-B3489343BE85}"/>
+              </a:ext>
+            </a:extLst>
+          </p:cNvPr>
+          <p:cNvPicPr>
+            <a:picLocks noGrp="1" noChangeAspect="1"/>
+          </p:cNvPicPr>
+          <p:nvPr>
+            <p:ph idx="1"/>
+          </p:nvPr>
+        </p:nvPicPr>
+        <p:blipFill>
+          <a:blip r:embed="rId2"/>
+          <a:stretch>
+            <a:fillRect/>
+          </a:stretch>
+        </p:blipFill>
+        <p:spPr>
+          <a:xfrm>
+            <a:off x="753533" y="1603827"/>
+            <a:ext cx="7748210" cy="5211645"/>
+          </a:xfrm>
+        </p:spPr>
+      </p:pic>
+      <p:sp>
+        <p:nvSpPr>
+          <p:cNvPr id="10" name="Rectángulo 9">
+            <a:extLst>
+              <a:ext uri="{FF2B5EF4-FFF2-40B4-BE49-F238E27FC236}">
+                <a16:creationId xmlns:a16="http://schemas.microsoft.com/office/drawing/2014/main" id="{DC071BDB-8258-26D5-C722-C649F167D1F0}"/>
+              </a:ext>
+            </a:extLst>
+          </p:cNvPr>
+          <p:cNvSpPr/>
+          <p:nvPr/>
+        </p:nvSpPr>
+        <p:spPr>
+          <a:xfrm>
+            <a:off x="8654144" y="2438399"/>
+            <a:ext cx="3331028" cy="1545771"/>
+          </a:xfrm>
+          <a:prstGeom prst="rect">
+            <a:avLst/>
+          </a:prstGeom>
+        </p:spPr>
+        <p:style>
+          <a:lnRef idx="2">
+            <a:schemeClr val="accent1">
+              <a:shade val="15000"/>
+            </a:schemeClr>
+          </a:lnRef>
+          <a:fillRef idx="1">
+            <a:schemeClr val="accent1"/>
+          </a:fillRef>
+          <a:effectRef idx="0">
+            <a:schemeClr val="accent1"/>
+          </a:effectRef>
+          <a:fontRef idx="minor">
+            <a:schemeClr val="lt1"/>
+          </a:fontRef>
+        </p:style>
+        <p:txBody>
+          <a:bodyPr rtlCol="0" anchor="ctr"/>
+          <a:lstStyle/>
+          <a:p>
+            <a:pPr algn="ctr"/>
+            <a:r>
+              <a:rPr lang="en-US" noProof="0" dirty="0">
+                <a:solidFill>
+                  <a:schemeClr val="tx1"/>
+                </a:solidFill>
+              </a:rPr>
+              <a:t>Table showing </a:t>
+            </a:r>
+            <a:r>
+              <a:rPr lang="en-US" b="1" noProof="0" dirty="0">
+                <a:solidFill>
+                  <a:schemeClr val="tx1"/>
+                </a:solidFill>
+              </a:rPr>
+              <a:t>statistical grouping of treatments </a:t>
+            </a:r>
+            <a:r>
+              <a:rPr lang="en-US" noProof="0" dirty="0">
+                <a:solidFill>
+                  <a:schemeClr val="tx1"/>
+                </a:solidFill>
+              </a:rPr>
+              <a:t>using 4 LMM models and mean and standard deviation for each variable. </a:t>
+            </a:r>
+          </a:p>
+        </p:txBody>
+      </p:sp>
+      <p:sp>
+        <p:nvSpPr>
+          <p:cNvPr id="5" name="Rectángulo 4">
+            <a:extLst>
+              <a:ext uri="{FF2B5EF4-FFF2-40B4-BE49-F238E27FC236}">
+                <a16:creationId xmlns:a16="http://schemas.microsoft.com/office/drawing/2014/main" id="{35A415F8-64BC-652C-05F8-A765EA147F70}"/>
+              </a:ext>
+            </a:extLst>
+          </p:cNvPr>
+          <p:cNvSpPr/>
+          <p:nvPr/>
+        </p:nvSpPr>
+        <p:spPr>
+          <a:xfrm>
+            <a:off x="3603171" y="5138057"/>
+            <a:ext cx="3581400" cy="1677415"/>
+          </a:xfrm>
+          <a:prstGeom prst="rect">
+            <a:avLst/>
+          </a:prstGeom>
+          <a:noFill/>
+        </p:spPr>
+        <p:style>
+          <a:lnRef idx="2">
+            <a:schemeClr val="accent1">
+              <a:shade val="15000"/>
+            </a:schemeClr>
+          </a:lnRef>
+          <a:fillRef idx="1">
+            <a:schemeClr val="accent1"/>
+          </a:fillRef>
+          <a:effectRef idx="0">
+            <a:schemeClr val="accent1"/>
+          </a:effectRef>
+          <a:fontRef idx="minor">
+            <a:schemeClr val="lt1"/>
+          </a:fontRef>
+        </p:style>
+        <p:txBody>
+          <a:bodyPr rtlCol="0" anchor="ctr"/>
+          <a:lstStyle/>
+          <a:p>
+            <a:pPr algn="ctr"/>
+            <a:endParaRPr lang="en-US" noProof="0" dirty="0"/>
+          </a:p>
+        </p:txBody>
+      </p:sp>
+    </p:spTree>
+    <p:extLst>
+      <p:ext uri="{BB962C8B-B14F-4D97-AF65-F5344CB8AC3E}">
+        <p14:creationId xmlns:p14="http://schemas.microsoft.com/office/powerpoint/2010/main" val="1133465997"/>
+      </p:ext>
+    </p:extLst>
+  </p:cSld>
+  <p:clrMapOvr>
+    <a:masterClrMapping/>
+  </p:clrMapOvr>
+</p:sld>
+</file>
+
+<file path=ppt/slides/slide19.xml><?xml version="1.0" encoding="utf-8"?>
 <p:sld xmlns:a="http://schemas.openxmlformats.org/drawingml/2006/main" xmlns:r="http://schemas.openxmlformats.org/officeDocument/2006/relationships" xmlns:p="http://schemas.openxmlformats.org/presentationml/2006/main">
   <p:cSld>
     <p:spTree>
@@ -10372,8 +11432,8 @@
         </p:nvSpPr>
         <p:spPr>
           <a:xfrm>
-            <a:off x="829734" y="192314"/>
-            <a:ext cx="8596668" cy="1320800"/>
+            <a:off x="729344" y="152400"/>
+            <a:ext cx="9209314" cy="555171"/>
           </a:xfrm>
         </p:spPr>
         <p:txBody>
@@ -10383,19 +11443,184 @@
           <a:lstStyle/>
           <a:p>
             <a:r>
-              <a:rPr lang="en-US" dirty="0"/>
+              <a:rPr lang="en-US" sz="2400" noProof="0" dirty="0"/>
               <a:t>3. How persistent is each treatment and which of them is more persistent on time?</a:t>
             </a:r>
-            <a:endParaRPr lang="en-GB" dirty="0"/>
+          </a:p>
+        </p:txBody>
+      </p:sp>
+      <p:sp>
+        <p:nvSpPr>
+          <p:cNvPr id="6" name="Rectángulo 5">
+            <a:extLst>
+              <a:ext uri="{FF2B5EF4-FFF2-40B4-BE49-F238E27FC236}">
+                <a16:creationId xmlns:a16="http://schemas.microsoft.com/office/drawing/2014/main" id="{FF9C0AFF-20AF-86DA-4A92-5F5A71A21E7D}"/>
+              </a:ext>
+            </a:extLst>
+          </p:cNvPr>
+          <p:cNvSpPr/>
+          <p:nvPr/>
+        </p:nvSpPr>
+        <p:spPr>
+          <a:xfrm>
+            <a:off x="9247411" y="1433286"/>
+            <a:ext cx="2968435" cy="4377872"/>
+          </a:xfrm>
+          <a:prstGeom prst="rect">
+            <a:avLst/>
+          </a:prstGeom>
+          <a:solidFill>
+            <a:schemeClr val="accent1">
+              <a:lumMod val="60000"/>
+              <a:lumOff val="40000"/>
+            </a:schemeClr>
+          </a:solidFill>
+        </p:spPr>
+        <p:style>
+          <a:lnRef idx="2">
+            <a:schemeClr val="accent1">
+              <a:shade val="15000"/>
+            </a:schemeClr>
+          </a:lnRef>
+          <a:fillRef idx="1">
+            <a:schemeClr val="accent1"/>
+          </a:fillRef>
+          <a:effectRef idx="0">
+            <a:schemeClr val="accent1"/>
+          </a:effectRef>
+          <a:fontRef idx="minor">
+            <a:schemeClr val="lt1"/>
+          </a:fontRef>
+        </p:style>
+        <p:txBody>
+          <a:bodyPr rtlCol="0" anchor="ctr"/>
+          <a:lstStyle/>
+          <a:p>
+            <a:r>
+              <a:rPr lang="en-US" sz="1600" noProof="0" dirty="0">
+                <a:solidFill>
+                  <a:schemeClr val="tx1"/>
+                </a:solidFill>
+              </a:rPr>
+              <a:t>Summarizing all treatments into </a:t>
+            </a:r>
+            <a:r>
+              <a:rPr lang="en-US" sz="1600" b="1" noProof="0" dirty="0">
+                <a:solidFill>
+                  <a:schemeClr val="tx1"/>
+                </a:solidFill>
+              </a:rPr>
+              <a:t>two clusters </a:t>
+            </a:r>
+            <a:r>
+              <a:rPr lang="en-US" sz="1600" noProof="0" dirty="0">
+                <a:solidFill>
+                  <a:schemeClr val="tx1"/>
+                </a:solidFill>
+              </a:rPr>
+              <a:t>(the optimal number), we observe two main groups</a:t>
+            </a:r>
+            <a:r>
+              <a:rPr lang="en-US" sz="1600" b="1" noProof="0" dirty="0">
+                <a:solidFill>
+                  <a:schemeClr val="tx1"/>
+                </a:solidFill>
+              </a:rPr>
+              <a:t>:</a:t>
+            </a:r>
+          </a:p>
+          <a:p>
+            <a:endParaRPr lang="en-US" sz="1600" noProof="0" dirty="0">
+              <a:solidFill>
+                <a:schemeClr val="tx1"/>
+              </a:solidFill>
+            </a:endParaRPr>
+          </a:p>
+          <a:p>
+            <a:r>
+              <a:rPr lang="en-US" sz="1600" b="1" noProof="0" dirty="0">
+                <a:solidFill>
+                  <a:schemeClr val="tx1"/>
+                </a:solidFill>
+              </a:rPr>
+              <a:t>High efficacy, moderate-to-low persistence:</a:t>
+            </a:r>
+            <a:r>
+              <a:rPr lang="en-US" sz="1600" noProof="0" dirty="0">
+                <a:solidFill>
+                  <a:schemeClr val="tx1"/>
+                </a:solidFill>
+              </a:rPr>
+              <a:t> red cluster</a:t>
+            </a:r>
+          </a:p>
+          <a:p>
+            <a:r>
+              <a:rPr lang="en-US" sz="1600" b="1" noProof="0" dirty="0">
+                <a:solidFill>
+                  <a:schemeClr val="tx1"/>
+                </a:solidFill>
+              </a:rPr>
+              <a:t>Low efficacy, moderate-to-high persistence:</a:t>
+            </a:r>
+            <a:r>
+              <a:rPr lang="en-US" sz="1600" noProof="0" dirty="0">
+                <a:solidFill>
+                  <a:schemeClr val="tx1"/>
+                </a:solidFill>
+              </a:rPr>
+              <a:t> blue cluster</a:t>
+            </a:r>
+          </a:p>
+          <a:p>
+            <a:endParaRPr lang="en-US" sz="1600" b="1" noProof="0" dirty="0">
+              <a:solidFill>
+                <a:schemeClr val="tx1"/>
+              </a:solidFill>
+            </a:endParaRPr>
+          </a:p>
+          <a:p>
+            <a:r>
+              <a:rPr lang="en-US" sz="1600" b="1" noProof="0" dirty="0">
+                <a:solidFill>
+                  <a:schemeClr val="tx1"/>
+                </a:solidFill>
+              </a:rPr>
+              <a:t>DIM1</a:t>
+            </a:r>
+            <a:r>
+              <a:rPr lang="en-US" sz="1600" noProof="0" dirty="0">
+                <a:solidFill>
+                  <a:schemeClr val="tx1"/>
+                </a:solidFill>
+              </a:rPr>
+              <a:t> primarily represents efficacy and shows a moderate positive correlation with persistence. </a:t>
+            </a:r>
+            <a:r>
+              <a:rPr lang="en-US" sz="1600" b="1" noProof="0" dirty="0">
+                <a:solidFill>
+                  <a:schemeClr val="tx1"/>
+                </a:solidFill>
+              </a:rPr>
+              <a:t>DIM2</a:t>
+            </a:r>
+            <a:r>
+              <a:rPr lang="en-US" sz="1600" noProof="0" dirty="0">
+                <a:solidFill>
+                  <a:schemeClr val="tx1"/>
+                </a:solidFill>
+              </a:rPr>
+              <a:t> mainly reflects persistence, distinguishing treatments within each cluster.</a:t>
+            </a:r>
           </a:p>
         </p:txBody>
       </p:sp>
       <p:pic>
         <p:nvPicPr>
-          <p:cNvPr id="5" name="Marcador de contenido 4">
+          <p:cNvPr id="12" name="Marcador de contenido 11">
             <a:extLst>
               <a:ext uri="{FF2B5EF4-FFF2-40B4-BE49-F238E27FC236}">
-                <a16:creationId xmlns:a16="http://schemas.microsoft.com/office/drawing/2014/main" id="{27BFD803-EF84-78AD-C3CE-83E3478752BE}"/>
+                <a16:creationId xmlns:a16="http://schemas.microsoft.com/office/drawing/2014/main" id="{065FB72A-BE11-0652-5F26-0D87FFE023CA}"/>
               </a:ext>
             </a:extLst>
           </p:cNvPr>
@@ -10405,6 +11630,1584 @@
           <p:nvPr>
             <p:ph idx="1"/>
           </p:nvPr>
+        </p:nvPicPr>
+        <p:blipFill>
+          <a:blip r:embed="rId3"/>
+          <a:stretch>
+            <a:fillRect/>
+          </a:stretch>
+        </p:blipFill>
+        <p:spPr>
+          <a:xfrm>
+            <a:off x="1264103" y="1039578"/>
+            <a:ext cx="7802335" cy="5110842"/>
+          </a:xfrm>
+        </p:spPr>
+      </p:pic>
+      <p:cxnSp>
+        <p:nvCxnSpPr>
+          <p:cNvPr id="14" name="Conector recto 13">
+            <a:extLst>
+              <a:ext uri="{FF2B5EF4-FFF2-40B4-BE49-F238E27FC236}">
+                <a16:creationId xmlns:a16="http://schemas.microsoft.com/office/drawing/2014/main" id="{1945C3A5-8E5D-2654-0BD1-19981B917E9A}"/>
+              </a:ext>
+            </a:extLst>
+          </p:cNvPr>
+          <p:cNvCxnSpPr>
+            <a:cxnSpLocks/>
+          </p:cNvCxnSpPr>
+          <p:nvPr/>
+        </p:nvCxnSpPr>
+        <p:spPr>
+          <a:xfrm>
+            <a:off x="1905000" y="3897084"/>
+            <a:ext cx="7161438" cy="0"/>
+          </a:xfrm>
+          <a:prstGeom prst="line">
+            <a:avLst/>
+          </a:prstGeom>
+          <a:ln>
+            <a:prstDash val="dash"/>
+          </a:ln>
+        </p:spPr>
+        <p:style>
+          <a:lnRef idx="1">
+            <a:schemeClr val="dk1"/>
+          </a:lnRef>
+          <a:fillRef idx="0">
+            <a:schemeClr val="dk1"/>
+          </a:fillRef>
+          <a:effectRef idx="0">
+            <a:schemeClr val="dk1"/>
+          </a:effectRef>
+          <a:fontRef idx="minor">
+            <a:schemeClr val="tx1"/>
+          </a:fontRef>
+        </p:style>
+      </p:cxnSp>
+      <p:cxnSp>
+        <p:nvCxnSpPr>
+          <p:cNvPr id="16" name="Conector recto 15">
+            <a:extLst>
+              <a:ext uri="{FF2B5EF4-FFF2-40B4-BE49-F238E27FC236}">
+                <a16:creationId xmlns:a16="http://schemas.microsoft.com/office/drawing/2014/main" id="{4C3D08D3-B0E2-A3A6-2E7F-EAB8FAA63BF4}"/>
+              </a:ext>
+            </a:extLst>
+          </p:cNvPr>
+          <p:cNvCxnSpPr>
+            <a:cxnSpLocks/>
+          </p:cNvCxnSpPr>
+          <p:nvPr/>
+        </p:nvCxnSpPr>
+        <p:spPr>
+          <a:xfrm>
+            <a:off x="5410198" y="1569358"/>
+            <a:ext cx="0" cy="4241800"/>
+          </a:xfrm>
+          <a:prstGeom prst="line">
+            <a:avLst/>
+          </a:prstGeom>
+          <a:ln>
+            <a:prstDash val="dash"/>
+          </a:ln>
+        </p:spPr>
+        <p:style>
+          <a:lnRef idx="1">
+            <a:schemeClr val="dk1"/>
+          </a:lnRef>
+          <a:fillRef idx="0">
+            <a:schemeClr val="dk1"/>
+          </a:fillRef>
+          <a:effectRef idx="0">
+            <a:schemeClr val="dk1"/>
+          </a:effectRef>
+          <a:fontRef idx="minor">
+            <a:schemeClr val="tx1"/>
+          </a:fontRef>
+        </p:style>
+      </p:cxnSp>
+      <p:sp>
+        <p:nvSpPr>
+          <p:cNvPr id="20" name="Diagrama de flujo: ordenar 19">
+            <a:extLst>
+              <a:ext uri="{FF2B5EF4-FFF2-40B4-BE49-F238E27FC236}">
+                <a16:creationId xmlns:a16="http://schemas.microsoft.com/office/drawing/2014/main" id="{97E6F1BF-681E-9160-9E19-FC4AB99716D3}"/>
+              </a:ext>
+            </a:extLst>
+          </p:cNvPr>
+          <p:cNvSpPr/>
+          <p:nvPr/>
+        </p:nvSpPr>
+        <p:spPr>
+          <a:xfrm>
+            <a:off x="375558" y="3347355"/>
+            <a:ext cx="707572" cy="1099457"/>
+          </a:xfrm>
+          <a:prstGeom prst="flowChartSort">
+            <a:avLst/>
+          </a:prstGeom>
+        </p:spPr>
+        <p:style>
+          <a:lnRef idx="3">
+            <a:schemeClr val="lt1"/>
+          </a:lnRef>
+          <a:fillRef idx="1">
+            <a:schemeClr val="accent3"/>
+          </a:fillRef>
+          <a:effectRef idx="1">
+            <a:schemeClr val="accent3"/>
+          </a:effectRef>
+          <a:fontRef idx="minor">
+            <a:schemeClr val="lt1"/>
+          </a:fontRef>
+        </p:style>
+        <p:txBody>
+          <a:bodyPr rtlCol="0" anchor="ctr"/>
+          <a:lstStyle/>
+          <a:p>
+            <a:pPr algn="ctr"/>
+            <a:r>
+              <a:rPr lang="en-US" noProof="0" dirty="0"/>
+              <a:t>-</a:t>
+            </a:r>
+          </a:p>
+          <a:p>
+            <a:pPr algn="ctr"/>
+            <a:endParaRPr lang="en-US" noProof="0" dirty="0"/>
+          </a:p>
+          <a:p>
+            <a:pPr algn="ctr"/>
+            <a:r>
+              <a:rPr lang="en-US" noProof="0" dirty="0"/>
+              <a:t>+</a:t>
+            </a:r>
+          </a:p>
+        </p:txBody>
+      </p:sp>
+      <p:sp>
+        <p:nvSpPr>
+          <p:cNvPr id="21" name="Diagrama de flujo: ordenar 20">
+            <a:extLst>
+              <a:ext uri="{FF2B5EF4-FFF2-40B4-BE49-F238E27FC236}">
+                <a16:creationId xmlns:a16="http://schemas.microsoft.com/office/drawing/2014/main" id="{E424777B-355D-A8FD-E332-14151EA4B279}"/>
+              </a:ext>
+            </a:extLst>
+          </p:cNvPr>
+          <p:cNvSpPr/>
+          <p:nvPr/>
+        </p:nvSpPr>
+        <p:spPr>
+          <a:xfrm rot="16200000">
+            <a:off x="5056412" y="5883725"/>
+            <a:ext cx="707572" cy="1099457"/>
+          </a:xfrm>
+          <a:prstGeom prst="flowChartSort">
+            <a:avLst/>
+          </a:prstGeom>
+        </p:spPr>
+        <p:style>
+          <a:lnRef idx="3">
+            <a:schemeClr val="lt1"/>
+          </a:lnRef>
+          <a:fillRef idx="1">
+            <a:schemeClr val="accent3"/>
+          </a:fillRef>
+          <a:effectRef idx="1">
+            <a:schemeClr val="accent3"/>
+          </a:effectRef>
+          <a:fontRef idx="minor">
+            <a:schemeClr val="lt1"/>
+          </a:fontRef>
+        </p:style>
+        <p:txBody>
+          <a:bodyPr rtlCol="0" anchor="ctr"/>
+          <a:lstStyle/>
+          <a:p>
+            <a:pPr algn="ctr"/>
+            <a:r>
+              <a:rPr lang="en-US" noProof="0" dirty="0"/>
+              <a:t>+</a:t>
+            </a:r>
+          </a:p>
+          <a:p>
+            <a:pPr algn="ctr"/>
+            <a:endParaRPr lang="en-US" noProof="0" dirty="0"/>
+          </a:p>
+          <a:p>
+            <a:pPr algn="ctr"/>
+            <a:r>
+              <a:rPr lang="en-US" noProof="0" dirty="0"/>
+              <a:t>-</a:t>
+            </a:r>
+          </a:p>
+        </p:txBody>
+      </p:sp>
+      <p:sp>
+        <p:nvSpPr>
+          <p:cNvPr id="23" name="CuadroTexto 22">
+            <a:extLst>
+              <a:ext uri="{FF2B5EF4-FFF2-40B4-BE49-F238E27FC236}">
+                <a16:creationId xmlns:a16="http://schemas.microsoft.com/office/drawing/2014/main" id="{6DE666F8-E0B8-9806-1C30-860D808C1C86}"/>
+              </a:ext>
+            </a:extLst>
+          </p:cNvPr>
+          <p:cNvSpPr txBox="1"/>
+          <p:nvPr/>
+        </p:nvSpPr>
+        <p:spPr>
+          <a:xfrm>
+            <a:off x="5959927" y="6218841"/>
+            <a:ext cx="2743200" cy="369332"/>
+          </a:xfrm>
+          <a:prstGeom prst="rect">
+            <a:avLst/>
+          </a:prstGeom>
+          <a:noFill/>
+        </p:spPr>
+        <p:txBody>
+          <a:bodyPr wrap="square" rtlCol="0">
+            <a:spAutoFit/>
+          </a:bodyPr>
+          <a:lstStyle/>
+          <a:p>
+            <a:r>
+              <a:rPr lang="en-US" b="1" noProof="0" dirty="0"/>
+              <a:t>efficacy</a:t>
+            </a:r>
+          </a:p>
+        </p:txBody>
+      </p:sp>
+      <p:sp>
+        <p:nvSpPr>
+          <p:cNvPr id="24" name="CuadroTexto 23">
+            <a:extLst>
+              <a:ext uri="{FF2B5EF4-FFF2-40B4-BE49-F238E27FC236}">
+                <a16:creationId xmlns:a16="http://schemas.microsoft.com/office/drawing/2014/main" id="{9E26625F-49CF-B129-C273-9958D3BEDE6B}"/>
+              </a:ext>
+            </a:extLst>
+          </p:cNvPr>
+          <p:cNvSpPr txBox="1"/>
+          <p:nvPr/>
+        </p:nvSpPr>
+        <p:spPr>
+          <a:xfrm>
+            <a:off x="38101" y="4469754"/>
+            <a:ext cx="2743200" cy="369332"/>
+          </a:xfrm>
+          <a:prstGeom prst="rect">
+            <a:avLst/>
+          </a:prstGeom>
+          <a:noFill/>
+        </p:spPr>
+        <p:txBody>
+          <a:bodyPr wrap="square" rtlCol="0">
+            <a:spAutoFit/>
+          </a:bodyPr>
+          <a:lstStyle/>
+          <a:p>
+            <a:r>
+              <a:rPr lang="en-US" b="1" noProof="0" dirty="0"/>
+              <a:t>persistence</a:t>
+            </a:r>
+          </a:p>
+        </p:txBody>
+      </p:sp>
+      <p:sp>
+        <p:nvSpPr>
+          <p:cNvPr id="27" name="CuadroTexto 26">
+            <a:extLst>
+              <a:ext uri="{FF2B5EF4-FFF2-40B4-BE49-F238E27FC236}">
+                <a16:creationId xmlns:a16="http://schemas.microsoft.com/office/drawing/2014/main" id="{3FCBDB18-D9A9-D194-3E17-2458440CE6B6}"/>
+              </a:ext>
+            </a:extLst>
+          </p:cNvPr>
+          <p:cNvSpPr txBox="1"/>
+          <p:nvPr/>
+        </p:nvSpPr>
+        <p:spPr>
+          <a:xfrm>
+            <a:off x="571497" y="6076758"/>
+            <a:ext cx="3091544" cy="646331"/>
+          </a:xfrm>
+          <a:prstGeom prst="rect">
+            <a:avLst/>
+          </a:prstGeom>
+          <a:noFill/>
+        </p:spPr>
+        <p:txBody>
+          <a:bodyPr wrap="square" rtlCol="0">
+            <a:spAutoFit/>
+          </a:bodyPr>
+          <a:lstStyle/>
+          <a:p>
+            <a:r>
+              <a:rPr lang="en-US" b="1" noProof="0" dirty="0"/>
+              <a:t>INJCTREE</a:t>
+            </a:r>
+            <a:r>
+              <a:rPr lang="en-US" noProof="0" dirty="0"/>
+              <a:t> – trunk injection</a:t>
+            </a:r>
+          </a:p>
+          <a:p>
+            <a:r>
+              <a:rPr lang="en-US" b="1" noProof="0" dirty="0"/>
+              <a:t>FOLIAR</a:t>
+            </a:r>
+            <a:r>
+              <a:rPr lang="en-US" noProof="0" dirty="0"/>
+              <a:t> – foliar application</a:t>
+            </a:r>
+          </a:p>
+        </p:txBody>
+      </p:sp>
+    </p:spTree>
+    <p:extLst>
+      <p:ext uri="{BB962C8B-B14F-4D97-AF65-F5344CB8AC3E}">
+        <p14:creationId xmlns:p14="http://schemas.microsoft.com/office/powerpoint/2010/main" val="3461930629"/>
+      </p:ext>
+    </p:extLst>
+  </p:cSld>
+  <p:clrMapOvr>
+    <a:masterClrMapping/>
+  </p:clrMapOvr>
+</p:sld>
+</file>
+
+<file path=ppt/slides/slide2.xml><?xml version="1.0" encoding="utf-8"?>
+<p:sld xmlns:a="http://schemas.openxmlformats.org/drawingml/2006/main" xmlns:r="http://schemas.openxmlformats.org/officeDocument/2006/relationships" xmlns:p="http://schemas.openxmlformats.org/presentationml/2006/main">
+  <p:cSld>
+    <p:spTree>
+      <p:nvGrpSpPr>
+        <p:cNvPr id="1" name=""/>
+        <p:cNvGrpSpPr/>
+        <p:nvPr/>
+      </p:nvGrpSpPr>
+      <p:grpSpPr>
+        <a:xfrm>
+          <a:off x="0" y="0"/>
+          <a:ext cx="0" cy="0"/>
+          <a:chOff x="0" y="0"/>
+          <a:chExt cx="0" cy="0"/>
+        </a:xfrm>
+      </p:grpSpPr>
+      <p:sp>
+        <p:nvSpPr>
+          <p:cNvPr id="2" name="Título 1">
+            <a:extLst>
+              <a:ext uri="{FF2B5EF4-FFF2-40B4-BE49-F238E27FC236}">
+                <a16:creationId xmlns:a16="http://schemas.microsoft.com/office/drawing/2014/main" id="{51AC9907-8F59-4834-438F-D73319220179}"/>
+              </a:ext>
+            </a:extLst>
+          </p:cNvPr>
+          <p:cNvSpPr>
+            <a:spLocks noGrp="1"/>
+          </p:cNvSpPr>
+          <p:nvPr>
+            <p:ph type="title"/>
+          </p:nvPr>
+        </p:nvSpPr>
+        <p:spPr>
+          <a:xfrm>
+            <a:off x="1449217" y="804889"/>
+            <a:ext cx="9605635" cy="915053"/>
+          </a:xfrm>
+        </p:spPr>
+        <p:txBody>
+          <a:bodyPr/>
+          <a:lstStyle/>
+          <a:p>
+            <a:r>
+              <a:rPr lang="en-US" noProof="0" dirty="0"/>
+              <a:t>INTRODUCTION (BACKGROUND)</a:t>
+            </a:r>
+          </a:p>
+        </p:txBody>
+      </p:sp>
+      <p:sp>
+        <p:nvSpPr>
+          <p:cNvPr id="3" name="Marcador de contenido 2">
+            <a:extLst>
+              <a:ext uri="{FF2B5EF4-FFF2-40B4-BE49-F238E27FC236}">
+                <a16:creationId xmlns:a16="http://schemas.microsoft.com/office/drawing/2014/main" id="{42E259FA-7430-3761-944C-FDE77C596B6E}"/>
+              </a:ext>
+            </a:extLst>
+          </p:cNvPr>
+          <p:cNvSpPr>
+            <a:spLocks noGrp="1"/>
+          </p:cNvSpPr>
+          <p:nvPr>
+            <p:ph sz="half" idx="1"/>
+          </p:nvPr>
+        </p:nvSpPr>
+        <p:spPr>
+          <a:xfrm>
+            <a:off x="1164772" y="2010878"/>
+            <a:ext cx="5319597" cy="3943608"/>
+          </a:xfrm>
+        </p:spPr>
+        <p:txBody>
+          <a:bodyPr>
+            <a:noAutofit/>
+          </a:bodyPr>
+          <a:lstStyle/>
+          <a:p>
+            <a:r>
+              <a:rPr lang="en-US" sz="1800" noProof="0" dirty="0"/>
+              <a:t>Background:  </a:t>
+            </a:r>
+            <a:r>
+              <a:rPr lang="en-US" sz="1800" i="1" noProof="0" dirty="0" err="1"/>
+              <a:t>Philaenus</a:t>
+            </a:r>
+            <a:r>
+              <a:rPr lang="en-US" sz="1800" i="1" noProof="0" dirty="0"/>
+              <a:t> </a:t>
+            </a:r>
+            <a:r>
+              <a:rPr lang="en-US" sz="1800" i="1" noProof="0" dirty="0" err="1"/>
+              <a:t>spumarius</a:t>
+            </a:r>
+            <a:r>
+              <a:rPr lang="en-US" sz="1800" i="1" noProof="0" dirty="0"/>
+              <a:t> </a:t>
+            </a:r>
+            <a:r>
+              <a:rPr lang="en-US" sz="1800" noProof="0" dirty="0"/>
+              <a:t>(“meadow spittlebug”) is a major vector of </a:t>
+            </a:r>
+            <a:r>
+              <a:rPr lang="en-US" sz="1800" i="1" noProof="0" dirty="0"/>
+              <a:t>Xylella fastidiosa </a:t>
+            </a:r>
+            <a:r>
+              <a:rPr lang="en-US" sz="1800" noProof="0" dirty="0"/>
+              <a:t>(also known as Pierce’s disease), a devastating plant pathogen in Europe.</a:t>
+            </a:r>
+          </a:p>
+          <a:p>
+            <a:r>
+              <a:rPr lang="en-US" sz="1800" noProof="0" dirty="0"/>
+              <a:t>Effective control of </a:t>
+            </a:r>
+            <a:r>
+              <a:rPr lang="en-US" sz="1800" i="1" noProof="0" dirty="0"/>
+              <a:t>P. </a:t>
+            </a:r>
+            <a:r>
+              <a:rPr lang="en-US" sz="1800" i="1" noProof="0" dirty="0" err="1"/>
+              <a:t>spumarius</a:t>
+            </a:r>
+            <a:r>
+              <a:rPr lang="en-US" sz="1800" i="1" noProof="0" dirty="0"/>
+              <a:t> </a:t>
+            </a:r>
+            <a:r>
+              <a:rPr lang="en-US" sz="1800" noProof="0" dirty="0"/>
+              <a:t>is important for managing </a:t>
+            </a:r>
+            <a:r>
+              <a:rPr lang="en-US" sz="1800" i="1" noProof="0" dirty="0"/>
+              <a:t>Xylella</a:t>
+            </a:r>
+            <a:r>
+              <a:rPr lang="en-US" sz="1800" noProof="0" dirty="0"/>
+              <a:t> outbreaks and ensuring crop health.</a:t>
+            </a:r>
+          </a:p>
+          <a:p>
+            <a:r>
+              <a:rPr lang="en-US" sz="1800" noProof="0" dirty="0"/>
+              <a:t>Several insecticides, including ISOCLAST™ (sulfoxaflor), are available to control sap-feeding pests such as the aforementioned. There is a need to assess and compare their efficacy and persistence of these products under semi-field conditions.</a:t>
+            </a:r>
+          </a:p>
+        </p:txBody>
+      </p:sp>
+      <p:pic>
+        <p:nvPicPr>
+          <p:cNvPr id="7" name="Marcador de contenido 6">
+            <a:extLst>
+              <a:ext uri="{FF2B5EF4-FFF2-40B4-BE49-F238E27FC236}">
+                <a16:creationId xmlns:a16="http://schemas.microsoft.com/office/drawing/2014/main" id="{3C9F4586-8A6E-5DE7-2918-7B1A12BD0B3E}"/>
+              </a:ext>
+            </a:extLst>
+          </p:cNvPr>
+          <p:cNvPicPr>
+            <a:picLocks noGrp="1" noChangeAspect="1"/>
+          </p:cNvPicPr>
+          <p:nvPr>
+            <p:ph sz="half" idx="2"/>
+          </p:nvPr>
+        </p:nvPicPr>
+        <p:blipFill>
+          <a:blip r:embed="rId2">
+            <a:extLst>
+              <a:ext uri="{28A0092B-C50C-407E-A947-70E740481C1C}">
+                <a14:useLocalDpi xmlns:a14="http://schemas.microsoft.com/office/drawing/2010/main" val="0"/>
+              </a:ext>
+              <a:ext uri="{837473B0-CC2E-450A-ABE3-18F120FF3D39}">
+                <a1611:picAttrSrcUrl xmlns:a1611="http://schemas.microsoft.com/office/drawing/2016/11/main" r:id="rId3"/>
+              </a:ext>
+            </a:extLst>
+          </a:blip>
+          <a:stretch>
+            <a:fillRect/>
+          </a:stretch>
+        </p:blipFill>
+        <p:spPr>
+          <a:xfrm>
+            <a:off x="6691198" y="1925511"/>
+            <a:ext cx="4937125" cy="3211059"/>
+          </a:xfrm>
+        </p:spPr>
+      </p:pic>
+      <p:sp>
+        <p:nvSpPr>
+          <p:cNvPr id="8" name="CuadroTexto 7">
+            <a:extLst>
+              <a:ext uri="{FF2B5EF4-FFF2-40B4-BE49-F238E27FC236}">
+                <a16:creationId xmlns:a16="http://schemas.microsoft.com/office/drawing/2014/main" id="{32B07AB2-78A4-1EDB-CACF-B3181FE83FDA}"/>
+              </a:ext>
+            </a:extLst>
+          </p:cNvPr>
+          <p:cNvSpPr txBox="1"/>
+          <p:nvPr/>
+        </p:nvSpPr>
+        <p:spPr>
+          <a:xfrm>
+            <a:off x="6691198" y="5136570"/>
+            <a:ext cx="5054488" cy="646331"/>
+          </a:xfrm>
+          <a:prstGeom prst="rect">
+            <a:avLst/>
+          </a:prstGeom>
+          <a:noFill/>
+        </p:spPr>
+        <p:txBody>
+          <a:bodyPr wrap="square" rtlCol="0">
+            <a:spAutoFit/>
+          </a:bodyPr>
+          <a:lstStyle/>
+          <a:p>
+            <a:r>
+              <a:rPr lang="en-US" sz="1200" noProof="0" dirty="0"/>
+              <a:t>This photograph is from </a:t>
+            </a:r>
+            <a:r>
+              <a:rPr lang="en-US" sz="1200" noProof="0" dirty="0">
+                <a:hlinkClick r:id="rId4"/>
+              </a:rPr>
+              <a:t>https://www.marylandbiodiversity.com/species/11054</a:t>
+            </a:r>
+            <a:r>
+              <a:rPr lang="en-US" sz="1200" noProof="0" dirty="0"/>
+              <a:t> is under license </a:t>
+            </a:r>
+            <a:r>
+              <a:rPr lang="en-US" sz="1200" noProof="0" dirty="0">
+                <a:hlinkClick r:id="rId5" tooltip="https://creativecommons.org/licenses/by/3.0/"/>
+              </a:rPr>
+              <a:t>CC BY</a:t>
+            </a:r>
+            <a:endParaRPr lang="en-US" sz="1200" noProof="0" dirty="0"/>
+          </a:p>
+        </p:txBody>
+      </p:sp>
+    </p:spTree>
+    <p:extLst>
+      <p:ext uri="{BB962C8B-B14F-4D97-AF65-F5344CB8AC3E}">
+        <p14:creationId xmlns:p14="http://schemas.microsoft.com/office/powerpoint/2010/main" val="2541220704"/>
+      </p:ext>
+    </p:extLst>
+  </p:cSld>
+  <p:clrMapOvr>
+    <a:masterClrMapping/>
+  </p:clrMapOvr>
+</p:sld>
+</file>
+
+<file path=ppt/slides/slide20.xml><?xml version="1.0" encoding="utf-8"?>
+<p:sld xmlns:a="http://schemas.openxmlformats.org/drawingml/2006/main" xmlns:r="http://schemas.openxmlformats.org/officeDocument/2006/relationships" xmlns:p="http://schemas.openxmlformats.org/presentationml/2006/main">
+  <p:cSld>
+    <p:spTree>
+      <p:nvGrpSpPr>
+        <p:cNvPr id="1" name=""/>
+        <p:cNvGrpSpPr/>
+        <p:nvPr/>
+      </p:nvGrpSpPr>
+      <p:grpSpPr>
+        <a:xfrm>
+          <a:off x="0" y="0"/>
+          <a:ext cx="0" cy="0"/>
+          <a:chOff x="0" y="0"/>
+          <a:chExt cx="0" cy="0"/>
+        </a:xfrm>
+      </p:grpSpPr>
+      <p:sp>
+        <p:nvSpPr>
+          <p:cNvPr id="2" name="Título 1">
+            <a:extLst>
+              <a:ext uri="{FF2B5EF4-FFF2-40B4-BE49-F238E27FC236}">
+                <a16:creationId xmlns:a16="http://schemas.microsoft.com/office/drawing/2014/main" id="{AA36CCA8-988A-9ECE-C8AD-AF2DCC97A667}"/>
+              </a:ext>
+            </a:extLst>
+          </p:cNvPr>
+          <p:cNvSpPr>
+            <a:spLocks noGrp="1"/>
+          </p:cNvSpPr>
+          <p:nvPr>
+            <p:ph type="title"/>
+          </p:nvPr>
+        </p:nvSpPr>
+        <p:spPr>
+          <a:xfrm>
+            <a:off x="677335" y="235857"/>
+            <a:ext cx="8596668" cy="1320800"/>
+          </a:xfrm>
+        </p:spPr>
+        <p:txBody>
+          <a:bodyPr/>
+          <a:lstStyle/>
+          <a:p>
+            <a:r>
+              <a:rPr lang="en-US" noProof="0" dirty="0"/>
+              <a:t>Final conclusions</a:t>
+            </a:r>
+          </a:p>
+        </p:txBody>
+      </p:sp>
+      <p:sp>
+        <p:nvSpPr>
+          <p:cNvPr id="3" name="Marcador de contenido 2">
+            <a:extLst>
+              <a:ext uri="{FF2B5EF4-FFF2-40B4-BE49-F238E27FC236}">
+                <a16:creationId xmlns:a16="http://schemas.microsoft.com/office/drawing/2014/main" id="{B403CF93-D2BC-FF4E-6084-F4784FE64322}"/>
+              </a:ext>
+            </a:extLst>
+          </p:cNvPr>
+          <p:cNvSpPr>
+            <a:spLocks noGrp="1"/>
+          </p:cNvSpPr>
+          <p:nvPr>
+            <p:ph idx="1"/>
+          </p:nvPr>
+        </p:nvSpPr>
+        <p:spPr>
+          <a:xfrm>
+            <a:off x="587829" y="1121228"/>
+            <a:ext cx="7815942" cy="5736771"/>
+          </a:xfrm>
+        </p:spPr>
+        <p:txBody>
+          <a:bodyPr>
+            <a:normAutofit/>
+          </a:bodyPr>
+          <a:lstStyle/>
+          <a:p>
+            <a:r>
+              <a:rPr lang="en-US" noProof="0" dirty="0"/>
+              <a:t>We see two main groups of treatments: </a:t>
+            </a:r>
+          </a:p>
+          <a:p>
+            <a:pPr lvl="1"/>
+            <a:r>
+              <a:rPr lang="en-US" noProof="0" dirty="0"/>
+              <a:t>a group associated with </a:t>
+            </a:r>
+            <a:r>
+              <a:rPr lang="en-US" b="1" noProof="0" dirty="0"/>
+              <a:t>a higher effect on mortality </a:t>
+            </a:r>
+            <a:r>
+              <a:rPr lang="en-US" noProof="0" dirty="0"/>
+              <a:t>and relatively low persistence (KARATE ZEON 200 is a bit more persistent on average, though)</a:t>
+            </a:r>
+          </a:p>
+          <a:p>
+            <a:pPr lvl="1"/>
+            <a:r>
+              <a:rPr lang="en-US" noProof="0" dirty="0"/>
+              <a:t>a group associated with a </a:t>
+            </a:r>
+            <a:r>
+              <a:rPr lang="en-US" b="1" noProof="0" dirty="0"/>
+              <a:t>lower effect on mortality </a:t>
+            </a:r>
+            <a:r>
+              <a:rPr lang="en-US" noProof="0" dirty="0"/>
+              <a:t>and slightly better persistence (yet variable)</a:t>
+            </a:r>
+          </a:p>
+          <a:p>
+            <a:r>
+              <a:rPr lang="en-GB" b="1" noProof="0" dirty="0"/>
+              <a:t>Efficacy (or effectiveness) separates these groups more clearly than persistence does, </a:t>
+            </a:r>
+            <a:r>
+              <a:rPr lang="en-GB" noProof="0" dirty="0"/>
+              <a:t>as persistence shows much greater variability across treatments</a:t>
+            </a:r>
+            <a:r>
+              <a:rPr lang="en-GB" b="1" noProof="0" dirty="0"/>
+              <a:t>. </a:t>
+            </a:r>
+            <a:r>
+              <a:rPr lang="en-GB" noProof="0" dirty="0"/>
+              <a:t>However, there is a trend:</a:t>
+            </a:r>
+            <a:r>
+              <a:rPr lang="en-GB" b="1" noProof="0" dirty="0"/>
+              <a:t> treatments with slightly higher average persistence (e.g., </a:t>
+            </a:r>
+            <a:r>
+              <a:rPr lang="en-GB" b="1" noProof="0" dirty="0" err="1"/>
+              <a:t>Δ_elbow</a:t>
+            </a:r>
+            <a:r>
+              <a:rPr lang="en-GB" b="1" noProof="0" dirty="0"/>
+              <a:t>) tend to have lower average efficacy.</a:t>
+            </a:r>
+          </a:p>
+          <a:p>
+            <a:r>
+              <a:rPr lang="en-GB" b="1" noProof="0" dirty="0"/>
+              <a:t>CONFIDOR 200 OD and KARATE ZEON 10 CS, both applied </a:t>
+            </a:r>
+            <a:r>
+              <a:rPr lang="en-GB" b="1" noProof="0" dirty="0" err="1"/>
+              <a:t>foliarly</a:t>
+            </a:r>
+            <a:r>
+              <a:rPr lang="en-GB" b="1" noProof="0" dirty="0"/>
+              <a:t>, appear to be the most effective overall, </a:t>
+            </a:r>
+            <a:r>
+              <a:rPr lang="en-GB" noProof="0" dirty="0"/>
+              <a:t>achieving higher scores in both efficacy and persistence</a:t>
+            </a:r>
+            <a:r>
+              <a:rPr lang="en-GB" b="1" noProof="0" dirty="0"/>
+              <a:t>. EPIK treatments also perform well, </a:t>
+            </a:r>
+            <a:r>
+              <a:rPr lang="en-GB" noProof="0" dirty="0"/>
+              <a:t>but are associated with lower average persistence (i.e., a more rapid decline in mortality over time</a:t>
+            </a:r>
+            <a:r>
+              <a:rPr lang="en-GB" b="1" noProof="0" dirty="0"/>
+              <a:t>).</a:t>
+            </a:r>
+          </a:p>
+          <a:p>
+            <a:r>
+              <a:rPr lang="en-GB" noProof="0" dirty="0"/>
+              <a:t>On the other hand, </a:t>
+            </a:r>
+            <a:r>
+              <a:rPr lang="en-GB" b="1" noProof="0" dirty="0"/>
+              <a:t>CONFIDOR 200 OD applied via </a:t>
+            </a:r>
+            <a:r>
+              <a:rPr lang="en-GB" b="1" noProof="0" dirty="0" err="1"/>
+              <a:t>tru</a:t>
+            </a:r>
+            <a:r>
+              <a:rPr lang="en-GB" b="1" dirty="0" err="1"/>
+              <a:t>nk</a:t>
+            </a:r>
+            <a:r>
+              <a:rPr lang="en-GB" b="1" dirty="0"/>
+              <a:t> injection </a:t>
+            </a:r>
+            <a:r>
+              <a:rPr lang="en-GB" dirty="0"/>
+              <a:t>seems to be the least effective treatment of all. </a:t>
+            </a:r>
+            <a:endParaRPr lang="en-GB" noProof="0" dirty="0"/>
+          </a:p>
+        </p:txBody>
+      </p:sp>
+      <p:sp>
+        <p:nvSpPr>
+          <p:cNvPr id="4" name="Rectángulo 3">
+            <a:extLst>
+              <a:ext uri="{FF2B5EF4-FFF2-40B4-BE49-F238E27FC236}">
+                <a16:creationId xmlns:a16="http://schemas.microsoft.com/office/drawing/2014/main" id="{146062C5-E750-5A49-C10A-1B572DD00A74}"/>
+              </a:ext>
+            </a:extLst>
+          </p:cNvPr>
+          <p:cNvSpPr/>
+          <p:nvPr/>
+        </p:nvSpPr>
+        <p:spPr>
+          <a:xfrm>
+            <a:off x="8632371" y="1556657"/>
+            <a:ext cx="3110894" cy="996109"/>
+          </a:xfrm>
+          <a:prstGeom prst="rect">
+            <a:avLst/>
+          </a:prstGeom>
+          <a:solidFill>
+            <a:schemeClr val="accent1">
+              <a:lumMod val="60000"/>
+              <a:lumOff val="40000"/>
+            </a:schemeClr>
+          </a:solidFill>
+        </p:spPr>
+        <p:style>
+          <a:lnRef idx="2">
+            <a:schemeClr val="accent1">
+              <a:shade val="15000"/>
+            </a:schemeClr>
+          </a:lnRef>
+          <a:fillRef idx="1">
+            <a:schemeClr val="accent1"/>
+          </a:fillRef>
+          <a:effectRef idx="0">
+            <a:schemeClr val="accent1"/>
+          </a:effectRef>
+          <a:fontRef idx="minor">
+            <a:schemeClr val="lt1"/>
+          </a:fontRef>
+        </p:style>
+        <p:txBody>
+          <a:bodyPr rtlCol="0" anchor="ctr"/>
+          <a:lstStyle/>
+          <a:p>
+            <a:pPr algn="ctr"/>
+            <a:r>
+              <a:rPr lang="en-US" sz="1600" b="1" noProof="0" dirty="0">
+                <a:solidFill>
+                  <a:schemeClr val="tx1"/>
+                </a:solidFill>
+              </a:rPr>
+              <a:t>SUMMARY OF CLUSTERS</a:t>
+            </a:r>
+          </a:p>
+        </p:txBody>
+      </p:sp>
+      <p:sp>
+        <p:nvSpPr>
+          <p:cNvPr id="5" name="Rectángulo 4">
+            <a:extLst>
+              <a:ext uri="{FF2B5EF4-FFF2-40B4-BE49-F238E27FC236}">
+                <a16:creationId xmlns:a16="http://schemas.microsoft.com/office/drawing/2014/main" id="{71AC9EF3-7A97-57A7-48B3-E94F6C4F5340}"/>
+              </a:ext>
+            </a:extLst>
+          </p:cNvPr>
+          <p:cNvSpPr/>
+          <p:nvPr/>
+        </p:nvSpPr>
+        <p:spPr>
+          <a:xfrm>
+            <a:off x="8632370" y="2877457"/>
+            <a:ext cx="3110893" cy="1237343"/>
+          </a:xfrm>
+          <a:prstGeom prst="rect">
+            <a:avLst/>
+          </a:prstGeom>
+          <a:solidFill>
+            <a:schemeClr val="accent1">
+              <a:lumMod val="60000"/>
+              <a:lumOff val="40000"/>
+            </a:schemeClr>
+          </a:solidFill>
+        </p:spPr>
+        <p:style>
+          <a:lnRef idx="2">
+            <a:schemeClr val="accent1">
+              <a:shade val="15000"/>
+            </a:schemeClr>
+          </a:lnRef>
+          <a:fillRef idx="1">
+            <a:schemeClr val="accent1"/>
+          </a:fillRef>
+          <a:effectRef idx="0">
+            <a:schemeClr val="accent1"/>
+          </a:effectRef>
+          <a:fontRef idx="minor">
+            <a:schemeClr val="lt1"/>
+          </a:fontRef>
+        </p:style>
+        <p:txBody>
+          <a:bodyPr rtlCol="0" anchor="ctr"/>
+          <a:lstStyle/>
+          <a:p>
+            <a:pPr algn="ctr"/>
+            <a:r>
+              <a:rPr lang="en-US" sz="1600" b="1" noProof="0" dirty="0">
+                <a:solidFill>
+                  <a:schemeClr val="tx1"/>
+                </a:solidFill>
+              </a:rPr>
+              <a:t>EFFICACY VS. PERSISTENCE</a:t>
+            </a:r>
+          </a:p>
+        </p:txBody>
+      </p:sp>
+      <p:sp>
+        <p:nvSpPr>
+          <p:cNvPr id="6" name="Rectángulo 5">
+            <a:extLst>
+              <a:ext uri="{FF2B5EF4-FFF2-40B4-BE49-F238E27FC236}">
+                <a16:creationId xmlns:a16="http://schemas.microsoft.com/office/drawing/2014/main" id="{074C0FC1-F0C7-8ED6-EA8B-9F9111496593}"/>
+              </a:ext>
+            </a:extLst>
+          </p:cNvPr>
+          <p:cNvSpPr/>
+          <p:nvPr/>
+        </p:nvSpPr>
+        <p:spPr>
+          <a:xfrm>
+            <a:off x="8632369" y="4361122"/>
+            <a:ext cx="3110893" cy="1237343"/>
+          </a:xfrm>
+          <a:prstGeom prst="rect">
+            <a:avLst/>
+          </a:prstGeom>
+          <a:solidFill>
+            <a:schemeClr val="accent1">
+              <a:lumMod val="60000"/>
+              <a:lumOff val="40000"/>
+            </a:schemeClr>
+          </a:solidFill>
+        </p:spPr>
+        <p:style>
+          <a:lnRef idx="2">
+            <a:schemeClr val="accent1">
+              <a:shade val="15000"/>
+            </a:schemeClr>
+          </a:lnRef>
+          <a:fillRef idx="1">
+            <a:schemeClr val="accent1"/>
+          </a:fillRef>
+          <a:effectRef idx="0">
+            <a:schemeClr val="accent1"/>
+          </a:effectRef>
+          <a:fontRef idx="minor">
+            <a:schemeClr val="lt1"/>
+          </a:fontRef>
+        </p:style>
+        <p:txBody>
+          <a:bodyPr rtlCol="0" anchor="ctr"/>
+          <a:lstStyle/>
+          <a:p>
+            <a:pPr algn="ctr"/>
+            <a:r>
+              <a:rPr lang="en-US" sz="1600" b="1" noProof="0" dirty="0">
+                <a:solidFill>
+                  <a:schemeClr val="tx1"/>
+                </a:solidFill>
+              </a:rPr>
+              <a:t>BEST-PERFORMING TREATMENTS</a:t>
+            </a:r>
+          </a:p>
+        </p:txBody>
+      </p:sp>
+      <p:sp>
+        <p:nvSpPr>
+          <p:cNvPr id="7" name="Rectángulo 6">
+            <a:extLst>
+              <a:ext uri="{FF2B5EF4-FFF2-40B4-BE49-F238E27FC236}">
+                <a16:creationId xmlns:a16="http://schemas.microsoft.com/office/drawing/2014/main" id="{BD8C78A4-DFAA-6CF3-CCBB-7465EFC9159D}"/>
+              </a:ext>
+            </a:extLst>
+          </p:cNvPr>
+          <p:cNvSpPr/>
+          <p:nvPr/>
+        </p:nvSpPr>
+        <p:spPr>
+          <a:xfrm>
+            <a:off x="8632369" y="5855287"/>
+            <a:ext cx="3110893" cy="458428"/>
+          </a:xfrm>
+          <a:prstGeom prst="rect">
+            <a:avLst/>
+          </a:prstGeom>
+          <a:solidFill>
+            <a:schemeClr val="accent1">
+              <a:lumMod val="60000"/>
+              <a:lumOff val="40000"/>
+            </a:schemeClr>
+          </a:solidFill>
+        </p:spPr>
+        <p:style>
+          <a:lnRef idx="2">
+            <a:schemeClr val="accent1">
+              <a:shade val="15000"/>
+            </a:schemeClr>
+          </a:lnRef>
+          <a:fillRef idx="1">
+            <a:schemeClr val="accent1"/>
+          </a:fillRef>
+          <a:effectRef idx="0">
+            <a:schemeClr val="accent1"/>
+          </a:effectRef>
+          <a:fontRef idx="minor">
+            <a:schemeClr val="lt1"/>
+          </a:fontRef>
+        </p:style>
+        <p:txBody>
+          <a:bodyPr rtlCol="0" anchor="ctr"/>
+          <a:lstStyle/>
+          <a:p>
+            <a:pPr algn="ctr"/>
+            <a:r>
+              <a:rPr lang="en-US" sz="1400" b="1" noProof="0" dirty="0">
+                <a:solidFill>
+                  <a:schemeClr val="tx1"/>
+                </a:solidFill>
+              </a:rPr>
+              <a:t>WORST-PERFORMING TREATMENTS</a:t>
+            </a:r>
+          </a:p>
+        </p:txBody>
+      </p:sp>
+      <p:cxnSp>
+        <p:nvCxnSpPr>
+          <p:cNvPr id="9" name="Conector recto 8">
+            <a:extLst>
+              <a:ext uri="{FF2B5EF4-FFF2-40B4-BE49-F238E27FC236}">
+                <a16:creationId xmlns:a16="http://schemas.microsoft.com/office/drawing/2014/main" id="{7EE7AB55-5FD3-D1FA-1DB3-CC9D9FB7B568}"/>
+              </a:ext>
+            </a:extLst>
+          </p:cNvPr>
+          <p:cNvCxnSpPr/>
+          <p:nvPr/>
+        </p:nvCxnSpPr>
+        <p:spPr>
+          <a:xfrm>
+            <a:off x="8425542" y="1556657"/>
+            <a:ext cx="0" cy="996109"/>
+          </a:xfrm>
+          <a:prstGeom prst="line">
+            <a:avLst/>
+          </a:prstGeom>
+          <a:ln w="38100"/>
+        </p:spPr>
+        <p:style>
+          <a:lnRef idx="1">
+            <a:schemeClr val="dk1"/>
+          </a:lnRef>
+          <a:fillRef idx="0">
+            <a:schemeClr val="dk1"/>
+          </a:fillRef>
+          <a:effectRef idx="0">
+            <a:schemeClr val="dk1"/>
+          </a:effectRef>
+          <a:fontRef idx="minor">
+            <a:schemeClr val="tx1"/>
+          </a:fontRef>
+        </p:style>
+      </p:cxnSp>
+      <p:cxnSp>
+        <p:nvCxnSpPr>
+          <p:cNvPr id="10" name="Conector recto 9">
+            <a:extLst>
+              <a:ext uri="{FF2B5EF4-FFF2-40B4-BE49-F238E27FC236}">
+                <a16:creationId xmlns:a16="http://schemas.microsoft.com/office/drawing/2014/main" id="{8BD159CF-C72A-31AF-ADE0-9481A6F9B003}"/>
+              </a:ext>
+            </a:extLst>
+          </p:cNvPr>
+          <p:cNvCxnSpPr>
+            <a:cxnSpLocks/>
+          </p:cNvCxnSpPr>
+          <p:nvPr/>
+        </p:nvCxnSpPr>
+        <p:spPr>
+          <a:xfrm>
+            <a:off x="8436427" y="2877457"/>
+            <a:ext cx="0" cy="1237343"/>
+          </a:xfrm>
+          <a:prstGeom prst="line">
+            <a:avLst/>
+          </a:prstGeom>
+          <a:ln w="38100"/>
+        </p:spPr>
+        <p:style>
+          <a:lnRef idx="1">
+            <a:schemeClr val="dk1"/>
+          </a:lnRef>
+          <a:fillRef idx="0">
+            <a:schemeClr val="dk1"/>
+          </a:fillRef>
+          <a:effectRef idx="0">
+            <a:schemeClr val="dk1"/>
+          </a:effectRef>
+          <a:fontRef idx="minor">
+            <a:schemeClr val="tx1"/>
+          </a:fontRef>
+        </p:style>
+      </p:cxnSp>
+      <p:cxnSp>
+        <p:nvCxnSpPr>
+          <p:cNvPr id="12" name="Conector recto 11">
+            <a:extLst>
+              <a:ext uri="{FF2B5EF4-FFF2-40B4-BE49-F238E27FC236}">
+                <a16:creationId xmlns:a16="http://schemas.microsoft.com/office/drawing/2014/main" id="{DEE1DCB8-2C1A-217A-23F3-287C1B83403F}"/>
+              </a:ext>
+            </a:extLst>
+          </p:cNvPr>
+          <p:cNvCxnSpPr>
+            <a:cxnSpLocks/>
+          </p:cNvCxnSpPr>
+          <p:nvPr/>
+        </p:nvCxnSpPr>
+        <p:spPr>
+          <a:xfrm>
+            <a:off x="8425542" y="4361122"/>
+            <a:ext cx="10885" cy="1237343"/>
+          </a:xfrm>
+          <a:prstGeom prst="line">
+            <a:avLst/>
+          </a:prstGeom>
+          <a:ln w="38100"/>
+        </p:spPr>
+        <p:style>
+          <a:lnRef idx="1">
+            <a:schemeClr val="dk1"/>
+          </a:lnRef>
+          <a:fillRef idx="0">
+            <a:schemeClr val="dk1"/>
+          </a:fillRef>
+          <a:effectRef idx="0">
+            <a:schemeClr val="dk1"/>
+          </a:effectRef>
+          <a:fontRef idx="minor">
+            <a:schemeClr val="tx1"/>
+          </a:fontRef>
+        </p:style>
+      </p:cxnSp>
+      <p:cxnSp>
+        <p:nvCxnSpPr>
+          <p:cNvPr id="15" name="Conector recto 14">
+            <a:extLst>
+              <a:ext uri="{FF2B5EF4-FFF2-40B4-BE49-F238E27FC236}">
+                <a16:creationId xmlns:a16="http://schemas.microsoft.com/office/drawing/2014/main" id="{841D3AF3-3C5E-6D39-B276-0858885ADA57}"/>
+              </a:ext>
+            </a:extLst>
+          </p:cNvPr>
+          <p:cNvCxnSpPr>
+            <a:cxnSpLocks/>
+          </p:cNvCxnSpPr>
+          <p:nvPr/>
+        </p:nvCxnSpPr>
+        <p:spPr>
+          <a:xfrm>
+            <a:off x="8436427" y="5855287"/>
+            <a:ext cx="0" cy="458428"/>
+          </a:xfrm>
+          <a:prstGeom prst="line">
+            <a:avLst/>
+          </a:prstGeom>
+          <a:ln w="38100"/>
+        </p:spPr>
+        <p:style>
+          <a:lnRef idx="1">
+            <a:schemeClr val="dk1"/>
+          </a:lnRef>
+          <a:fillRef idx="0">
+            <a:schemeClr val="dk1"/>
+          </a:fillRef>
+          <a:effectRef idx="0">
+            <a:schemeClr val="dk1"/>
+          </a:effectRef>
+          <a:fontRef idx="minor">
+            <a:schemeClr val="tx1"/>
+          </a:fontRef>
+        </p:style>
+      </p:cxnSp>
+    </p:spTree>
+    <p:extLst>
+      <p:ext uri="{BB962C8B-B14F-4D97-AF65-F5344CB8AC3E}">
+        <p14:creationId xmlns:p14="http://schemas.microsoft.com/office/powerpoint/2010/main" val="2325785655"/>
+      </p:ext>
+    </p:extLst>
+  </p:cSld>
+  <p:clrMapOvr>
+    <a:masterClrMapping/>
+  </p:clrMapOvr>
+</p:sld>
+</file>
+
+<file path=ppt/slides/slide21.xml><?xml version="1.0" encoding="utf-8"?>
+<p:sld xmlns:a="http://schemas.openxmlformats.org/drawingml/2006/main" xmlns:r="http://schemas.openxmlformats.org/officeDocument/2006/relationships" xmlns:p="http://schemas.openxmlformats.org/presentationml/2006/main">
+  <p:cSld>
+    <p:spTree>
+      <p:nvGrpSpPr>
+        <p:cNvPr id="1" name=""/>
+        <p:cNvGrpSpPr/>
+        <p:nvPr/>
+      </p:nvGrpSpPr>
+      <p:grpSpPr>
+        <a:xfrm>
+          <a:off x="0" y="0"/>
+          <a:ext cx="0" cy="0"/>
+          <a:chOff x="0" y="0"/>
+          <a:chExt cx="0" cy="0"/>
+        </a:xfrm>
+      </p:grpSpPr>
+      <p:sp>
+        <p:nvSpPr>
+          <p:cNvPr id="2" name="Título 1">
+            <a:extLst>
+              <a:ext uri="{FF2B5EF4-FFF2-40B4-BE49-F238E27FC236}">
+                <a16:creationId xmlns:a16="http://schemas.microsoft.com/office/drawing/2014/main" id="{83BA4B59-87BB-4EE9-AC8E-F29643FFE605}"/>
+              </a:ext>
+            </a:extLst>
+          </p:cNvPr>
+          <p:cNvSpPr>
+            <a:spLocks noGrp="1"/>
+          </p:cNvSpPr>
+          <p:nvPr>
+            <p:ph type="title"/>
+          </p:nvPr>
+        </p:nvSpPr>
+        <p:spPr>
+          <a:xfrm>
+            <a:off x="666449" y="314516"/>
+            <a:ext cx="8596668" cy="1320800"/>
+          </a:xfrm>
+        </p:spPr>
+        <p:txBody>
+          <a:bodyPr/>
+          <a:lstStyle/>
+          <a:p>
+            <a:r>
+              <a:rPr lang="es-ES" dirty="0"/>
+              <a:t>Final </a:t>
+            </a:r>
+            <a:r>
+              <a:rPr lang="es-ES" dirty="0" err="1"/>
+              <a:t>conclusions</a:t>
+            </a:r>
+            <a:endParaRPr lang="en-GB" dirty="0"/>
+          </a:p>
+        </p:txBody>
+      </p:sp>
+      <p:sp>
+        <p:nvSpPr>
+          <p:cNvPr id="3" name="Marcador de contenido 2">
+            <a:extLst>
+              <a:ext uri="{FF2B5EF4-FFF2-40B4-BE49-F238E27FC236}">
+                <a16:creationId xmlns:a16="http://schemas.microsoft.com/office/drawing/2014/main" id="{762E5DDB-D59B-4E99-A9E8-0A0714F2645D}"/>
+              </a:ext>
+            </a:extLst>
+          </p:cNvPr>
+          <p:cNvSpPr>
+            <a:spLocks noGrp="1"/>
+          </p:cNvSpPr>
+          <p:nvPr>
+            <p:ph idx="1"/>
+          </p:nvPr>
+        </p:nvSpPr>
+        <p:spPr>
+          <a:xfrm>
+            <a:off x="666449" y="1202437"/>
+            <a:ext cx="7031545" cy="3880773"/>
+          </a:xfrm>
+        </p:spPr>
+        <p:txBody>
+          <a:bodyPr/>
+          <a:lstStyle/>
+          <a:p>
+            <a:r>
+              <a:rPr lang="en-GB" b="1" dirty="0"/>
+              <a:t>The mode of application </a:t>
+            </a:r>
+            <a:r>
+              <a:rPr lang="en-GB" dirty="0"/>
+              <a:t>generally has a </a:t>
+            </a:r>
+            <a:r>
+              <a:rPr lang="en-GB" b="1" dirty="0"/>
+              <a:t>minor (statistically non-significant) effect on mortality rate, </a:t>
+            </a:r>
+            <a:r>
+              <a:rPr lang="en-GB" dirty="0"/>
+              <a:t>except for CONFIDOR 200 OD</a:t>
+            </a:r>
+            <a:r>
+              <a:rPr lang="en-GB" b="1" dirty="0"/>
+              <a:t>. </a:t>
+            </a:r>
+            <a:r>
+              <a:rPr lang="en-GB" dirty="0"/>
+              <a:t>Nevertheless,</a:t>
+            </a:r>
+            <a:r>
+              <a:rPr lang="en-GB" b="1" dirty="0"/>
+              <a:t> foliar applications </a:t>
+            </a:r>
+            <a:r>
+              <a:rPr lang="en-GB" dirty="0"/>
+              <a:t>tend to be</a:t>
+            </a:r>
+            <a:r>
+              <a:rPr lang="en-GB" b="1" dirty="0"/>
+              <a:t> slightly more effective on average </a:t>
+            </a:r>
+            <a:r>
+              <a:rPr lang="en-GB" dirty="0"/>
+              <a:t>and</a:t>
+            </a:r>
+            <a:r>
+              <a:rPr lang="en-GB" b="1" dirty="0"/>
+              <a:t> </a:t>
+            </a:r>
+            <a:r>
+              <a:rPr lang="en-GB" dirty="0"/>
+              <a:t>show</a:t>
+            </a:r>
+            <a:r>
+              <a:rPr lang="en-GB" b="1" dirty="0"/>
+              <a:t> less variability</a:t>
+            </a:r>
+            <a:r>
+              <a:rPr lang="en-GB" dirty="0"/>
+              <a:t> in mortality rates (i.e., lower standard deviation).</a:t>
+            </a:r>
+          </a:p>
+          <a:p>
+            <a:r>
+              <a:rPr lang="en-GB" dirty="0"/>
+              <a:t>And finally, </a:t>
+            </a:r>
+            <a:r>
+              <a:rPr lang="en-GB" b="1" dirty="0"/>
+              <a:t>variability between plots is generally very low to low</a:t>
+            </a:r>
+            <a:r>
+              <a:rPr lang="en-GB" dirty="0"/>
+              <a:t>,</a:t>
+            </a:r>
+            <a:r>
+              <a:rPr lang="en-GB" b="1" dirty="0"/>
+              <a:t> slightly higher in 2018 than in 2017</a:t>
+            </a:r>
+            <a:r>
+              <a:rPr lang="en-GB" dirty="0"/>
+              <a:t>, but it just accounts for less than 1/5 of the total variability explained by our models and very low compared to the overall variability. Treatments explain a much higher proportion of it.</a:t>
+            </a:r>
+            <a:endParaRPr lang="en-US" dirty="0"/>
+          </a:p>
+        </p:txBody>
+      </p:sp>
+      <p:sp>
+        <p:nvSpPr>
+          <p:cNvPr id="6" name="Rectángulo 5">
+            <a:extLst>
+              <a:ext uri="{FF2B5EF4-FFF2-40B4-BE49-F238E27FC236}">
+                <a16:creationId xmlns:a16="http://schemas.microsoft.com/office/drawing/2014/main" id="{21F375CF-86C8-8FB5-0E0D-084A283DFAC4}"/>
+              </a:ext>
+            </a:extLst>
+          </p:cNvPr>
+          <p:cNvSpPr/>
+          <p:nvPr/>
+        </p:nvSpPr>
+        <p:spPr>
+          <a:xfrm>
+            <a:off x="8286277" y="1317173"/>
+            <a:ext cx="2777519" cy="1251856"/>
+          </a:xfrm>
+          <a:prstGeom prst="rect">
+            <a:avLst/>
+          </a:prstGeom>
+          <a:solidFill>
+            <a:schemeClr val="accent1">
+              <a:lumMod val="60000"/>
+              <a:lumOff val="40000"/>
+            </a:schemeClr>
+          </a:solidFill>
+        </p:spPr>
+        <p:style>
+          <a:lnRef idx="2">
+            <a:schemeClr val="accent1">
+              <a:shade val="15000"/>
+            </a:schemeClr>
+          </a:lnRef>
+          <a:fillRef idx="1">
+            <a:schemeClr val="accent1"/>
+          </a:fillRef>
+          <a:effectRef idx="0">
+            <a:schemeClr val="accent1"/>
+          </a:effectRef>
+          <a:fontRef idx="minor">
+            <a:schemeClr val="lt1"/>
+          </a:fontRef>
+        </p:style>
+        <p:txBody>
+          <a:bodyPr rtlCol="0" anchor="ctr"/>
+          <a:lstStyle/>
+          <a:p>
+            <a:pPr algn="ctr"/>
+            <a:r>
+              <a:rPr lang="en-US" sz="1600" b="1" noProof="0" dirty="0">
+                <a:solidFill>
+                  <a:schemeClr val="tx1"/>
+                </a:solidFill>
+              </a:rPr>
+              <a:t>MODE OF APPLICATION</a:t>
+            </a:r>
+          </a:p>
+        </p:txBody>
+      </p:sp>
+      <p:sp>
+        <p:nvSpPr>
+          <p:cNvPr id="7" name="Rectángulo 6">
+            <a:extLst>
+              <a:ext uri="{FF2B5EF4-FFF2-40B4-BE49-F238E27FC236}">
+                <a16:creationId xmlns:a16="http://schemas.microsoft.com/office/drawing/2014/main" id="{A5FD6023-5B4B-A8E9-4AD6-62DB0531BEF9}"/>
+              </a:ext>
+            </a:extLst>
+          </p:cNvPr>
+          <p:cNvSpPr/>
+          <p:nvPr/>
+        </p:nvSpPr>
+        <p:spPr>
+          <a:xfrm>
+            <a:off x="8286275" y="2903339"/>
+            <a:ext cx="2777521" cy="1244120"/>
+          </a:xfrm>
+          <a:prstGeom prst="rect">
+            <a:avLst/>
+          </a:prstGeom>
+          <a:solidFill>
+            <a:schemeClr val="accent1">
+              <a:lumMod val="60000"/>
+              <a:lumOff val="40000"/>
+            </a:schemeClr>
+          </a:solidFill>
+        </p:spPr>
+        <p:style>
+          <a:lnRef idx="2">
+            <a:schemeClr val="accent1">
+              <a:shade val="15000"/>
+            </a:schemeClr>
+          </a:lnRef>
+          <a:fillRef idx="1">
+            <a:schemeClr val="accent1"/>
+          </a:fillRef>
+          <a:effectRef idx="0">
+            <a:schemeClr val="accent1"/>
+          </a:effectRef>
+          <a:fontRef idx="minor">
+            <a:schemeClr val="lt1"/>
+          </a:fontRef>
+        </p:style>
+        <p:txBody>
+          <a:bodyPr rtlCol="0" anchor="ctr"/>
+          <a:lstStyle/>
+          <a:p>
+            <a:pPr algn="ctr"/>
+            <a:r>
+              <a:rPr lang="en-US" sz="1600" b="1" dirty="0">
+                <a:solidFill>
+                  <a:schemeClr val="tx1"/>
+                </a:solidFill>
+              </a:rPr>
+              <a:t>VARIABILITY BETWEEN PLOTS</a:t>
+            </a:r>
+            <a:endParaRPr lang="en-US" sz="1600" b="1" noProof="0" dirty="0">
+              <a:solidFill>
+                <a:schemeClr val="tx1"/>
+              </a:solidFill>
+            </a:endParaRPr>
+          </a:p>
+        </p:txBody>
+      </p:sp>
+      <p:cxnSp>
+        <p:nvCxnSpPr>
+          <p:cNvPr id="8" name="Conector recto 7">
+            <a:extLst>
+              <a:ext uri="{FF2B5EF4-FFF2-40B4-BE49-F238E27FC236}">
+                <a16:creationId xmlns:a16="http://schemas.microsoft.com/office/drawing/2014/main" id="{CBC3DCDF-7CC8-7F79-0A8B-F12F550D2117}"/>
+              </a:ext>
+            </a:extLst>
+          </p:cNvPr>
+          <p:cNvCxnSpPr>
+            <a:cxnSpLocks/>
+          </p:cNvCxnSpPr>
+          <p:nvPr/>
+        </p:nvCxnSpPr>
+        <p:spPr>
+          <a:xfrm>
+            <a:off x="8102587" y="1317173"/>
+            <a:ext cx="0" cy="1251857"/>
+          </a:xfrm>
+          <a:prstGeom prst="line">
+            <a:avLst/>
+          </a:prstGeom>
+          <a:ln w="38100"/>
+        </p:spPr>
+        <p:style>
+          <a:lnRef idx="1">
+            <a:schemeClr val="dk1"/>
+          </a:lnRef>
+          <a:fillRef idx="0">
+            <a:schemeClr val="dk1"/>
+          </a:fillRef>
+          <a:effectRef idx="0">
+            <a:schemeClr val="dk1"/>
+          </a:effectRef>
+          <a:fontRef idx="minor">
+            <a:schemeClr val="tx1"/>
+          </a:fontRef>
+        </p:style>
+      </p:cxnSp>
+      <p:cxnSp>
+        <p:nvCxnSpPr>
+          <p:cNvPr id="11" name="Conector recto 10">
+            <a:extLst>
+              <a:ext uri="{FF2B5EF4-FFF2-40B4-BE49-F238E27FC236}">
+                <a16:creationId xmlns:a16="http://schemas.microsoft.com/office/drawing/2014/main" id="{FC4E1F44-2543-5A63-3A27-3DFDFDDBCE9B}"/>
+              </a:ext>
+            </a:extLst>
+          </p:cNvPr>
+          <p:cNvCxnSpPr>
+            <a:cxnSpLocks/>
+          </p:cNvCxnSpPr>
+          <p:nvPr/>
+        </p:nvCxnSpPr>
+        <p:spPr>
+          <a:xfrm>
+            <a:off x="8102587" y="2903339"/>
+            <a:ext cx="0" cy="1244120"/>
+          </a:xfrm>
+          <a:prstGeom prst="line">
+            <a:avLst/>
+          </a:prstGeom>
+          <a:ln w="38100"/>
+        </p:spPr>
+        <p:style>
+          <a:lnRef idx="1">
+            <a:schemeClr val="dk1"/>
+          </a:lnRef>
+          <a:fillRef idx="0">
+            <a:schemeClr val="dk1"/>
+          </a:fillRef>
+          <a:effectRef idx="0">
+            <a:schemeClr val="dk1"/>
+          </a:effectRef>
+          <a:fontRef idx="minor">
+            <a:schemeClr val="tx1"/>
+          </a:fontRef>
+        </p:style>
+      </p:cxnSp>
+      <p:pic>
+        <p:nvPicPr>
+          <p:cNvPr id="28" name="Imagen 27">
+            <a:extLst>
+              <a:ext uri="{FF2B5EF4-FFF2-40B4-BE49-F238E27FC236}">
+                <a16:creationId xmlns:a16="http://schemas.microsoft.com/office/drawing/2014/main" id="{05C2CF75-0590-5408-BA71-722C4CDFC0D6}"/>
+              </a:ext>
+            </a:extLst>
+          </p:cNvPr>
+          <p:cNvPicPr>
+            <a:picLocks noChangeAspect="1"/>
+          </p:cNvPicPr>
+          <p:nvPr/>
         </p:nvPicPr>
         <p:blipFill>
           <a:blip r:embed="rId2">
@@ -10420,15 +13223,18 @@
         </p:blipFill>
         <p:spPr>
           <a:xfrm>
-            <a:off x="183090" y="1513114"/>
-            <a:ext cx="8503790" cy="5116739"/>
+            <a:off x="0" y="4353813"/>
+            <a:ext cx="12192000" cy="1997420"/>
           </a:xfrm>
+          <a:prstGeom prst="rect">
+            <a:avLst/>
+          </a:prstGeom>
         </p:spPr>
       </p:pic>
     </p:spTree>
     <p:extLst>
       <p:ext uri="{BB962C8B-B14F-4D97-AF65-F5344CB8AC3E}">
-        <p14:creationId xmlns:p14="http://schemas.microsoft.com/office/powerpoint/2010/main" val="3461930629"/>
+        <p14:creationId xmlns:p14="http://schemas.microsoft.com/office/powerpoint/2010/main" val="1871272390"/>
       </p:ext>
     </p:extLst>
   </p:cSld>
@@ -10438,7 +13244,7 @@
 </p:sld>
 </file>
 
-<file path=ppt/slides/slide14.xml><?xml version="1.0" encoding="utf-8"?>
+<file path=ppt/slides/slide22.xml><?xml version="1.0" encoding="utf-8"?>
 <p:sld xmlns:a="http://schemas.openxmlformats.org/drawingml/2006/main" xmlns:r="http://schemas.openxmlformats.org/officeDocument/2006/relationships" xmlns:p="http://schemas.openxmlformats.org/presentationml/2006/main">
   <p:cSld>
     <p:spTree>
@@ -10506,7 +13312,7 @@
             <p:ph idx="1"/>
             <p:extLst>
               <p:ext uri="{D42A27DB-BD31-4B8C-83A1-F6EECF244321}">
-                <p14:modId xmlns:p14="http://schemas.microsoft.com/office/powerpoint/2010/main" val="4181199363"/>
+                <p14:modId xmlns:p14="http://schemas.microsoft.com/office/powerpoint/2010/main" val="704816001"/>
               </p:ext>
             </p:extLst>
           </p:nvPr>
@@ -11817,7 +14623,7 @@
 </p:sld>
 </file>
 
-<file path=ppt/slides/slide15.xml><?xml version="1.0" encoding="utf-8"?>
+<file path=ppt/slides/slide23.xml><?xml version="1.0" encoding="utf-8"?>
 <p:sld xmlns:a="http://schemas.openxmlformats.org/drawingml/2006/main" xmlns:r="http://schemas.openxmlformats.org/officeDocument/2006/relationships" xmlns:p="http://schemas.openxmlformats.org/presentationml/2006/main">
   <p:cSld>
     <p:spTree>
@@ -11891,7 +14697,7 @@
             <p:ph idx="1"/>
             <p:extLst>
               <p:ext uri="{D42A27DB-BD31-4B8C-83A1-F6EECF244321}">
-                <p14:modId xmlns:p14="http://schemas.microsoft.com/office/powerpoint/2010/main" val="2486052873"/>
+                <p14:modId xmlns:p14="http://schemas.microsoft.com/office/powerpoint/2010/main" val="534182620"/>
               </p:ext>
             </p:extLst>
           </p:nvPr>
@@ -13065,258 +15871,6 @@
 </p:sld>
 </file>
 
-<file path=ppt/slides/slide2.xml><?xml version="1.0" encoding="utf-8"?>
-<p:sld xmlns:a="http://schemas.openxmlformats.org/drawingml/2006/main" xmlns:r="http://schemas.openxmlformats.org/officeDocument/2006/relationships" xmlns:p="http://schemas.openxmlformats.org/presentationml/2006/main">
-  <p:cSld>
-    <p:spTree>
-      <p:nvGrpSpPr>
-        <p:cNvPr id="1" name=""/>
-        <p:cNvGrpSpPr/>
-        <p:nvPr/>
-      </p:nvGrpSpPr>
-      <p:grpSpPr>
-        <a:xfrm>
-          <a:off x="0" y="0"/>
-          <a:ext cx="0" cy="0"/>
-          <a:chOff x="0" y="0"/>
-          <a:chExt cx="0" cy="0"/>
-        </a:xfrm>
-      </p:grpSpPr>
-      <p:sp>
-        <p:nvSpPr>
-          <p:cNvPr id="2" name="Título 1">
-            <a:extLst>
-              <a:ext uri="{FF2B5EF4-FFF2-40B4-BE49-F238E27FC236}">
-                <a16:creationId xmlns:a16="http://schemas.microsoft.com/office/drawing/2014/main" id="{51AC9907-8F59-4834-438F-D73319220179}"/>
-              </a:ext>
-            </a:extLst>
-          </p:cNvPr>
-          <p:cNvSpPr>
-            <a:spLocks noGrp="1"/>
-          </p:cNvSpPr>
-          <p:nvPr>
-            <p:ph type="title"/>
-          </p:nvPr>
-        </p:nvSpPr>
-        <p:spPr>
-          <a:xfrm>
-            <a:off x="1449217" y="804889"/>
-            <a:ext cx="9605635" cy="915053"/>
-          </a:xfrm>
-        </p:spPr>
-        <p:txBody>
-          <a:bodyPr/>
-          <a:lstStyle/>
-          <a:p>
-            <a:r>
-              <a:rPr lang="en-US" noProof="0" dirty="0"/>
-              <a:t>INTRODUCTION (BACKGROUND)</a:t>
-            </a:r>
-          </a:p>
-        </p:txBody>
-      </p:sp>
-      <p:sp>
-        <p:nvSpPr>
-          <p:cNvPr id="3" name="Marcador de contenido 2">
-            <a:extLst>
-              <a:ext uri="{FF2B5EF4-FFF2-40B4-BE49-F238E27FC236}">
-                <a16:creationId xmlns:a16="http://schemas.microsoft.com/office/drawing/2014/main" id="{42E259FA-7430-3761-944C-FDE77C596B6E}"/>
-              </a:ext>
-            </a:extLst>
-          </p:cNvPr>
-          <p:cNvSpPr>
-            <a:spLocks noGrp="1"/>
-          </p:cNvSpPr>
-          <p:nvPr>
-            <p:ph sz="half" idx="1"/>
-          </p:nvPr>
-        </p:nvSpPr>
-        <p:spPr>
-          <a:xfrm>
-            <a:off x="1164772" y="2010878"/>
-            <a:ext cx="5319597" cy="3943608"/>
-          </a:xfrm>
-        </p:spPr>
-        <p:txBody>
-          <a:bodyPr>
-            <a:noAutofit/>
-          </a:bodyPr>
-          <a:lstStyle/>
-          <a:p>
-            <a:r>
-              <a:rPr lang="en-US" sz="1800" noProof="0" dirty="0"/>
-              <a:t>Background:  </a:t>
-            </a:r>
-            <a:r>
-              <a:rPr lang="en-US" sz="1800" i="1" noProof="0" dirty="0" err="1"/>
-              <a:t>Philaenus</a:t>
-            </a:r>
-            <a:r>
-              <a:rPr lang="en-US" sz="1800" i="1" noProof="0" dirty="0"/>
-              <a:t> </a:t>
-            </a:r>
-            <a:r>
-              <a:rPr lang="en-US" sz="1800" i="1" noProof="0" dirty="0" err="1"/>
-              <a:t>spumarius</a:t>
-            </a:r>
-            <a:r>
-              <a:rPr lang="en-US" sz="1800" i="1" noProof="0" dirty="0"/>
-              <a:t> </a:t>
-            </a:r>
-            <a:r>
-              <a:rPr lang="en-US" sz="1800" noProof="0" dirty="0"/>
-              <a:t>(“meadow spittlebug”) is a major vector of </a:t>
-            </a:r>
-            <a:r>
-              <a:rPr lang="en-US" sz="1800" i="1" noProof="0" dirty="0"/>
-              <a:t>Xylella fastidiosa </a:t>
-            </a:r>
-            <a:r>
-              <a:rPr lang="en-US" sz="1800" noProof="0" dirty="0"/>
-              <a:t>(also known as Pierce’s disease), a devastating plant pathogen in Europe.</a:t>
-            </a:r>
-          </a:p>
-          <a:p>
-            <a:r>
-              <a:rPr lang="en-US" sz="1800" noProof="0" dirty="0"/>
-              <a:t>Effective control of </a:t>
-            </a:r>
-            <a:r>
-              <a:rPr lang="en-US" sz="1800" i="1" noProof="0" dirty="0"/>
-              <a:t>P. </a:t>
-            </a:r>
-            <a:r>
-              <a:rPr lang="en-US" sz="1800" i="1" noProof="0" dirty="0" err="1"/>
-              <a:t>spumarius</a:t>
-            </a:r>
-            <a:r>
-              <a:rPr lang="en-US" sz="1800" i="1" noProof="0" dirty="0"/>
-              <a:t> </a:t>
-            </a:r>
-            <a:r>
-              <a:rPr lang="en-US" sz="1800" noProof="0" dirty="0"/>
-              <a:t>is important for managing </a:t>
-            </a:r>
-            <a:r>
-              <a:rPr lang="en-US" sz="1800" i="1" noProof="0" dirty="0"/>
-              <a:t>Xylella</a:t>
-            </a:r>
-            <a:r>
-              <a:rPr lang="en-US" sz="1800" noProof="0" dirty="0"/>
-              <a:t> outbreaks and ensuring crop health.</a:t>
-            </a:r>
-          </a:p>
-          <a:p>
-            <a:r>
-              <a:rPr lang="en-US" sz="1800" noProof="0" dirty="0"/>
-              <a:t>Several insecticides, including ISOCLAST™ (sulfoxaflor), are available to control sap-feeding pests such as the aforementioned. There is a need to assess and compare their efficacy and persistence of these products under semi-field conditions.</a:t>
-            </a:r>
-          </a:p>
-        </p:txBody>
-      </p:sp>
-      <p:pic>
-        <p:nvPicPr>
-          <p:cNvPr id="7" name="Marcador de contenido 6">
-            <a:extLst>
-              <a:ext uri="{FF2B5EF4-FFF2-40B4-BE49-F238E27FC236}">
-                <a16:creationId xmlns:a16="http://schemas.microsoft.com/office/drawing/2014/main" id="{3C9F4586-8A6E-5DE7-2918-7B1A12BD0B3E}"/>
-              </a:ext>
-            </a:extLst>
-          </p:cNvPr>
-          <p:cNvPicPr>
-            <a:picLocks noGrp="1" noChangeAspect="1"/>
-          </p:cNvPicPr>
-          <p:nvPr>
-            <p:ph sz="half" idx="2"/>
-          </p:nvPr>
-        </p:nvPicPr>
-        <p:blipFill>
-          <a:blip r:embed="rId2">
-            <a:extLst>
-              <a:ext uri="{28A0092B-C50C-407E-A947-70E740481C1C}">
-                <a14:useLocalDpi xmlns:a14="http://schemas.microsoft.com/office/drawing/2010/main" val="0"/>
-              </a:ext>
-              <a:ext uri="{837473B0-CC2E-450A-ABE3-18F120FF3D39}">
-                <a1611:picAttrSrcUrl xmlns:a1611="http://schemas.microsoft.com/office/drawing/2016/11/main" r:id="rId3"/>
-              </a:ext>
-            </a:extLst>
-          </a:blip>
-          <a:stretch>
-            <a:fillRect/>
-          </a:stretch>
-        </p:blipFill>
-        <p:spPr>
-          <a:xfrm>
-            <a:off x="6691198" y="1925511"/>
-            <a:ext cx="4937125" cy="3211059"/>
-          </a:xfrm>
-        </p:spPr>
-      </p:pic>
-      <p:sp>
-        <p:nvSpPr>
-          <p:cNvPr id="8" name="CuadroTexto 7">
-            <a:extLst>
-              <a:ext uri="{FF2B5EF4-FFF2-40B4-BE49-F238E27FC236}">
-                <a16:creationId xmlns:a16="http://schemas.microsoft.com/office/drawing/2014/main" id="{32B07AB2-78A4-1EDB-CACF-B3181FE83FDA}"/>
-              </a:ext>
-            </a:extLst>
-          </p:cNvPr>
-          <p:cNvSpPr txBox="1"/>
-          <p:nvPr/>
-        </p:nvSpPr>
-        <p:spPr>
-          <a:xfrm>
-            <a:off x="6691198" y="5136570"/>
-            <a:ext cx="5054488" cy="646331"/>
-          </a:xfrm>
-          <a:prstGeom prst="rect">
-            <a:avLst/>
-          </a:prstGeom>
-          <a:noFill/>
-        </p:spPr>
-        <p:txBody>
-          <a:bodyPr wrap="square" rtlCol="0">
-            <a:spAutoFit/>
-          </a:bodyPr>
-          <a:lstStyle/>
-          <a:p>
-            <a:r>
-              <a:rPr lang="en-US" sz="1200" noProof="0" dirty="0"/>
-              <a:t>This photograph is from </a:t>
-            </a:r>
-            <a:r>
-              <a:rPr lang="en-US" sz="1200" noProof="0" dirty="0">
-                <a:hlinkClick r:id="rId4"/>
-              </a:rPr>
-              <a:t>https://www.marylandbiodiversity.com/species/11054</a:t>
-            </a:r>
-            <a:r>
-              <a:rPr lang="en-US" sz="1200" noProof="0" dirty="0"/>
-              <a:t> is under license </a:t>
-            </a:r>
-            <a:r>
-              <a:rPr lang="en-US" sz="1200" noProof="0" dirty="0">
-                <a:hlinkClick r:id="rId5" tooltip="https://creativecommons.org/licenses/by/3.0/"/>
-              </a:rPr>
-              <a:t>CC BY</a:t>
-            </a:r>
-            <a:endParaRPr lang="en-US" sz="1200" noProof="0" dirty="0"/>
-          </a:p>
-        </p:txBody>
-      </p:sp>
-    </p:spTree>
-    <p:extLst>
-      <p:ext uri="{BB962C8B-B14F-4D97-AF65-F5344CB8AC3E}">
-        <p14:creationId xmlns:p14="http://schemas.microsoft.com/office/powerpoint/2010/main" val="2541220704"/>
-      </p:ext>
-    </p:extLst>
-  </p:cSld>
-  <p:clrMapOvr>
-    <a:masterClrMapping/>
-  </p:clrMapOvr>
-</p:sld>
-</file>
-
 <file path=ppt/slides/slide3.xml><?xml version="1.0" encoding="utf-8"?>
 <p:sld xmlns:a="http://schemas.openxmlformats.org/drawingml/2006/main" xmlns:r="http://schemas.openxmlformats.org/officeDocument/2006/relationships" xmlns:p="http://schemas.openxmlformats.org/presentationml/2006/main">
   <p:cSld>
@@ -13425,7 +15979,7 @@
             </a:r>
             <a:r>
               <a:rPr lang="en-US" noProof="0" dirty="0"/>
-              <a:t> under semi-field conditions in each year.  We must also study if there is variability between plots, that is, if the plots have something to do with the differences between individual replicas.</a:t>
+              <a:t> under semi-field conditions in each year by studying the effects on cumulative mortality. We must also study if there is variability between plots, that is, if the plots have something to do with the differences between individual replicas.</a:t>
             </a:r>
           </a:p>
           <a:p>
@@ -13475,148 +16029,6 @@
 </file>
 
 <file path=ppt/slides/slide4.xml><?xml version="1.0" encoding="utf-8"?>
-<p:sld xmlns:a="http://schemas.openxmlformats.org/drawingml/2006/main" xmlns:r="http://schemas.openxmlformats.org/officeDocument/2006/relationships" xmlns:p="http://schemas.openxmlformats.org/presentationml/2006/main">
-  <p:cSld>
-    <p:spTree>
-      <p:nvGrpSpPr>
-        <p:cNvPr id="1" name=""/>
-        <p:cNvGrpSpPr/>
-        <p:nvPr/>
-      </p:nvGrpSpPr>
-      <p:grpSpPr>
-        <a:xfrm>
-          <a:off x="0" y="0"/>
-          <a:ext cx="0" cy="0"/>
-          <a:chOff x="0" y="0"/>
-          <a:chExt cx="0" cy="0"/>
-        </a:xfrm>
-      </p:grpSpPr>
-      <p:sp>
-        <p:nvSpPr>
-          <p:cNvPr id="2" name="Título 1">
-            <a:extLst>
-              <a:ext uri="{FF2B5EF4-FFF2-40B4-BE49-F238E27FC236}">
-                <a16:creationId xmlns:a16="http://schemas.microsoft.com/office/drawing/2014/main" id="{8F5F3319-3BFB-4EB0-0689-382C39B91AD1}"/>
-              </a:ext>
-            </a:extLst>
-          </p:cNvPr>
-          <p:cNvSpPr>
-            <a:spLocks noGrp="1"/>
-          </p:cNvSpPr>
-          <p:nvPr>
-            <p:ph type="title"/>
-          </p:nvPr>
-        </p:nvSpPr>
-        <p:spPr>
-          <a:xfrm>
-            <a:off x="677333" y="609600"/>
-            <a:ext cx="8804123" cy="1320800"/>
-          </a:xfrm>
-        </p:spPr>
-        <p:txBody>
-          <a:bodyPr/>
-          <a:lstStyle/>
-          <a:p>
-            <a:r>
-              <a:rPr lang="en-US" noProof="0" dirty="0"/>
-              <a:t>INTRODUCTION (CUMULATIVE MORTALITY) </a:t>
-            </a:r>
-          </a:p>
-        </p:txBody>
-      </p:sp>
-      <p:sp>
-        <p:nvSpPr>
-          <p:cNvPr id="3" name="Marcador de contenido 2">
-            <a:extLst>
-              <a:ext uri="{FF2B5EF4-FFF2-40B4-BE49-F238E27FC236}">
-                <a16:creationId xmlns:a16="http://schemas.microsoft.com/office/drawing/2014/main" id="{5870CEE7-9A4B-688B-B430-BA046E0DB409}"/>
-              </a:ext>
-            </a:extLst>
-          </p:cNvPr>
-          <p:cNvSpPr>
-            <a:spLocks noGrp="1"/>
-          </p:cNvSpPr>
-          <p:nvPr>
-            <p:ph idx="1"/>
-          </p:nvPr>
-        </p:nvSpPr>
-        <p:spPr/>
-        <p:txBody>
-          <a:bodyPr/>
-          <a:lstStyle/>
-          <a:p>
-            <a:r>
-              <a:rPr lang="en-US" noProof="0" dirty="0"/>
-              <a:t>For each time period, cumulative mortality was calculated as:</a:t>
-            </a:r>
-          </a:p>
-          <a:p>
-            <a:endParaRPr lang="en-US" noProof="0" dirty="0"/>
-          </a:p>
-          <a:p>
-            <a:endParaRPr lang="en-US" noProof="0" dirty="0"/>
-          </a:p>
-          <a:p>
-            <a:endParaRPr lang="en-US" noProof="0" dirty="0"/>
-          </a:p>
-          <a:p>
-            <a:r>
-              <a:rPr lang="en-US" noProof="0" dirty="0"/>
-              <a:t>This formula applies to each period in the study. Notice that the number of introductions of insects are not equal to the number of periods in the study.</a:t>
-            </a:r>
-          </a:p>
-          <a:p>
-            <a:endParaRPr lang="en-US" noProof="0" dirty="0"/>
-          </a:p>
-          <a:p>
-            <a:endParaRPr lang="en-US" noProof="0" dirty="0"/>
-          </a:p>
-        </p:txBody>
-      </p:sp>
-      <p:pic>
-        <p:nvPicPr>
-          <p:cNvPr id="6" name="Imagen 5">
-            <a:extLst>
-              <a:ext uri="{FF2B5EF4-FFF2-40B4-BE49-F238E27FC236}">
-                <a16:creationId xmlns:a16="http://schemas.microsoft.com/office/drawing/2014/main" id="{6B2A9329-15CA-ACE9-1B20-88532469F873}"/>
-              </a:ext>
-            </a:extLst>
-          </p:cNvPr>
-          <p:cNvPicPr>
-            <a:picLocks noChangeAspect="1"/>
-          </p:cNvPicPr>
-          <p:nvPr/>
-        </p:nvPicPr>
-        <p:blipFill>
-          <a:blip r:embed="rId2"/>
-          <a:stretch>
-            <a:fillRect/>
-          </a:stretch>
-        </p:blipFill>
-        <p:spPr>
-          <a:xfrm>
-            <a:off x="1451579" y="2540375"/>
-            <a:ext cx="10055376" cy="1044485"/>
-          </a:xfrm>
-          <a:prstGeom prst="rect">
-            <a:avLst/>
-          </a:prstGeom>
-        </p:spPr>
-      </p:pic>
-    </p:spTree>
-    <p:extLst>
-      <p:ext uri="{BB962C8B-B14F-4D97-AF65-F5344CB8AC3E}">
-        <p14:creationId xmlns:p14="http://schemas.microsoft.com/office/powerpoint/2010/main" val="3984525004"/>
-      </p:ext>
-    </p:extLst>
-  </p:cSld>
-  <p:clrMapOvr>
-    <a:masterClrMapping/>
-  </p:clrMapOvr>
-</p:sld>
-</file>
-
-<file path=ppt/slides/slide5.xml><?xml version="1.0" encoding="utf-8"?>
 <p:sld xmlns:a="http://schemas.openxmlformats.org/drawingml/2006/main" xmlns:r="http://schemas.openxmlformats.org/officeDocument/2006/relationships" xmlns:p="http://schemas.openxmlformats.org/presentationml/2006/main">
   <p:cSld>
     <p:spTree>
@@ -13743,33 +16155,15 @@
           <a:lstStyle/>
           <a:p>
             <a:r>
-              <a:rPr lang="es-ES" dirty="0"/>
-              <a:t>INJ – </a:t>
-            </a:r>
-            <a:r>
-              <a:rPr lang="es-ES" dirty="0" err="1"/>
-              <a:t>trunk</a:t>
-            </a:r>
-            <a:r>
-              <a:rPr lang="es-ES" dirty="0"/>
-              <a:t> </a:t>
-            </a:r>
-            <a:r>
-              <a:rPr lang="es-ES" dirty="0" err="1"/>
-              <a:t>injection</a:t>
-            </a:r>
-            <a:endParaRPr lang="es-ES" dirty="0"/>
-          </a:p>
-          <a:p>
-            <a:r>
-              <a:rPr lang="es-ES" dirty="0"/>
-              <a:t>FOL – foliar </a:t>
-            </a:r>
-            <a:r>
-              <a:rPr lang="es-ES" dirty="0" err="1"/>
-              <a:t>application</a:t>
-            </a:r>
-            <a:endParaRPr lang="en-GB" dirty="0"/>
+              <a:rPr lang="en-US" noProof="0" dirty="0"/>
+              <a:t>INJ – trunk injection</a:t>
+            </a:r>
+          </a:p>
+          <a:p>
+            <a:r>
+              <a:rPr lang="en-US" noProof="0" dirty="0"/>
+              <a:t>FOL – foliar application</a:t>
+            </a:r>
           </a:p>
         </p:txBody>
       </p:sp>
@@ -13857,7 +16251,7 @@
           <a:lstStyle/>
           <a:p>
             <a:r>
-              <a:rPr lang="en-GB" dirty="0">
+              <a:rPr lang="en-US" noProof="0" dirty="0">
                 <a:solidFill>
                   <a:schemeClr val="tx1"/>
                 </a:solidFill>
@@ -13865,7 +16259,7 @@
               <a:t>Among all treatments in 2017, a </a:t>
             </a:r>
             <a:r>
-              <a:rPr lang="en-GB" b="1" dirty="0">
+              <a:rPr lang="en-US" b="1" noProof="0" dirty="0">
                 <a:solidFill>
                   <a:schemeClr val="tx1"/>
                 </a:solidFill>
@@ -13873,7 +16267,7 @@
               <a:t>foliar application of CONFIDOR 200 OD was the most effective against </a:t>
             </a:r>
             <a:r>
-              <a:rPr lang="en-GB" b="1" i="1" dirty="0">
+              <a:rPr lang="en-US" b="1" i="1" noProof="0" dirty="0">
                 <a:solidFill>
                   <a:schemeClr val="tx1"/>
                 </a:solidFill>
@@ -13881,7 +16275,7 @@
               <a:t>P. </a:t>
             </a:r>
             <a:r>
-              <a:rPr lang="en-GB" b="1" i="1" dirty="0" err="1">
+              <a:rPr lang="en-US" b="1" i="1" noProof="0" dirty="0" err="1">
                 <a:solidFill>
                   <a:schemeClr val="tx1"/>
                 </a:solidFill>
@@ -13889,7 +16283,7 @@
               <a:t>spumarius</a:t>
             </a:r>
             <a:r>
-              <a:rPr lang="en-GB" i="1" dirty="0">
+              <a:rPr lang="en-US" i="1" noProof="0" dirty="0">
                 <a:solidFill>
                   <a:schemeClr val="tx1"/>
                 </a:solidFill>
@@ -13897,16 +16291,16 @@
               <a:t>, </a:t>
             </a:r>
             <a:r>
-              <a:rPr lang="en-GB" dirty="0">
+              <a:rPr lang="en-US" noProof="0" dirty="0">
                 <a:solidFill>
                   <a:schemeClr val="tx1"/>
                 </a:solidFill>
               </a:rPr>
-              <a:t>followed by Lambda-cyhalothrin (KARATE ZEON) and lastly, sulfoxaflor treatments.</a:t>
-            </a:r>
-          </a:p>
-          <a:p>
-            <a:endParaRPr lang="en-GB" dirty="0">
+              <a:t>followed by Lambda-cyhalothrin (KARATE ZEON 10 CS) and lastly, sulfoxaflor treatments.</a:t>
+            </a:r>
+          </a:p>
+          <a:p>
+            <a:endParaRPr lang="en-US" noProof="0" dirty="0">
               <a:solidFill>
                 <a:schemeClr val="tx1"/>
               </a:solidFill>
@@ -13914,7 +16308,7 @@
           </a:p>
           <a:p>
             <a:r>
-              <a:rPr lang="en-GB" dirty="0">
+              <a:rPr lang="en-US" noProof="0" dirty="0">
                 <a:solidFill>
                   <a:schemeClr val="tx1"/>
                 </a:solidFill>
@@ -13922,24 +16316,24 @@
               <a:t>An</a:t>
             </a:r>
             <a:r>
-              <a:rPr lang="en-GB" b="1" dirty="0">
+              <a:rPr lang="en-US" b="1" noProof="0" dirty="0">
                 <a:solidFill>
                   <a:schemeClr val="tx1"/>
                 </a:solidFill>
               </a:rPr>
-              <a:t> application of CONFIDOR 200 OD via trunk injection has no effect on mortality </a:t>
-            </a:r>
-            <a:r>
-              <a:rPr lang="en-GB" dirty="0">
+              <a:t> application of CONFIDOR 200 OD via trunk injection has no effect on mortality</a:t>
+            </a:r>
+            <a:r>
+              <a:rPr lang="en-US" noProof="0" dirty="0">
                 <a:solidFill>
                   <a:schemeClr val="tx1"/>
                 </a:solidFill>
               </a:rPr>
-              <a:t>with respect to the control.</a:t>
-            </a:r>
-          </a:p>
-          <a:p>
-            <a:endParaRPr lang="en-GB" dirty="0">
+              <a:t>.</a:t>
+            </a:r>
+          </a:p>
+          <a:p>
+            <a:endParaRPr lang="en-US" noProof="0" dirty="0">
               <a:solidFill>
                 <a:schemeClr val="tx1"/>
               </a:solidFill>
@@ -13947,7 +16341,7 @@
           </a:p>
           <a:p>
             <a:r>
-              <a:rPr lang="en-GB" dirty="0">
+              <a:rPr lang="en-US" noProof="0" dirty="0">
                 <a:solidFill>
                   <a:schemeClr val="tx1"/>
                 </a:solidFill>
@@ -13955,7 +16349,7 @@
               <a:t>There appears to be </a:t>
             </a:r>
             <a:r>
-              <a:rPr lang="en-GB" b="1" dirty="0">
+              <a:rPr lang="en-US" b="1" noProof="0" dirty="0">
                 <a:solidFill>
                   <a:schemeClr val="tx1"/>
                 </a:solidFill>
@@ -13963,7 +16357,7 @@
               <a:t>no significant difference in mortality between sulfoxaflor (GF-2626) treatments</a:t>
             </a:r>
             <a:r>
-              <a:rPr lang="en-GB" dirty="0">
+              <a:rPr lang="en-US" noProof="0" dirty="0">
                 <a:solidFill>
                   <a:schemeClr val="tx1"/>
                 </a:solidFill>
@@ -13971,21 +16365,18 @@
               <a:t>, regardless of application and rate, but </a:t>
             </a:r>
             <a:r>
-              <a:rPr lang="en-GB" b="1" dirty="0">
+              <a:rPr lang="en-US" b="1" noProof="0" dirty="0">
                 <a:solidFill>
                   <a:schemeClr val="tx1"/>
                 </a:solidFill>
               </a:rPr>
-              <a:t>there is a statistical difference with respect to control</a:t>
-            </a:r>
-            <a:r>
-              <a:rPr lang="en-GB" dirty="0">
-                <a:solidFill>
-                  <a:schemeClr val="tx1"/>
-                </a:solidFill>
-              </a:rPr>
-              <a:t>.</a:t>
-            </a:r>
+              <a:t>there is a significant difference with respect to control.</a:t>
+            </a:r>
+            <a:endParaRPr lang="en-US" noProof="0" dirty="0">
+              <a:solidFill>
+                <a:schemeClr val="tx1"/>
+              </a:solidFill>
+            </a:endParaRPr>
           </a:p>
         </p:txBody>
       </p:sp>
@@ -14002,7 +16393,7 @@
 </p:sld>
 </file>
 
-<file path=ppt/slides/slide6.xml><?xml version="1.0" encoding="utf-8"?>
+<file path=ppt/slides/slide5.xml><?xml version="1.0" encoding="utf-8"?>
 <p:sld xmlns:a="http://schemas.openxmlformats.org/drawingml/2006/main" xmlns:r="http://schemas.openxmlformats.org/officeDocument/2006/relationships" xmlns:p="http://schemas.openxmlformats.org/presentationml/2006/main">
   <p:cSld>
     <p:spTree>
@@ -14112,48 +16503,48 @@
           <a:lstStyle/>
           <a:p>
             <a:r>
-              <a:rPr lang="en-GB" dirty="0"/>
+              <a:rPr lang="en-US" noProof="0" dirty="0"/>
               <a:t>The </a:t>
             </a:r>
             <a:r>
-              <a:rPr lang="en-GB" b="1" dirty="0"/>
+              <a:rPr lang="en-US" b="1" noProof="0" dirty="0"/>
               <a:t>treatment alone explains nearly all of the variability in the data</a:t>
             </a:r>
             <a:r>
-              <a:rPr lang="en-GB" dirty="0"/>
+              <a:rPr lang="en-US" noProof="0" dirty="0"/>
               <a:t> that is accounted for by the selected model (</a:t>
             </a:r>
             <a:r>
-              <a:rPr lang="en-GB" b="1" dirty="0"/>
+              <a:rPr lang="en-US" b="1" noProof="0" dirty="0"/>
               <a:t>27.9%</a:t>
             </a:r>
             <a:r>
-              <a:rPr lang="en-GB" dirty="0"/>
+              <a:rPr lang="en-US" noProof="0" dirty="0"/>
               <a:t> out of 29.08%). This means that 70.92% of the variability remains unexplained by the model — likely due to other variables not included in the analysis, environmental conditions and/or unknown interactions.</a:t>
             </a:r>
           </a:p>
           <a:p>
-            <a:endParaRPr lang="en-GB" dirty="0"/>
-          </a:p>
-          <a:p>
-            <a:r>
-              <a:rPr lang="en-GB" dirty="0"/>
+            <a:endParaRPr lang="en-US" noProof="0" dirty="0"/>
+          </a:p>
+          <a:p>
+            <a:r>
+              <a:rPr lang="en-US" noProof="0" dirty="0"/>
               <a:t>The plots (the random effect in the model) explain </a:t>
             </a:r>
             <a:r>
-              <a:rPr lang="en-GB" b="1" dirty="0"/>
+              <a:rPr lang="en-US" b="1" noProof="0" dirty="0"/>
               <a:t>only 1.13% of the variance</a:t>
             </a:r>
             <a:r>
-              <a:rPr lang="en-GB" dirty="0"/>
+              <a:rPr lang="en-US" noProof="0" dirty="0"/>
               <a:t>, indicating </a:t>
             </a:r>
             <a:r>
-              <a:rPr lang="en-GB" b="1" dirty="0"/>
+              <a:rPr lang="en-US" b="1" noProof="0" dirty="0"/>
               <a:t>that plot-to-plot differences have very little influence on mortality </a:t>
             </a:r>
             <a:r>
-              <a:rPr lang="en-GB" dirty="0"/>
+              <a:rPr lang="en-US" noProof="0" dirty="0"/>
               <a:t>in this experiment.</a:t>
             </a:r>
           </a:p>
@@ -14172,7 +16563,7 @@
 </p:sld>
 </file>
 
-<file path=ppt/slides/slide7.xml><?xml version="1.0" encoding="utf-8"?>
+<file path=ppt/slides/slide6.xml><?xml version="1.0" encoding="utf-8"?>
 <p:sld xmlns:a="http://schemas.openxmlformats.org/drawingml/2006/main" xmlns:r="http://schemas.openxmlformats.org/officeDocument/2006/relationships" xmlns:p="http://schemas.openxmlformats.org/presentationml/2006/main">
   <p:cSld>
     <p:spTree>
@@ -14268,8 +16659,8 @@
         </p:blipFill>
         <p:spPr>
           <a:xfrm>
-            <a:off x="572441" y="5995179"/>
-            <a:ext cx="2764973" cy="732172"/>
+            <a:off x="576943" y="6083251"/>
+            <a:ext cx="2499214" cy="661798"/>
           </a:xfrm>
           <a:prstGeom prst="rect">
             <a:avLst/>
@@ -14304,8 +16695,8 @@
         </p:blipFill>
         <p:spPr>
           <a:xfrm>
-            <a:off x="424543" y="1495793"/>
-            <a:ext cx="7032173" cy="4502668"/>
+            <a:off x="424543" y="1505785"/>
+            <a:ext cx="7177448" cy="4595687"/>
           </a:xfrm>
           <a:prstGeom prst="rect">
             <a:avLst/>
@@ -14326,7 +16717,7 @@
         </p:nvSpPr>
         <p:spPr>
           <a:xfrm>
-            <a:off x="3385457" y="6024353"/>
+            <a:off x="3561879" y="6098718"/>
             <a:ext cx="3722915" cy="646331"/>
           </a:xfrm>
           <a:prstGeom prst="rect">
@@ -14341,33 +16732,15 @@
           <a:lstStyle/>
           <a:p>
             <a:r>
-              <a:rPr lang="es-ES" dirty="0"/>
-              <a:t>INJ – </a:t>
-            </a:r>
-            <a:r>
-              <a:rPr lang="es-ES" dirty="0" err="1"/>
-              <a:t>trunk</a:t>
-            </a:r>
-            <a:r>
-              <a:rPr lang="es-ES" dirty="0"/>
-              <a:t> </a:t>
-            </a:r>
-            <a:r>
-              <a:rPr lang="es-ES" dirty="0" err="1"/>
-              <a:t>injection</a:t>
-            </a:r>
-            <a:endParaRPr lang="es-ES" dirty="0"/>
-          </a:p>
-          <a:p>
-            <a:r>
-              <a:rPr lang="es-ES" dirty="0"/>
-              <a:t>FOL – foliar </a:t>
-            </a:r>
-            <a:r>
-              <a:rPr lang="es-ES" dirty="0" err="1"/>
-              <a:t>application</a:t>
-            </a:r>
-            <a:endParaRPr lang="en-GB" dirty="0"/>
+              <a:rPr lang="en-US" noProof="0" dirty="0"/>
+              <a:t>INJ – trunk injection</a:t>
+            </a:r>
+          </a:p>
+          <a:p>
+            <a:r>
+              <a:rPr lang="en-US" noProof="0" dirty="0"/>
+              <a:t>FOL – foliar application</a:t>
+            </a:r>
           </a:p>
         </p:txBody>
       </p:sp>
@@ -14419,7 +16792,7 @@
           <a:lstStyle/>
           <a:p>
             <a:r>
-              <a:rPr lang="en-GB" dirty="0">
+              <a:rPr lang="en-US" noProof="0" dirty="0">
                 <a:solidFill>
                   <a:schemeClr val="tx1"/>
                 </a:solidFill>
@@ -14427,7 +16800,7 @@
               <a:t>We can see that, among all treatments in 2018, a </a:t>
             </a:r>
             <a:r>
-              <a:rPr lang="en-GB" b="1" dirty="0">
+              <a:rPr lang="en-US" b="1" noProof="0" dirty="0">
                 <a:solidFill>
                   <a:schemeClr val="tx1"/>
                 </a:solidFill>
@@ -14435,7 +16808,7 @@
               <a:t>foliar application of CONFIDOR 200 OD or EPIK (regardless of dosage or application) </a:t>
             </a:r>
             <a:r>
-              <a:rPr lang="en-GB" dirty="0">
+              <a:rPr lang="en-US" noProof="0" dirty="0">
                 <a:solidFill>
                   <a:schemeClr val="tx1"/>
                 </a:solidFill>
@@ -14444,7 +16817,7 @@
             </a:r>
           </a:p>
           <a:p>
-            <a:endParaRPr lang="en-GB" dirty="0">
+            <a:endParaRPr lang="en-US" noProof="0" dirty="0">
               <a:solidFill>
                 <a:schemeClr val="tx1"/>
               </a:solidFill>
@@ -14452,7 +16825,7 @@
           </a:p>
           <a:p>
             <a:r>
-              <a:rPr lang="en-GB" dirty="0">
+              <a:rPr lang="en-US" noProof="0" dirty="0">
                 <a:solidFill>
                   <a:schemeClr val="tx1"/>
                 </a:solidFill>
@@ -14460,7 +16833,7 @@
               <a:t>There are </a:t>
             </a:r>
             <a:r>
-              <a:rPr lang="en-GB" b="1" dirty="0">
+              <a:rPr lang="en-US" b="1" noProof="0" dirty="0">
                 <a:solidFill>
                   <a:schemeClr val="tx1"/>
                 </a:solidFill>
@@ -14468,7 +16841,7 @@
               <a:t>two groups of treatments</a:t>
             </a:r>
             <a:r>
-              <a:rPr lang="en-GB" dirty="0">
+              <a:rPr lang="en-US" noProof="0" dirty="0">
                 <a:solidFill>
                   <a:schemeClr val="tx1"/>
                 </a:solidFill>
@@ -14476,7 +16849,7 @@
               <a:t>, a group consisting of </a:t>
             </a:r>
             <a:r>
-              <a:rPr lang="en-GB" b="1" dirty="0">
+              <a:rPr lang="en-US" b="1" noProof="0" dirty="0">
                 <a:solidFill>
                   <a:schemeClr val="tx1"/>
                 </a:solidFill>
@@ -14484,7 +16857,7 @@
               <a:t>the three ones previously described</a:t>
             </a:r>
             <a:r>
-              <a:rPr lang="en-GB" dirty="0">
+              <a:rPr lang="en-US" noProof="0" dirty="0">
                 <a:solidFill>
                   <a:schemeClr val="tx1"/>
                 </a:solidFill>
@@ -14492,7 +16865,7 @@
               <a:t>, which are statistically different to the control and </a:t>
             </a:r>
             <a:r>
-              <a:rPr lang="en-GB" b="1" dirty="0">
+              <a:rPr lang="en-US" b="1" noProof="0" dirty="0">
                 <a:solidFill>
                   <a:schemeClr val="tx1"/>
                 </a:solidFill>
@@ -14500,14 +16873,14 @@
               <a:t>another group consisting on the sulfoxaflor treatments</a:t>
             </a:r>
             <a:r>
-              <a:rPr lang="en-GB" dirty="0">
+              <a:rPr lang="en-US" noProof="0" dirty="0">
                 <a:solidFill>
                   <a:schemeClr val="tx1"/>
                 </a:solidFill>
               </a:rPr>
               <a:t>, which are not significantly different to the control.</a:t>
             </a:r>
-            <a:endParaRPr lang="en-GB" b="1" dirty="0">
+            <a:endParaRPr lang="en-US" b="1" noProof="0" dirty="0">
               <a:solidFill>
                 <a:schemeClr val="tx1"/>
               </a:solidFill>
@@ -14528,7 +16901,7 @@
 </p:sld>
 </file>
 
-<file path=ppt/slides/slide8.xml><?xml version="1.0" encoding="utf-8"?>
+<file path=ppt/slides/slide7.xml><?xml version="1.0" encoding="utf-8"?>
 <p:sld xmlns:a="http://schemas.openxmlformats.org/drawingml/2006/main" xmlns:r="http://schemas.openxmlformats.org/officeDocument/2006/relationships" xmlns:p="http://schemas.openxmlformats.org/presentationml/2006/main">
   <p:cSld>
     <p:spTree>
@@ -14615,47 +16988,47 @@
           <a:lstStyle/>
           <a:p>
             <a:r>
-              <a:rPr lang="en-GB" dirty="0"/>
+              <a:rPr lang="en-US" noProof="0" dirty="0"/>
               <a:t>The </a:t>
             </a:r>
             <a:r>
-              <a:rPr lang="en-GB" b="1" dirty="0"/>
+              <a:rPr lang="en-US" b="1" noProof="0" dirty="0"/>
               <a:t>treatment alone explains most all of the variability in the data</a:t>
             </a:r>
             <a:r>
-              <a:rPr lang="en-GB" dirty="0"/>
+              <a:rPr lang="en-US" noProof="0" dirty="0"/>
               <a:t> that is accounted for by the selected model (</a:t>
             </a:r>
             <a:r>
-              <a:rPr lang="en-GB" b="1" dirty="0"/>
+              <a:rPr lang="en-US" b="1" noProof="0" dirty="0"/>
               <a:t>54.36%</a:t>
             </a:r>
             <a:r>
-              <a:rPr lang="en-GB" dirty="0"/>
+              <a:rPr lang="en-US" noProof="0" dirty="0"/>
               <a:t> out of 69.73%). </a:t>
             </a:r>
           </a:p>
           <a:p>
-            <a:endParaRPr lang="en-GB" dirty="0"/>
-          </a:p>
-          <a:p>
-            <a:r>
-              <a:rPr lang="en-GB" dirty="0"/>
+            <a:endParaRPr lang="en-US" noProof="0" dirty="0"/>
+          </a:p>
+          <a:p>
+            <a:r>
+              <a:rPr lang="en-US" noProof="0" dirty="0"/>
               <a:t>The plots (the random effect in the model) in this experiment in 2018 explain </a:t>
             </a:r>
             <a:r>
-              <a:rPr lang="en-GB" b="1" dirty="0"/>
+              <a:rPr lang="en-US" b="1" noProof="0" dirty="0"/>
               <a:t>about 15.38% of the variance</a:t>
             </a:r>
             <a:r>
-              <a:rPr lang="en-GB" dirty="0"/>
+              <a:rPr lang="en-US" noProof="0" dirty="0"/>
               <a:t>, indicating </a:t>
             </a:r>
             <a:r>
-              <a:rPr lang="en-GB" b="1" dirty="0"/>
+              <a:rPr lang="en-US" b="1" noProof="0" dirty="0"/>
               <a:t>that plot-to-plot differences have some influence on mortality, yet it is negligible compared to the influence the treatment has on mortality.</a:t>
             </a:r>
-            <a:endParaRPr lang="en-GB" dirty="0"/>
+            <a:endParaRPr lang="en-US" noProof="0" dirty="0"/>
           </a:p>
         </p:txBody>
       </p:sp>
@@ -14702,7 +17075,7 @@
 </p:sld>
 </file>
 
-<file path=ppt/slides/slide9.xml><?xml version="1.0" encoding="utf-8"?>
+<file path=ppt/slides/slide8.xml><?xml version="1.0" encoding="utf-8"?>
 <p:sld xmlns:a="http://schemas.openxmlformats.org/drawingml/2006/main" xmlns:r="http://schemas.openxmlformats.org/officeDocument/2006/relationships" xmlns:p="http://schemas.openxmlformats.org/presentationml/2006/main">
   <p:cSld>
     <p:spTree>
@@ -14748,10 +17121,9 @@
           <a:lstStyle/>
           <a:p>
             <a:r>
-              <a:rPr lang="en-GB" noProof="0" dirty="0"/>
+              <a:rPr lang="en-US" noProof="0" dirty="0"/>
               <a:t>2. Is foliar application or trunk injection more efficient for each treatment? (2017)</a:t>
             </a:r>
-            <a:endParaRPr lang="en-US" noProof="0" dirty="0"/>
           </a:p>
         </p:txBody>
       </p:sp>
@@ -14814,33 +17186,15 @@
           <a:lstStyle/>
           <a:p>
             <a:r>
-              <a:rPr lang="es-ES" dirty="0"/>
-              <a:t>INJ – </a:t>
-            </a:r>
-            <a:r>
-              <a:rPr lang="es-ES" dirty="0" err="1"/>
-              <a:t>trunk</a:t>
-            </a:r>
-            <a:r>
-              <a:rPr lang="es-ES" dirty="0"/>
-              <a:t> </a:t>
-            </a:r>
-            <a:r>
-              <a:rPr lang="es-ES" dirty="0" err="1"/>
-              <a:t>injection</a:t>
-            </a:r>
-            <a:endParaRPr lang="es-ES" dirty="0"/>
-          </a:p>
-          <a:p>
-            <a:r>
-              <a:rPr lang="es-ES" dirty="0"/>
-              <a:t>FOL – foliar </a:t>
-            </a:r>
-            <a:r>
-              <a:rPr lang="es-ES" dirty="0" err="1"/>
-              <a:t>application</a:t>
-            </a:r>
-            <a:endParaRPr lang="en-GB" dirty="0"/>
+              <a:rPr lang="en-US" noProof="0" dirty="0"/>
+              <a:t>INJ – trunk injection</a:t>
+            </a:r>
+          </a:p>
+          <a:p>
+            <a:r>
+              <a:rPr lang="en-US" noProof="0" dirty="0"/>
+              <a:t>FOL – foliar application</a:t>
+            </a:r>
           </a:p>
         </p:txBody>
       </p:sp>
@@ -14892,7 +17246,7 @@
           <a:lstStyle/>
           <a:p>
             <a:r>
-              <a:rPr lang="es-ES" dirty="0" err="1">
+              <a:rPr lang="en-US" noProof="0" dirty="0">
                 <a:ln w="0"/>
                 <a:solidFill>
                   <a:schemeClr val="tx1"/>
@@ -14905,10 +17259,10 @@
                   </a:outerShdw>
                 </a:effectLst>
               </a:rPr>
-              <a:t>We</a:t>
-            </a:r>
-            <a:r>
-              <a:rPr lang="es-ES" dirty="0">
+              <a:t>We can conclude that determining whether a foliar application or a trunk injection is better </a:t>
+            </a:r>
+            <a:r>
+              <a:rPr lang="en-US" b="1" noProof="0" dirty="0">
                 <a:ln w="0"/>
                 <a:solidFill>
                   <a:schemeClr val="tx1"/>
@@ -14921,490 +17275,10 @@
                   </a:outerShdw>
                 </a:effectLst>
               </a:rPr>
-              <a:t> can </a:t>
-            </a:r>
-            <a:r>
-              <a:rPr lang="es-ES" dirty="0" err="1">
-                <a:ln w="0"/>
-                <a:solidFill>
-                  <a:schemeClr val="tx1"/>
-                </a:solidFill>
-                <a:effectLst>
-                  <a:outerShdw blurRad="38100" dist="19050" dir="2700000" algn="tl" rotWithShape="0">
-                    <a:schemeClr val="dk1">
-                      <a:alpha val="40000"/>
-                    </a:schemeClr>
-                  </a:outerShdw>
-                </a:effectLst>
-              </a:rPr>
-              <a:t>conclude</a:t>
-            </a:r>
-            <a:r>
-              <a:rPr lang="es-ES" dirty="0">
-                <a:ln w="0"/>
-                <a:solidFill>
-                  <a:schemeClr val="tx1"/>
-                </a:solidFill>
-                <a:effectLst>
-                  <a:outerShdw blurRad="38100" dist="19050" dir="2700000" algn="tl" rotWithShape="0">
-                    <a:schemeClr val="dk1">
-                      <a:alpha val="40000"/>
-                    </a:schemeClr>
-                  </a:outerShdw>
-                </a:effectLst>
-              </a:rPr>
-              <a:t> </a:t>
-            </a:r>
-            <a:r>
-              <a:rPr lang="es-ES" dirty="0" err="1">
-                <a:ln w="0"/>
-                <a:solidFill>
-                  <a:schemeClr val="tx1"/>
-                </a:solidFill>
-                <a:effectLst>
-                  <a:outerShdw blurRad="38100" dist="19050" dir="2700000" algn="tl" rotWithShape="0">
-                    <a:schemeClr val="dk1">
-                      <a:alpha val="40000"/>
-                    </a:schemeClr>
-                  </a:outerShdw>
-                </a:effectLst>
-              </a:rPr>
-              <a:t>that</a:t>
-            </a:r>
-            <a:r>
-              <a:rPr lang="es-ES" dirty="0">
-                <a:ln w="0"/>
-                <a:solidFill>
-                  <a:schemeClr val="tx1"/>
-                </a:solidFill>
-                <a:effectLst>
-                  <a:outerShdw blurRad="38100" dist="19050" dir="2700000" algn="tl" rotWithShape="0">
-                    <a:schemeClr val="dk1">
-                      <a:alpha val="40000"/>
-                    </a:schemeClr>
-                  </a:outerShdw>
-                </a:effectLst>
-              </a:rPr>
-              <a:t> </a:t>
-            </a:r>
-            <a:r>
-              <a:rPr lang="es-ES" dirty="0" err="1">
-                <a:ln w="0"/>
-                <a:solidFill>
-                  <a:schemeClr val="tx1"/>
-                </a:solidFill>
-                <a:effectLst>
-                  <a:outerShdw blurRad="38100" dist="19050" dir="2700000" algn="tl" rotWithShape="0">
-                    <a:schemeClr val="dk1">
-                      <a:alpha val="40000"/>
-                    </a:schemeClr>
-                  </a:outerShdw>
-                </a:effectLst>
-              </a:rPr>
-              <a:t>determining</a:t>
-            </a:r>
-            <a:r>
-              <a:rPr lang="es-ES" dirty="0">
-                <a:ln w="0"/>
-                <a:solidFill>
-                  <a:schemeClr val="tx1"/>
-                </a:solidFill>
-                <a:effectLst>
-                  <a:outerShdw blurRad="38100" dist="19050" dir="2700000" algn="tl" rotWithShape="0">
-                    <a:schemeClr val="dk1">
-                      <a:alpha val="40000"/>
-                    </a:schemeClr>
-                  </a:outerShdw>
-                </a:effectLst>
-              </a:rPr>
-              <a:t> </a:t>
-            </a:r>
-            <a:r>
-              <a:rPr lang="es-ES" dirty="0" err="1">
-                <a:ln w="0"/>
-                <a:solidFill>
-                  <a:schemeClr val="tx1"/>
-                </a:solidFill>
-                <a:effectLst>
-                  <a:outerShdw blurRad="38100" dist="19050" dir="2700000" algn="tl" rotWithShape="0">
-                    <a:schemeClr val="dk1">
-                      <a:alpha val="40000"/>
-                    </a:schemeClr>
-                  </a:outerShdw>
-                </a:effectLst>
-              </a:rPr>
-              <a:t>whether</a:t>
-            </a:r>
-            <a:r>
-              <a:rPr lang="es-ES" dirty="0">
-                <a:ln w="0"/>
-                <a:solidFill>
-                  <a:schemeClr val="tx1"/>
-                </a:solidFill>
-                <a:effectLst>
-                  <a:outerShdw blurRad="38100" dist="19050" dir="2700000" algn="tl" rotWithShape="0">
-                    <a:schemeClr val="dk1">
-                      <a:alpha val="40000"/>
-                    </a:schemeClr>
-                  </a:outerShdw>
-                </a:effectLst>
-              </a:rPr>
-              <a:t> a foliar </a:t>
-            </a:r>
-            <a:r>
-              <a:rPr lang="es-ES" dirty="0" err="1">
-                <a:ln w="0"/>
-                <a:solidFill>
-                  <a:schemeClr val="tx1"/>
-                </a:solidFill>
-                <a:effectLst>
-                  <a:outerShdw blurRad="38100" dist="19050" dir="2700000" algn="tl" rotWithShape="0">
-                    <a:schemeClr val="dk1">
-                      <a:alpha val="40000"/>
-                    </a:schemeClr>
-                  </a:outerShdw>
-                </a:effectLst>
-              </a:rPr>
-              <a:t>application</a:t>
-            </a:r>
-            <a:r>
-              <a:rPr lang="es-ES" dirty="0">
-                <a:ln w="0"/>
-                <a:solidFill>
-                  <a:schemeClr val="tx1"/>
-                </a:solidFill>
-                <a:effectLst>
-                  <a:outerShdw blurRad="38100" dist="19050" dir="2700000" algn="tl" rotWithShape="0">
-                    <a:schemeClr val="dk1">
-                      <a:alpha val="40000"/>
-                    </a:schemeClr>
-                  </a:outerShdw>
-                </a:effectLst>
-              </a:rPr>
-              <a:t> </a:t>
-            </a:r>
-            <a:r>
-              <a:rPr lang="es-ES" dirty="0" err="1">
-                <a:ln w="0"/>
-                <a:solidFill>
-                  <a:schemeClr val="tx1"/>
-                </a:solidFill>
-                <a:effectLst>
-                  <a:outerShdw blurRad="38100" dist="19050" dir="2700000" algn="tl" rotWithShape="0">
-                    <a:schemeClr val="dk1">
-                      <a:alpha val="40000"/>
-                    </a:schemeClr>
-                  </a:outerShdw>
-                </a:effectLst>
-              </a:rPr>
-              <a:t>or</a:t>
-            </a:r>
-            <a:r>
-              <a:rPr lang="es-ES" dirty="0">
-                <a:ln w="0"/>
-                <a:solidFill>
-                  <a:schemeClr val="tx1"/>
-                </a:solidFill>
-                <a:effectLst>
-                  <a:outerShdw blurRad="38100" dist="19050" dir="2700000" algn="tl" rotWithShape="0">
-                    <a:schemeClr val="dk1">
-                      <a:alpha val="40000"/>
-                    </a:schemeClr>
-                  </a:outerShdw>
-                </a:effectLst>
-              </a:rPr>
-              <a:t> a </a:t>
-            </a:r>
-            <a:r>
-              <a:rPr lang="es-ES" dirty="0" err="1">
-                <a:ln w="0"/>
-                <a:solidFill>
-                  <a:schemeClr val="tx1"/>
-                </a:solidFill>
-                <a:effectLst>
-                  <a:outerShdw blurRad="38100" dist="19050" dir="2700000" algn="tl" rotWithShape="0">
-                    <a:schemeClr val="dk1">
-                      <a:alpha val="40000"/>
-                    </a:schemeClr>
-                  </a:outerShdw>
-                </a:effectLst>
-              </a:rPr>
-              <a:t>trunk</a:t>
-            </a:r>
-            <a:r>
-              <a:rPr lang="es-ES" dirty="0">
-                <a:ln w="0"/>
-                <a:solidFill>
-                  <a:schemeClr val="tx1"/>
-                </a:solidFill>
-                <a:effectLst>
-                  <a:outerShdw blurRad="38100" dist="19050" dir="2700000" algn="tl" rotWithShape="0">
-                    <a:schemeClr val="dk1">
-                      <a:alpha val="40000"/>
-                    </a:schemeClr>
-                  </a:outerShdw>
-                </a:effectLst>
-              </a:rPr>
-              <a:t> </a:t>
-            </a:r>
-            <a:r>
-              <a:rPr lang="es-ES" dirty="0" err="1">
-                <a:ln w="0"/>
-                <a:solidFill>
-                  <a:schemeClr val="tx1"/>
-                </a:solidFill>
-                <a:effectLst>
-                  <a:outerShdw blurRad="38100" dist="19050" dir="2700000" algn="tl" rotWithShape="0">
-                    <a:schemeClr val="dk1">
-                      <a:alpha val="40000"/>
-                    </a:schemeClr>
-                  </a:outerShdw>
-                </a:effectLst>
-              </a:rPr>
-              <a:t>injection</a:t>
-            </a:r>
-            <a:r>
-              <a:rPr lang="es-ES" dirty="0">
-                <a:ln w="0"/>
-                <a:solidFill>
-                  <a:schemeClr val="tx1"/>
-                </a:solidFill>
-                <a:effectLst>
-                  <a:outerShdw blurRad="38100" dist="19050" dir="2700000" algn="tl" rotWithShape="0">
-                    <a:schemeClr val="dk1">
-                      <a:alpha val="40000"/>
-                    </a:schemeClr>
-                  </a:outerShdw>
-                </a:effectLst>
-              </a:rPr>
-              <a:t> </a:t>
-            </a:r>
-            <a:r>
-              <a:rPr lang="es-ES" dirty="0" err="1">
-                <a:ln w="0"/>
-                <a:solidFill>
-                  <a:schemeClr val="tx1"/>
-                </a:solidFill>
-                <a:effectLst>
-                  <a:outerShdw blurRad="38100" dist="19050" dir="2700000" algn="tl" rotWithShape="0">
-                    <a:schemeClr val="dk1">
-                      <a:alpha val="40000"/>
-                    </a:schemeClr>
-                  </a:outerShdw>
-                </a:effectLst>
-              </a:rPr>
-              <a:t>is</a:t>
-            </a:r>
-            <a:r>
-              <a:rPr lang="es-ES" dirty="0">
-                <a:ln w="0"/>
-                <a:solidFill>
-                  <a:schemeClr val="tx1"/>
-                </a:solidFill>
-                <a:effectLst>
-                  <a:outerShdw blurRad="38100" dist="19050" dir="2700000" algn="tl" rotWithShape="0">
-                    <a:schemeClr val="dk1">
-                      <a:alpha val="40000"/>
-                    </a:schemeClr>
-                  </a:outerShdw>
-                </a:effectLst>
-              </a:rPr>
-              <a:t> </a:t>
-            </a:r>
-            <a:r>
-              <a:rPr lang="es-ES" dirty="0" err="1">
-                <a:ln w="0"/>
-                <a:solidFill>
-                  <a:schemeClr val="tx1"/>
-                </a:solidFill>
-                <a:effectLst>
-                  <a:outerShdw blurRad="38100" dist="19050" dir="2700000" algn="tl" rotWithShape="0">
-                    <a:schemeClr val="dk1">
-                      <a:alpha val="40000"/>
-                    </a:schemeClr>
-                  </a:outerShdw>
-                </a:effectLst>
-              </a:rPr>
-              <a:t>better</a:t>
-            </a:r>
-            <a:r>
-              <a:rPr lang="es-ES" dirty="0">
-                <a:ln w="0"/>
-                <a:solidFill>
-                  <a:schemeClr val="tx1"/>
-                </a:solidFill>
-                <a:effectLst>
-                  <a:outerShdw blurRad="38100" dist="19050" dir="2700000" algn="tl" rotWithShape="0">
-                    <a:schemeClr val="dk1">
-                      <a:alpha val="40000"/>
-                    </a:schemeClr>
-                  </a:outerShdw>
-                </a:effectLst>
-              </a:rPr>
-              <a:t> </a:t>
-            </a:r>
-            <a:r>
-              <a:rPr lang="es-ES" b="1" dirty="0" err="1">
-                <a:ln w="0"/>
-                <a:solidFill>
-                  <a:schemeClr val="tx1"/>
-                </a:solidFill>
-                <a:effectLst>
-                  <a:outerShdw blurRad="38100" dist="19050" dir="2700000" algn="tl" rotWithShape="0">
-                    <a:schemeClr val="dk1">
-                      <a:alpha val="40000"/>
-                    </a:schemeClr>
-                  </a:outerShdw>
-                </a:effectLst>
-              </a:rPr>
-              <a:t>depends</a:t>
-            </a:r>
-            <a:r>
-              <a:rPr lang="es-ES" b="1" dirty="0">
-                <a:ln w="0"/>
-                <a:solidFill>
-                  <a:schemeClr val="tx1"/>
-                </a:solidFill>
-                <a:effectLst>
-                  <a:outerShdw blurRad="38100" dist="19050" dir="2700000" algn="tl" rotWithShape="0">
-                    <a:schemeClr val="dk1">
-                      <a:alpha val="40000"/>
-                    </a:schemeClr>
-                  </a:outerShdw>
-                </a:effectLst>
-              </a:rPr>
-              <a:t> </a:t>
-            </a:r>
-            <a:r>
-              <a:rPr lang="es-ES" b="1" dirty="0" err="1">
-                <a:ln w="0"/>
-                <a:solidFill>
-                  <a:schemeClr val="tx1"/>
-                </a:solidFill>
-                <a:effectLst>
-                  <a:outerShdw blurRad="38100" dist="19050" dir="2700000" algn="tl" rotWithShape="0">
-                    <a:schemeClr val="dk1">
-                      <a:alpha val="40000"/>
-                    </a:schemeClr>
-                  </a:outerShdw>
-                </a:effectLst>
-              </a:rPr>
-              <a:t>on</a:t>
-            </a:r>
-            <a:r>
-              <a:rPr lang="es-ES" b="1" dirty="0">
-                <a:ln w="0"/>
-                <a:solidFill>
-                  <a:schemeClr val="tx1"/>
-                </a:solidFill>
-                <a:effectLst>
-                  <a:outerShdw blurRad="38100" dist="19050" dir="2700000" algn="tl" rotWithShape="0">
-                    <a:schemeClr val="dk1">
-                      <a:alpha val="40000"/>
-                    </a:schemeClr>
-                  </a:outerShdw>
-                </a:effectLst>
-              </a:rPr>
-              <a:t> </a:t>
-            </a:r>
-            <a:r>
-              <a:rPr lang="es-ES" b="1" dirty="0" err="1">
-                <a:ln w="0"/>
-                <a:solidFill>
-                  <a:schemeClr val="tx1"/>
-                </a:solidFill>
-                <a:effectLst>
-                  <a:outerShdw blurRad="38100" dist="19050" dir="2700000" algn="tl" rotWithShape="0">
-                    <a:schemeClr val="dk1">
-                      <a:alpha val="40000"/>
-                    </a:schemeClr>
-                  </a:outerShdw>
-                </a:effectLst>
-              </a:rPr>
-              <a:t>the</a:t>
-            </a:r>
-            <a:r>
-              <a:rPr lang="es-ES" b="1" dirty="0">
-                <a:ln w="0"/>
-                <a:solidFill>
-                  <a:schemeClr val="tx1"/>
-                </a:solidFill>
-                <a:effectLst>
-                  <a:outerShdw blurRad="38100" dist="19050" dir="2700000" algn="tl" rotWithShape="0">
-                    <a:schemeClr val="dk1">
-                      <a:alpha val="40000"/>
-                    </a:schemeClr>
-                  </a:outerShdw>
-                </a:effectLst>
-              </a:rPr>
-              <a:t> </a:t>
-            </a:r>
-            <a:r>
-              <a:rPr lang="es-ES" b="1" dirty="0" err="1">
-                <a:ln w="0"/>
-                <a:solidFill>
-                  <a:schemeClr val="tx1"/>
-                </a:solidFill>
-                <a:effectLst>
-                  <a:outerShdw blurRad="38100" dist="19050" dir="2700000" algn="tl" rotWithShape="0">
-                    <a:schemeClr val="dk1">
-                      <a:alpha val="40000"/>
-                    </a:schemeClr>
-                  </a:outerShdw>
-                </a:effectLst>
-              </a:rPr>
-              <a:t>treatment</a:t>
-            </a:r>
-            <a:r>
-              <a:rPr lang="es-ES" b="1" dirty="0">
-                <a:ln w="0"/>
-                <a:solidFill>
-                  <a:schemeClr val="tx1"/>
-                </a:solidFill>
-                <a:effectLst>
-                  <a:outerShdw blurRad="38100" dist="19050" dir="2700000" algn="tl" rotWithShape="0">
-                    <a:schemeClr val="dk1">
-                      <a:alpha val="40000"/>
-                    </a:schemeClr>
-                  </a:outerShdw>
-                </a:effectLst>
-              </a:rPr>
-              <a:t> </a:t>
-            </a:r>
-            <a:r>
-              <a:rPr lang="es-ES" b="1" dirty="0" err="1">
-                <a:ln w="0"/>
-                <a:solidFill>
-                  <a:schemeClr val="tx1"/>
-                </a:solidFill>
-                <a:effectLst>
-                  <a:outerShdw blurRad="38100" dist="19050" dir="2700000" algn="tl" rotWithShape="0">
-                    <a:schemeClr val="dk1">
-                      <a:alpha val="40000"/>
-                    </a:schemeClr>
-                  </a:outerShdw>
-                </a:effectLst>
-              </a:rPr>
-              <a:t>applied</a:t>
-            </a:r>
-            <a:r>
-              <a:rPr lang="es-ES" b="1" dirty="0">
-                <a:ln w="0"/>
-                <a:solidFill>
-                  <a:schemeClr val="tx1"/>
-                </a:solidFill>
-                <a:effectLst>
-                  <a:outerShdw blurRad="38100" dist="19050" dir="2700000" algn="tl" rotWithShape="0">
-                    <a:schemeClr val="dk1">
-                      <a:alpha val="40000"/>
-                    </a:schemeClr>
-                  </a:outerShdw>
-                </a:effectLst>
-              </a:rPr>
-              <a:t> in 2017</a:t>
-            </a:r>
-            <a:r>
-              <a:rPr lang="es-ES" dirty="0">
+              <a:t>depends on the treatment applied in 2017</a:t>
+            </a:r>
+            <a:r>
+              <a:rPr lang="en-US" noProof="0" dirty="0">
                 <a:ln w="0"/>
                 <a:solidFill>
                   <a:schemeClr val="tx1"/>
@@ -15421,7 +17295,7 @@
             </a:r>
           </a:p>
           <a:p>
-            <a:endParaRPr lang="es-ES" dirty="0">
+            <a:endParaRPr lang="en-US" noProof="0" dirty="0">
               <a:ln w="0"/>
               <a:solidFill>
                 <a:schemeClr val="tx1"/>
@@ -15437,7 +17311,7 @@
           </a:p>
           <a:p>
             <a:r>
-              <a:rPr lang="es-ES" dirty="0" err="1">
+              <a:rPr lang="en-US" noProof="0" dirty="0">
                 <a:ln w="0"/>
                 <a:solidFill>
                   <a:schemeClr val="tx1"/>
@@ -15450,10 +17324,10 @@
                   </a:outerShdw>
                 </a:effectLst>
               </a:rPr>
-              <a:t>For</a:t>
-            </a:r>
-            <a:r>
-              <a:rPr lang="es-ES" dirty="0">
+              <a:t>For the </a:t>
+            </a:r>
+            <a:r>
+              <a:rPr lang="en-US" b="1" noProof="0" dirty="0">
                 <a:ln w="0"/>
                 <a:solidFill>
                   <a:schemeClr val="tx1"/>
@@ -15466,10 +17340,10 @@
                   </a:outerShdw>
                 </a:effectLst>
               </a:rPr>
-              <a:t> </a:t>
-            </a:r>
-            <a:r>
-              <a:rPr lang="es-ES" dirty="0" err="1">
+              <a:t>SULFOXAFLOR treatment, this has no statistical effect at all</a:t>
+            </a:r>
+            <a:r>
+              <a:rPr lang="en-US" noProof="0" dirty="0">
                 <a:ln w="0"/>
                 <a:solidFill>
                   <a:schemeClr val="tx1"/>
@@ -15482,10 +17356,10 @@
                   </a:outerShdw>
                 </a:effectLst>
               </a:rPr>
-              <a:t>the</a:t>
-            </a:r>
-            <a:r>
-              <a:rPr lang="es-ES" dirty="0">
+              <a:t>, while </a:t>
+            </a:r>
+            <a:r>
+              <a:rPr lang="en-US" b="1" noProof="0" dirty="0">
                 <a:ln w="0"/>
                 <a:solidFill>
                   <a:schemeClr val="tx1"/>
@@ -15498,442 +17372,10 @@
                   </a:outerShdw>
                 </a:effectLst>
               </a:rPr>
-              <a:t> </a:t>
-            </a:r>
-            <a:r>
-              <a:rPr lang="es-ES" b="1" dirty="0">
-                <a:ln w="0"/>
-                <a:solidFill>
-                  <a:schemeClr val="tx1"/>
-                </a:solidFill>
-                <a:effectLst>
-                  <a:outerShdw blurRad="38100" dist="19050" dir="2700000" algn="tl" rotWithShape="0">
-                    <a:schemeClr val="dk1">
-                      <a:alpha val="40000"/>
-                    </a:schemeClr>
-                  </a:outerShdw>
-                </a:effectLst>
-              </a:rPr>
-              <a:t>SULFOXAFLOR </a:t>
-            </a:r>
-            <a:r>
-              <a:rPr lang="es-ES" b="1" dirty="0" err="1">
-                <a:ln w="0"/>
-                <a:solidFill>
-                  <a:schemeClr val="tx1"/>
-                </a:solidFill>
-                <a:effectLst>
-                  <a:outerShdw blurRad="38100" dist="19050" dir="2700000" algn="tl" rotWithShape="0">
-                    <a:schemeClr val="dk1">
-                      <a:alpha val="40000"/>
-                    </a:schemeClr>
-                  </a:outerShdw>
-                </a:effectLst>
-              </a:rPr>
-              <a:t>treatment</a:t>
-            </a:r>
-            <a:r>
-              <a:rPr lang="es-ES" b="1" dirty="0">
-                <a:ln w="0"/>
-                <a:solidFill>
-                  <a:schemeClr val="tx1"/>
-                </a:solidFill>
-                <a:effectLst>
-                  <a:outerShdw blurRad="38100" dist="19050" dir="2700000" algn="tl" rotWithShape="0">
-                    <a:schemeClr val="dk1">
-                      <a:alpha val="40000"/>
-                    </a:schemeClr>
-                  </a:outerShdw>
-                </a:effectLst>
-              </a:rPr>
-              <a:t>, </a:t>
-            </a:r>
-            <a:r>
-              <a:rPr lang="es-ES" b="1" dirty="0" err="1">
-                <a:ln w="0"/>
-                <a:solidFill>
-                  <a:schemeClr val="tx1"/>
-                </a:solidFill>
-                <a:effectLst>
-                  <a:outerShdw blurRad="38100" dist="19050" dir="2700000" algn="tl" rotWithShape="0">
-                    <a:schemeClr val="dk1">
-                      <a:alpha val="40000"/>
-                    </a:schemeClr>
-                  </a:outerShdw>
-                </a:effectLst>
-              </a:rPr>
-              <a:t>this</a:t>
-            </a:r>
-            <a:r>
-              <a:rPr lang="es-ES" b="1" dirty="0">
-                <a:ln w="0"/>
-                <a:solidFill>
-                  <a:schemeClr val="tx1"/>
-                </a:solidFill>
-                <a:effectLst>
-                  <a:outerShdw blurRad="38100" dist="19050" dir="2700000" algn="tl" rotWithShape="0">
-                    <a:schemeClr val="dk1">
-                      <a:alpha val="40000"/>
-                    </a:schemeClr>
-                  </a:outerShdw>
-                </a:effectLst>
-              </a:rPr>
-              <a:t> has no </a:t>
-            </a:r>
-            <a:r>
-              <a:rPr lang="es-ES" b="1" dirty="0" err="1">
-                <a:ln w="0"/>
-                <a:solidFill>
-                  <a:schemeClr val="tx1"/>
-                </a:solidFill>
-                <a:effectLst>
-                  <a:outerShdw blurRad="38100" dist="19050" dir="2700000" algn="tl" rotWithShape="0">
-                    <a:schemeClr val="dk1">
-                      <a:alpha val="40000"/>
-                    </a:schemeClr>
-                  </a:outerShdw>
-                </a:effectLst>
-              </a:rPr>
-              <a:t>statistical</a:t>
-            </a:r>
-            <a:r>
-              <a:rPr lang="es-ES" b="1" dirty="0">
-                <a:ln w="0"/>
-                <a:solidFill>
-                  <a:schemeClr val="tx1"/>
-                </a:solidFill>
-                <a:effectLst>
-                  <a:outerShdw blurRad="38100" dist="19050" dir="2700000" algn="tl" rotWithShape="0">
-                    <a:schemeClr val="dk1">
-                      <a:alpha val="40000"/>
-                    </a:schemeClr>
-                  </a:outerShdw>
-                </a:effectLst>
-              </a:rPr>
-              <a:t> </a:t>
-            </a:r>
-            <a:r>
-              <a:rPr lang="es-ES" b="1" dirty="0" err="1">
-                <a:ln w="0"/>
-                <a:solidFill>
-                  <a:schemeClr val="tx1"/>
-                </a:solidFill>
-                <a:effectLst>
-                  <a:outerShdw blurRad="38100" dist="19050" dir="2700000" algn="tl" rotWithShape="0">
-                    <a:schemeClr val="dk1">
-                      <a:alpha val="40000"/>
-                    </a:schemeClr>
-                  </a:outerShdw>
-                </a:effectLst>
-              </a:rPr>
-              <a:t>effect</a:t>
-            </a:r>
-            <a:r>
-              <a:rPr lang="es-ES" b="1" dirty="0">
-                <a:ln w="0"/>
-                <a:solidFill>
-                  <a:schemeClr val="tx1"/>
-                </a:solidFill>
-                <a:effectLst>
-                  <a:outerShdw blurRad="38100" dist="19050" dir="2700000" algn="tl" rotWithShape="0">
-                    <a:schemeClr val="dk1">
-                      <a:alpha val="40000"/>
-                    </a:schemeClr>
-                  </a:outerShdw>
-                </a:effectLst>
-              </a:rPr>
-              <a:t> at </a:t>
-            </a:r>
-            <a:r>
-              <a:rPr lang="es-ES" b="1" dirty="0" err="1">
-                <a:ln w="0"/>
-                <a:solidFill>
-                  <a:schemeClr val="tx1"/>
-                </a:solidFill>
-                <a:effectLst>
-                  <a:outerShdw blurRad="38100" dist="19050" dir="2700000" algn="tl" rotWithShape="0">
-                    <a:schemeClr val="dk1">
-                      <a:alpha val="40000"/>
-                    </a:schemeClr>
-                  </a:outerShdw>
-                </a:effectLst>
-              </a:rPr>
-              <a:t>all</a:t>
-            </a:r>
-            <a:r>
-              <a:rPr lang="es-ES" dirty="0">
-                <a:ln w="0"/>
-                <a:solidFill>
-                  <a:schemeClr val="tx1"/>
-                </a:solidFill>
-                <a:effectLst>
-                  <a:outerShdw blurRad="38100" dist="19050" dir="2700000" algn="tl" rotWithShape="0">
-                    <a:schemeClr val="dk1">
-                      <a:alpha val="40000"/>
-                    </a:schemeClr>
-                  </a:outerShdw>
-                </a:effectLst>
-              </a:rPr>
-              <a:t>, </a:t>
-            </a:r>
-            <a:r>
-              <a:rPr lang="es-ES" dirty="0" err="1">
-                <a:ln w="0"/>
-                <a:solidFill>
-                  <a:schemeClr val="tx1"/>
-                </a:solidFill>
-                <a:effectLst>
-                  <a:outerShdw blurRad="38100" dist="19050" dir="2700000" algn="tl" rotWithShape="0">
-                    <a:schemeClr val="dk1">
-                      <a:alpha val="40000"/>
-                    </a:schemeClr>
-                  </a:outerShdw>
-                </a:effectLst>
-              </a:rPr>
-              <a:t>while</a:t>
-            </a:r>
-            <a:r>
-              <a:rPr lang="es-ES" dirty="0">
-                <a:ln w="0"/>
-                <a:solidFill>
-                  <a:schemeClr val="tx1"/>
-                </a:solidFill>
-                <a:effectLst>
-                  <a:outerShdw blurRad="38100" dist="19050" dir="2700000" algn="tl" rotWithShape="0">
-                    <a:schemeClr val="dk1">
-                      <a:alpha val="40000"/>
-                    </a:schemeClr>
-                  </a:outerShdw>
-                </a:effectLst>
-              </a:rPr>
-              <a:t> </a:t>
-            </a:r>
-            <a:r>
-              <a:rPr lang="es-ES" b="1" dirty="0" err="1">
-                <a:ln w="0"/>
-                <a:solidFill>
-                  <a:schemeClr val="tx1"/>
-                </a:solidFill>
-                <a:effectLst>
-                  <a:outerShdw blurRad="38100" dist="19050" dir="2700000" algn="tl" rotWithShape="0">
-                    <a:schemeClr val="dk1">
-                      <a:alpha val="40000"/>
-                    </a:schemeClr>
-                  </a:outerShdw>
-                </a:effectLst>
-              </a:rPr>
-              <a:t>it</a:t>
-            </a:r>
-            <a:r>
-              <a:rPr lang="es-ES" b="1" dirty="0">
-                <a:ln w="0"/>
-                <a:solidFill>
-                  <a:schemeClr val="tx1"/>
-                </a:solidFill>
-                <a:effectLst>
-                  <a:outerShdw blurRad="38100" dist="19050" dir="2700000" algn="tl" rotWithShape="0">
-                    <a:schemeClr val="dk1">
-                      <a:alpha val="40000"/>
-                    </a:schemeClr>
-                  </a:outerShdw>
-                </a:effectLst>
-              </a:rPr>
-              <a:t> </a:t>
-            </a:r>
-            <a:r>
-              <a:rPr lang="es-ES" b="1" dirty="0" err="1">
-                <a:ln w="0"/>
-                <a:solidFill>
-                  <a:schemeClr val="tx1"/>
-                </a:solidFill>
-                <a:effectLst>
-                  <a:outerShdw blurRad="38100" dist="19050" dir="2700000" algn="tl" rotWithShape="0">
-                    <a:schemeClr val="dk1">
-                      <a:alpha val="40000"/>
-                    </a:schemeClr>
-                  </a:outerShdw>
-                </a:effectLst>
-              </a:rPr>
-              <a:t>is</a:t>
-            </a:r>
-            <a:r>
-              <a:rPr lang="es-ES" b="1" dirty="0">
-                <a:ln w="0"/>
-                <a:solidFill>
-                  <a:schemeClr val="tx1"/>
-                </a:solidFill>
-                <a:effectLst>
-                  <a:outerShdw blurRad="38100" dist="19050" dir="2700000" algn="tl" rotWithShape="0">
-                    <a:schemeClr val="dk1">
-                      <a:alpha val="40000"/>
-                    </a:schemeClr>
-                  </a:outerShdw>
-                </a:effectLst>
-              </a:rPr>
-              <a:t> </a:t>
-            </a:r>
-            <a:r>
-              <a:rPr lang="es-ES" b="1" dirty="0" err="1">
-                <a:ln w="0"/>
-                <a:solidFill>
-                  <a:schemeClr val="tx1"/>
-                </a:solidFill>
-                <a:effectLst>
-                  <a:outerShdw blurRad="38100" dist="19050" dir="2700000" algn="tl" rotWithShape="0">
-                    <a:schemeClr val="dk1">
-                      <a:alpha val="40000"/>
-                    </a:schemeClr>
-                  </a:outerShdw>
-                </a:effectLst>
-              </a:rPr>
-              <a:t>best</a:t>
-            </a:r>
-            <a:r>
-              <a:rPr lang="es-ES" b="1" dirty="0">
-                <a:ln w="0"/>
-                <a:solidFill>
-                  <a:schemeClr val="tx1"/>
-                </a:solidFill>
-                <a:effectLst>
-                  <a:outerShdw blurRad="38100" dist="19050" dir="2700000" algn="tl" rotWithShape="0">
-                    <a:schemeClr val="dk1">
-                      <a:alpha val="40000"/>
-                    </a:schemeClr>
-                  </a:outerShdw>
-                </a:effectLst>
-              </a:rPr>
-              <a:t> </a:t>
-            </a:r>
-            <a:r>
-              <a:rPr lang="es-ES" b="1" dirty="0" err="1">
-                <a:ln w="0"/>
-                <a:solidFill>
-                  <a:schemeClr val="tx1"/>
-                </a:solidFill>
-                <a:effectLst>
-                  <a:outerShdw blurRad="38100" dist="19050" dir="2700000" algn="tl" rotWithShape="0">
-                    <a:schemeClr val="dk1">
-                      <a:alpha val="40000"/>
-                    </a:schemeClr>
-                  </a:outerShdw>
-                </a:effectLst>
-              </a:rPr>
-              <a:t>to</a:t>
-            </a:r>
-            <a:r>
-              <a:rPr lang="es-ES" b="1" dirty="0">
-                <a:ln w="0"/>
-                <a:solidFill>
-                  <a:schemeClr val="tx1"/>
-                </a:solidFill>
-                <a:effectLst>
-                  <a:outerShdw blurRad="38100" dist="19050" dir="2700000" algn="tl" rotWithShape="0">
-                    <a:schemeClr val="dk1">
-                      <a:alpha val="40000"/>
-                    </a:schemeClr>
-                  </a:outerShdw>
-                </a:effectLst>
-              </a:rPr>
-              <a:t> </a:t>
-            </a:r>
-            <a:r>
-              <a:rPr lang="es-ES" b="1" dirty="0" err="1">
-                <a:ln w="0"/>
-                <a:solidFill>
-                  <a:schemeClr val="tx1"/>
-                </a:solidFill>
-                <a:effectLst>
-                  <a:outerShdw blurRad="38100" dist="19050" dir="2700000" algn="tl" rotWithShape="0">
-                    <a:schemeClr val="dk1">
-                      <a:alpha val="40000"/>
-                    </a:schemeClr>
-                  </a:outerShdw>
-                </a:effectLst>
-              </a:rPr>
-              <a:t>apply</a:t>
-            </a:r>
-            <a:r>
-              <a:rPr lang="es-ES" b="1" dirty="0">
-                <a:ln w="0"/>
-                <a:solidFill>
-                  <a:schemeClr val="tx1"/>
-                </a:solidFill>
-                <a:effectLst>
-                  <a:outerShdw blurRad="38100" dist="19050" dir="2700000" algn="tl" rotWithShape="0">
-                    <a:schemeClr val="dk1">
-                      <a:alpha val="40000"/>
-                    </a:schemeClr>
-                  </a:outerShdw>
-                </a:effectLst>
-              </a:rPr>
-              <a:t> </a:t>
-            </a:r>
-            <a:r>
-              <a:rPr lang="es-ES" b="1" dirty="0" err="1">
-                <a:ln w="0"/>
-                <a:solidFill>
-                  <a:schemeClr val="tx1"/>
-                </a:solidFill>
-                <a:effectLst>
-                  <a:outerShdw blurRad="38100" dist="19050" dir="2700000" algn="tl" rotWithShape="0">
-                    <a:schemeClr val="dk1">
-                      <a:alpha val="40000"/>
-                    </a:schemeClr>
-                  </a:outerShdw>
-                </a:effectLst>
-              </a:rPr>
-              <a:t>the</a:t>
-            </a:r>
-            <a:r>
-              <a:rPr lang="es-ES" b="1" dirty="0">
-                <a:ln w="0"/>
-                <a:solidFill>
-                  <a:schemeClr val="tx1"/>
-                </a:solidFill>
-                <a:effectLst>
-                  <a:outerShdw blurRad="38100" dist="19050" dir="2700000" algn="tl" rotWithShape="0">
-                    <a:schemeClr val="dk1">
-                      <a:alpha val="40000"/>
-                    </a:schemeClr>
-                  </a:outerShdw>
-                </a:effectLst>
-              </a:rPr>
-              <a:t> CONFIDOR </a:t>
-            </a:r>
-            <a:r>
-              <a:rPr lang="es-ES" b="1" dirty="0" err="1">
-                <a:ln w="0"/>
-                <a:solidFill>
-                  <a:schemeClr val="tx1"/>
-                </a:solidFill>
-                <a:effectLst>
-                  <a:outerShdw blurRad="38100" dist="19050" dir="2700000" algn="tl" rotWithShape="0">
-                    <a:schemeClr val="dk1">
-                      <a:alpha val="40000"/>
-                    </a:schemeClr>
-                  </a:outerShdw>
-                </a:effectLst>
-              </a:rPr>
-              <a:t>treatment</a:t>
-            </a:r>
-            <a:r>
-              <a:rPr lang="es-ES" b="1" dirty="0">
-                <a:ln w="0"/>
-                <a:solidFill>
-                  <a:schemeClr val="tx1"/>
-                </a:solidFill>
-                <a:effectLst>
-                  <a:outerShdw blurRad="38100" dist="19050" dir="2700000" algn="tl" rotWithShape="0">
-                    <a:schemeClr val="dk1">
-                      <a:alpha val="40000"/>
-                    </a:schemeClr>
-                  </a:outerShdw>
-                </a:effectLst>
-              </a:rPr>
-              <a:t> </a:t>
-            </a:r>
-            <a:r>
-              <a:rPr lang="es-ES" b="1" dirty="0" err="1">
+              <a:t>it is best to apply the CONFIDOR treatment </a:t>
+            </a:r>
+            <a:r>
+              <a:rPr lang="en-US" b="1" noProof="0" dirty="0" err="1">
                 <a:ln w="0"/>
                 <a:solidFill>
                   <a:schemeClr val="tx1"/>
@@ -15949,7 +17391,7 @@
               <a:t>foliarly</a:t>
             </a:r>
             <a:r>
-              <a:rPr lang="es-ES" dirty="0">
+              <a:rPr lang="en-US" noProof="0" dirty="0">
                 <a:ln w="0"/>
                 <a:solidFill>
                   <a:schemeClr val="tx1"/>
@@ -15964,19 +17406,6 @@
               </a:rPr>
               <a:t>.</a:t>
             </a:r>
-            <a:endParaRPr lang="en-GB" dirty="0">
-              <a:ln w="0"/>
-              <a:solidFill>
-                <a:schemeClr val="tx1"/>
-              </a:solidFill>
-              <a:effectLst>
-                <a:outerShdw blurRad="38100" dist="19050" dir="2700000" algn="tl" rotWithShape="0">
-                  <a:schemeClr val="dk1">
-                    <a:alpha val="40000"/>
-                  </a:schemeClr>
-                </a:outerShdw>
-              </a:effectLst>
-            </a:endParaRPr>
           </a:p>
         </p:txBody>
       </p:sp>
@@ -16019,6 +17448,306 @@
     <p:extLst>
       <p:ext uri="{BB962C8B-B14F-4D97-AF65-F5344CB8AC3E}">
         <p14:creationId xmlns:p14="http://schemas.microsoft.com/office/powerpoint/2010/main" val="1976488638"/>
+      </p:ext>
+    </p:extLst>
+  </p:cSld>
+  <p:clrMapOvr>
+    <a:masterClrMapping/>
+  </p:clrMapOvr>
+</p:sld>
+</file>
+
+<file path=ppt/slides/slide9.xml><?xml version="1.0" encoding="utf-8"?>
+<p:sld xmlns:a="http://schemas.openxmlformats.org/drawingml/2006/main" xmlns:r="http://schemas.openxmlformats.org/officeDocument/2006/relationships" xmlns:p="http://schemas.openxmlformats.org/presentationml/2006/main">
+  <p:cSld>
+    <p:spTree>
+      <p:nvGrpSpPr>
+        <p:cNvPr id="1" name="">
+          <a:extLst>
+            <a:ext uri="{FF2B5EF4-FFF2-40B4-BE49-F238E27FC236}">
+              <a16:creationId xmlns:a16="http://schemas.microsoft.com/office/drawing/2014/main" id="{C6DE3BAE-2F93-46F5-CB01-E5C80F0FE656}"/>
+            </a:ext>
+          </a:extLst>
+        </p:cNvPr>
+        <p:cNvGrpSpPr/>
+        <p:nvPr/>
+      </p:nvGrpSpPr>
+      <p:grpSpPr>
+        <a:xfrm>
+          <a:off x="0" y="0"/>
+          <a:ext cx="0" cy="0"/>
+          <a:chOff x="0" y="0"/>
+          <a:chExt cx="0" cy="0"/>
+        </a:xfrm>
+      </p:grpSpPr>
+      <p:sp>
+        <p:nvSpPr>
+          <p:cNvPr id="2" name="Título 1">
+            <a:extLst>
+              <a:ext uri="{FF2B5EF4-FFF2-40B4-BE49-F238E27FC236}">
+                <a16:creationId xmlns:a16="http://schemas.microsoft.com/office/drawing/2014/main" id="{BD5E7BD0-7C18-29CF-C0A9-0AC195D51150}"/>
+              </a:ext>
+            </a:extLst>
+          </p:cNvPr>
+          <p:cNvSpPr>
+            <a:spLocks noGrp="1"/>
+          </p:cNvSpPr>
+          <p:nvPr>
+            <p:ph type="title"/>
+          </p:nvPr>
+        </p:nvSpPr>
+        <p:spPr>
+          <a:xfrm>
+            <a:off x="655563" y="252263"/>
+            <a:ext cx="8869437" cy="1320800"/>
+          </a:xfrm>
+        </p:spPr>
+        <p:txBody>
+          <a:bodyPr>
+            <a:normAutofit/>
+          </a:bodyPr>
+          <a:lstStyle/>
+          <a:p>
+            <a:r>
+              <a:rPr lang="en-US" noProof="0" dirty="0"/>
+              <a:t>2. Is foliar application or trunk injection more efficient for each treatment? (2018)</a:t>
+            </a:r>
+          </a:p>
+        </p:txBody>
+      </p:sp>
+      <p:pic>
+        <p:nvPicPr>
+          <p:cNvPr id="6" name="Imagen 5">
+            <a:extLst>
+              <a:ext uri="{FF2B5EF4-FFF2-40B4-BE49-F238E27FC236}">
+                <a16:creationId xmlns:a16="http://schemas.microsoft.com/office/drawing/2014/main" id="{40376781-1BFE-CE0C-9888-12283AE68325}"/>
+              </a:ext>
+            </a:extLst>
+          </p:cNvPr>
+          <p:cNvPicPr>
+            <a:picLocks noChangeAspect="1"/>
+          </p:cNvPicPr>
+          <p:nvPr/>
+        </p:nvPicPr>
+        <p:blipFill>
+          <a:blip r:embed="rId2"/>
+          <a:stretch>
+            <a:fillRect/>
+          </a:stretch>
+        </p:blipFill>
+        <p:spPr>
+          <a:xfrm>
+            <a:off x="783771" y="6165839"/>
+            <a:ext cx="2560565" cy="678044"/>
+          </a:xfrm>
+          <a:prstGeom prst="rect">
+            <a:avLst/>
+          </a:prstGeom>
+        </p:spPr>
+      </p:pic>
+      <p:sp>
+        <p:nvSpPr>
+          <p:cNvPr id="3" name="CuadroTexto 2">
+            <a:extLst>
+              <a:ext uri="{FF2B5EF4-FFF2-40B4-BE49-F238E27FC236}">
+                <a16:creationId xmlns:a16="http://schemas.microsoft.com/office/drawing/2014/main" id="{1008A915-B0A0-2CC8-D116-F83261F3EED8}"/>
+              </a:ext>
+            </a:extLst>
+          </p:cNvPr>
+          <p:cNvSpPr txBox="1"/>
+          <p:nvPr/>
+        </p:nvSpPr>
+        <p:spPr>
+          <a:xfrm>
+            <a:off x="3537856" y="6197552"/>
+            <a:ext cx="3722915" cy="646331"/>
+          </a:xfrm>
+          <a:prstGeom prst="rect">
+            <a:avLst/>
+          </a:prstGeom>
+          <a:noFill/>
+        </p:spPr>
+        <p:txBody>
+          <a:bodyPr wrap="square" rtlCol="0">
+            <a:spAutoFit/>
+          </a:bodyPr>
+          <a:lstStyle/>
+          <a:p>
+            <a:r>
+              <a:rPr lang="en-US" noProof="0" dirty="0"/>
+              <a:t>INJ – trunk injection</a:t>
+            </a:r>
+          </a:p>
+          <a:p>
+            <a:r>
+              <a:rPr lang="en-US" noProof="0" dirty="0"/>
+              <a:t>FOL – foliar application</a:t>
+            </a:r>
+          </a:p>
+        </p:txBody>
+      </p:sp>
+      <p:sp>
+        <p:nvSpPr>
+          <p:cNvPr id="15" name="Rectángulo 14">
+            <a:extLst>
+              <a:ext uri="{FF2B5EF4-FFF2-40B4-BE49-F238E27FC236}">
+                <a16:creationId xmlns:a16="http://schemas.microsoft.com/office/drawing/2014/main" id="{25789CE6-AECF-5E5E-1535-D45967283EF8}"/>
+              </a:ext>
+            </a:extLst>
+          </p:cNvPr>
+          <p:cNvSpPr/>
+          <p:nvPr/>
+        </p:nvSpPr>
+        <p:spPr>
+          <a:xfrm>
+            <a:off x="8510205" y="1709057"/>
+            <a:ext cx="3594709" cy="4807128"/>
+          </a:xfrm>
+          <a:prstGeom prst="rect">
+            <a:avLst/>
+          </a:prstGeom>
+          <a:solidFill>
+            <a:schemeClr val="accent1">
+              <a:lumMod val="60000"/>
+              <a:lumOff val="40000"/>
+            </a:schemeClr>
+          </a:solidFill>
+        </p:spPr>
+        <p:style>
+          <a:lnRef idx="2">
+            <a:schemeClr val="accent1">
+              <a:shade val="15000"/>
+            </a:schemeClr>
+          </a:lnRef>
+          <a:fillRef idx="1">
+            <a:schemeClr val="accent1"/>
+          </a:fillRef>
+          <a:effectRef idx="0">
+            <a:schemeClr val="accent1"/>
+          </a:effectRef>
+          <a:fontRef idx="minor">
+            <a:schemeClr val="lt1"/>
+          </a:fontRef>
+        </p:style>
+        <p:txBody>
+          <a:bodyPr rtlCol="0" anchor="ctr"/>
+          <a:lstStyle/>
+          <a:p>
+            <a:r>
+              <a:rPr lang="en-US" noProof="0" dirty="0">
+                <a:solidFill>
+                  <a:schemeClr val="tx1"/>
+                </a:solidFill>
+              </a:rPr>
+              <a:t>We conclude that </a:t>
+            </a:r>
+            <a:r>
+              <a:rPr lang="en-US" b="1" noProof="0" dirty="0">
+                <a:solidFill>
+                  <a:schemeClr val="tx1"/>
+                </a:solidFill>
+              </a:rPr>
+              <a:t>it is irrelevant (at least statistically) if we make a foliar application or a trunk injection for treatments applied in 2018 regarding mortality</a:t>
+            </a:r>
+            <a:r>
+              <a:rPr lang="en-US" noProof="0" dirty="0">
+                <a:solidFill>
+                  <a:schemeClr val="tx1"/>
+                </a:solidFill>
+              </a:rPr>
+              <a:t>. </a:t>
+            </a:r>
+          </a:p>
+          <a:p>
+            <a:endParaRPr lang="en-US" noProof="0" dirty="0">
+              <a:solidFill>
+                <a:schemeClr val="tx1"/>
+              </a:solidFill>
+            </a:endParaRPr>
+          </a:p>
+          <a:p>
+            <a:r>
+              <a:rPr lang="en-US" noProof="0" dirty="0">
+                <a:solidFill>
+                  <a:schemeClr val="tx1"/>
+                </a:solidFill>
+              </a:rPr>
+              <a:t>Overall, we have found that, </a:t>
+            </a:r>
+            <a:r>
+              <a:rPr lang="en-US" b="1" noProof="0" dirty="0">
+                <a:solidFill>
+                  <a:schemeClr val="tx1"/>
+                </a:solidFill>
+              </a:rPr>
+              <a:t>unless CONFIDOR 200 OD is applied, the method of application has no effect on mortality</a:t>
+            </a:r>
+            <a:r>
+              <a:rPr lang="en-US" noProof="0" dirty="0">
+                <a:solidFill>
+                  <a:schemeClr val="tx1"/>
+                </a:solidFill>
+              </a:rPr>
+              <a:t>. However, there appears to be a general, non-statistical trend suggesting </a:t>
+            </a:r>
+            <a:r>
+              <a:rPr lang="en-US" b="1" noProof="0" dirty="0">
+                <a:solidFill>
+                  <a:schemeClr val="tx1"/>
+                </a:solidFill>
+              </a:rPr>
+              <a:t>that foliar application tends to be the most effective</a:t>
+            </a:r>
+            <a:r>
+              <a:rPr lang="en-US" noProof="0" dirty="0">
+                <a:solidFill>
+                  <a:schemeClr val="tx1"/>
+                </a:solidFill>
+              </a:rPr>
+              <a:t>.</a:t>
+            </a:r>
+          </a:p>
+        </p:txBody>
+      </p:sp>
+      <p:pic>
+        <p:nvPicPr>
+          <p:cNvPr id="19" name="Marcador de contenido 18">
+            <a:extLst>
+              <a:ext uri="{FF2B5EF4-FFF2-40B4-BE49-F238E27FC236}">
+                <a16:creationId xmlns:a16="http://schemas.microsoft.com/office/drawing/2014/main" id="{6D98502B-CAD8-31E6-82E0-3ABE5A1DACC0}"/>
+              </a:ext>
+            </a:extLst>
+          </p:cNvPr>
+          <p:cNvPicPr>
+            <a:picLocks noGrp="1" noChangeAspect="1"/>
+          </p:cNvPicPr>
+          <p:nvPr>
+            <p:ph idx="1"/>
+          </p:nvPr>
+        </p:nvPicPr>
+        <p:blipFill>
+          <a:blip r:embed="rId3">
+            <a:extLst>
+              <a:ext uri="{28A0092B-C50C-407E-A947-70E740481C1C}">
+                <a14:useLocalDpi xmlns:a14="http://schemas.microsoft.com/office/drawing/2010/main" val="0"/>
+              </a:ext>
+            </a:extLst>
+          </a:blip>
+          <a:stretch>
+            <a:fillRect/>
+          </a:stretch>
+        </p:blipFill>
+        <p:spPr>
+          <a:xfrm>
+            <a:off x="578033" y="1425624"/>
+            <a:ext cx="7782196" cy="4807128"/>
+          </a:xfrm>
+        </p:spPr>
+      </p:pic>
+    </p:spTree>
+    <p:extLst>
+      <p:ext uri="{BB962C8B-B14F-4D97-AF65-F5344CB8AC3E}">
+        <p14:creationId xmlns:p14="http://schemas.microsoft.com/office/powerpoint/2010/main" val="3379292936"/>
       </p:ext>
     </p:extLst>
   </p:cSld>
@@ -16283,4 +18012,299 @@
     </a:ext>
   </a:extLst>
 </a:theme>
+</file>
+
+<file path=ppt/theme/theme2.xml><?xml version="1.0" encoding="utf-8"?>
+<a:theme xmlns:a="http://schemas.openxmlformats.org/drawingml/2006/main" name="Tema de Office">
+  <a:themeElements>
+    <a:clrScheme name="Office">
+      <a:dk1>
+        <a:sysClr val="windowText" lastClr="000000"/>
+      </a:dk1>
+      <a:lt1>
+        <a:sysClr val="window" lastClr="FFFFFF"/>
+      </a:lt1>
+      <a:dk2>
+        <a:srgbClr val="44546A"/>
+      </a:dk2>
+      <a:lt2>
+        <a:srgbClr val="E7E6E6"/>
+      </a:lt2>
+      <a:accent1>
+        <a:srgbClr val="4472C4"/>
+      </a:accent1>
+      <a:accent2>
+        <a:srgbClr val="ED7D31"/>
+      </a:accent2>
+      <a:accent3>
+        <a:srgbClr val="A5A5A5"/>
+      </a:accent3>
+      <a:accent4>
+        <a:srgbClr val="FFC000"/>
+      </a:accent4>
+      <a:accent5>
+        <a:srgbClr val="5B9BD5"/>
+      </a:accent5>
+      <a:accent6>
+        <a:srgbClr val="70AD47"/>
+      </a:accent6>
+      <a:hlink>
+        <a:srgbClr val="0563C1"/>
+      </a:hlink>
+      <a:folHlink>
+        <a:srgbClr val="954F72"/>
+      </a:folHlink>
+    </a:clrScheme>
+    <a:fontScheme name="Office">
+      <a:majorFont>
+        <a:latin typeface="Calibri Light" panose="020F0302020204030204"/>
+        <a:ea typeface=""/>
+        <a:cs typeface=""/>
+        <a:font script="Jpan" typeface="游ゴシック Light"/>
+        <a:font script="Hang" typeface="맑은 고딕"/>
+        <a:font script="Hans" typeface="等线 Light"/>
+        <a:font script="Hant" typeface="新細明體"/>
+        <a:font script="Arab" typeface="Times New Roman"/>
+        <a:font script="Hebr" typeface="Times New Roman"/>
+        <a:font script="Thai" typeface="Angsana New"/>
+        <a:font script="Ethi" typeface="Nyala"/>
+        <a:font script="Beng" typeface="Vrinda"/>
+        <a:font script="Gujr" typeface="Shruti"/>
+        <a:font script="Khmr" typeface="MoolBoran"/>
+        <a:font script="Knda" typeface="Tunga"/>
+        <a:font script="Guru" typeface="Raavi"/>
+        <a:font script="Cans" typeface="Euphemia"/>
+        <a:font script="Cher" typeface="Plantagenet Cherokee"/>
+        <a:font script="Yiii" typeface="Microsoft Yi Baiti"/>
+        <a:font script="Tibt" typeface="Microsoft Himalaya"/>
+        <a:font script="Thaa" typeface="MV Boli"/>
+        <a:font script="Deva" typeface="Mangal"/>
+        <a:font script="Telu" typeface="Gautami"/>
+        <a:font script="Taml" typeface="Latha"/>
+        <a:font script="Syrc" typeface="Estrangelo Edessa"/>
+        <a:font script="Orya" typeface="Kalinga"/>
+        <a:font script="Mlym" typeface="Kartika"/>
+        <a:font script="Laoo" typeface="DokChampa"/>
+        <a:font script="Sinh" typeface="Iskoola Pota"/>
+        <a:font script="Mong" typeface="Mongolian Baiti"/>
+        <a:font script="Viet" typeface="Times New Roman"/>
+        <a:font script="Uigh" typeface="Microsoft Uighur"/>
+        <a:font script="Geor" typeface="Sylfaen"/>
+        <a:font script="Armn" typeface="Arial"/>
+        <a:font script="Bugi" typeface="Leelawadee UI"/>
+        <a:font script="Bopo" typeface="Microsoft JhengHei"/>
+        <a:font script="Java" typeface="Javanese Text"/>
+        <a:font script="Lisu" typeface="Segoe UI"/>
+        <a:font script="Mymr" typeface="Myanmar Text"/>
+        <a:font script="Nkoo" typeface="Ebrima"/>
+        <a:font script="Olck" typeface="Nirmala UI"/>
+        <a:font script="Osma" typeface="Ebrima"/>
+        <a:font script="Phag" typeface="Phagspa"/>
+        <a:font script="Syrn" typeface="Estrangelo Edessa"/>
+        <a:font script="Syrj" typeface="Estrangelo Edessa"/>
+        <a:font script="Syre" typeface="Estrangelo Edessa"/>
+        <a:font script="Sora" typeface="Nirmala UI"/>
+        <a:font script="Tale" typeface="Microsoft Tai Le"/>
+        <a:font script="Talu" typeface="Microsoft New Tai Lue"/>
+        <a:font script="Tfng" typeface="Ebrima"/>
+      </a:majorFont>
+      <a:minorFont>
+        <a:latin typeface="Calibri" panose="020F0502020204030204"/>
+        <a:ea typeface=""/>
+        <a:cs typeface=""/>
+        <a:font script="Jpan" typeface="游ゴシック"/>
+        <a:font script="Hang" typeface="맑은 고딕"/>
+        <a:font script="Hans" typeface="等线"/>
+        <a:font script="Hant" typeface="新細明體"/>
+        <a:font script="Arab" typeface="Arial"/>
+        <a:font script="Hebr" typeface="Arial"/>
+        <a:font script="Thai" typeface="Cordia New"/>
+        <a:font script="Ethi" typeface="Nyala"/>
+        <a:font script="Beng" typeface="Vrinda"/>
+        <a:font script="Gujr" typeface="Shruti"/>
+        <a:font script="Khmr" typeface="DaunPenh"/>
+        <a:font script="Knda" typeface="Tunga"/>
+        <a:font script="Guru" typeface="Raavi"/>
+        <a:font script="Cans" typeface="Euphemia"/>
+        <a:font script="Cher" typeface="Plantagenet Cherokee"/>
+        <a:font script="Yiii" typeface="Microsoft Yi Baiti"/>
+        <a:font script="Tibt" typeface="Microsoft Himalaya"/>
+        <a:font script="Thaa" typeface="MV Boli"/>
+        <a:font script="Deva" typeface="Mangal"/>
+        <a:font script="Telu" typeface="Gautami"/>
+        <a:font script="Taml" typeface="Latha"/>
+        <a:font script="Syrc" typeface="Estrangelo Edessa"/>
+        <a:font script="Orya" typeface="Kalinga"/>
+        <a:font script="Mlym" typeface="Kartika"/>
+        <a:font script="Laoo" typeface="DokChampa"/>
+        <a:font script="Sinh" typeface="Iskoola Pota"/>
+        <a:font script="Mong" typeface="Mongolian Baiti"/>
+        <a:font script="Viet" typeface="Arial"/>
+        <a:font script="Uigh" typeface="Microsoft Uighur"/>
+        <a:font script="Geor" typeface="Sylfaen"/>
+        <a:font script="Armn" typeface="Arial"/>
+        <a:font script="Bugi" typeface="Leelawadee UI"/>
+        <a:font script="Bopo" typeface="Microsoft JhengHei"/>
+        <a:font script="Java" typeface="Javanese Text"/>
+        <a:font script="Lisu" typeface="Segoe UI"/>
+        <a:font script="Mymr" typeface="Myanmar Text"/>
+        <a:font script="Nkoo" typeface="Ebrima"/>
+        <a:font script="Olck" typeface="Nirmala UI"/>
+        <a:font script="Osma" typeface="Ebrima"/>
+        <a:font script="Phag" typeface="Phagspa"/>
+        <a:font script="Syrn" typeface="Estrangelo Edessa"/>
+        <a:font script="Syrj" typeface="Estrangelo Edessa"/>
+        <a:font script="Syre" typeface="Estrangelo Edessa"/>
+        <a:font script="Sora" typeface="Nirmala UI"/>
+        <a:font script="Tale" typeface="Microsoft Tai Le"/>
+        <a:font script="Talu" typeface="Microsoft New Tai Lue"/>
+        <a:font script="Tfng" typeface="Ebrima"/>
+      </a:minorFont>
+    </a:fontScheme>
+    <a:fmtScheme name="Office">
+      <a:fillStyleLst>
+        <a:solidFill>
+          <a:schemeClr val="phClr"/>
+        </a:solidFill>
+        <a:gradFill rotWithShape="1">
+          <a:gsLst>
+            <a:gs pos="0">
+              <a:schemeClr val="phClr">
+                <a:lumMod val="110000"/>
+                <a:satMod val="105000"/>
+                <a:tint val="67000"/>
+              </a:schemeClr>
+            </a:gs>
+            <a:gs pos="50000">
+              <a:schemeClr val="phClr">
+                <a:lumMod val="105000"/>
+                <a:satMod val="103000"/>
+                <a:tint val="73000"/>
+              </a:schemeClr>
+            </a:gs>
+            <a:gs pos="100000">
+              <a:schemeClr val="phClr">
+                <a:lumMod val="105000"/>
+                <a:satMod val="109000"/>
+                <a:tint val="81000"/>
+              </a:schemeClr>
+            </a:gs>
+          </a:gsLst>
+          <a:lin ang="5400000" scaled="0"/>
+        </a:gradFill>
+        <a:gradFill rotWithShape="1">
+          <a:gsLst>
+            <a:gs pos="0">
+              <a:schemeClr val="phClr">
+                <a:satMod val="103000"/>
+                <a:lumMod val="102000"/>
+                <a:tint val="94000"/>
+              </a:schemeClr>
+            </a:gs>
+            <a:gs pos="50000">
+              <a:schemeClr val="phClr">
+                <a:satMod val="110000"/>
+                <a:lumMod val="100000"/>
+                <a:shade val="100000"/>
+              </a:schemeClr>
+            </a:gs>
+            <a:gs pos="100000">
+              <a:schemeClr val="phClr">
+                <a:lumMod val="99000"/>
+                <a:satMod val="120000"/>
+                <a:shade val="78000"/>
+              </a:schemeClr>
+            </a:gs>
+          </a:gsLst>
+          <a:lin ang="5400000" scaled="0"/>
+        </a:gradFill>
+      </a:fillStyleLst>
+      <a:lnStyleLst>
+        <a:ln w="6350" cap="flat" cmpd="sng" algn="ctr">
+          <a:solidFill>
+            <a:schemeClr val="phClr"/>
+          </a:solidFill>
+          <a:prstDash val="solid"/>
+          <a:miter lim="800000"/>
+        </a:ln>
+        <a:ln w="12700" cap="flat" cmpd="sng" algn="ctr">
+          <a:solidFill>
+            <a:schemeClr val="phClr"/>
+          </a:solidFill>
+          <a:prstDash val="solid"/>
+          <a:miter lim="800000"/>
+        </a:ln>
+        <a:ln w="19050" cap="flat" cmpd="sng" algn="ctr">
+          <a:solidFill>
+            <a:schemeClr val="phClr"/>
+          </a:solidFill>
+          <a:prstDash val="solid"/>
+          <a:miter lim="800000"/>
+        </a:ln>
+      </a:lnStyleLst>
+      <a:effectStyleLst>
+        <a:effectStyle>
+          <a:effectLst/>
+        </a:effectStyle>
+        <a:effectStyle>
+          <a:effectLst/>
+        </a:effectStyle>
+        <a:effectStyle>
+          <a:effectLst>
+            <a:outerShdw blurRad="57150" dist="19050" dir="5400000" algn="ctr" rotWithShape="0">
+              <a:srgbClr val="000000">
+                <a:alpha val="63000"/>
+              </a:srgbClr>
+            </a:outerShdw>
+          </a:effectLst>
+        </a:effectStyle>
+      </a:effectStyleLst>
+      <a:bgFillStyleLst>
+        <a:solidFill>
+          <a:schemeClr val="phClr"/>
+        </a:solidFill>
+        <a:solidFill>
+          <a:schemeClr val="phClr">
+            <a:tint val="95000"/>
+            <a:satMod val="170000"/>
+          </a:schemeClr>
+        </a:solidFill>
+        <a:gradFill rotWithShape="1">
+          <a:gsLst>
+            <a:gs pos="0">
+              <a:schemeClr val="phClr">
+                <a:tint val="93000"/>
+                <a:satMod val="150000"/>
+                <a:shade val="98000"/>
+                <a:lumMod val="102000"/>
+              </a:schemeClr>
+            </a:gs>
+            <a:gs pos="50000">
+              <a:schemeClr val="phClr">
+                <a:tint val="98000"/>
+                <a:satMod val="130000"/>
+                <a:shade val="90000"/>
+                <a:lumMod val="103000"/>
+              </a:schemeClr>
+            </a:gs>
+            <a:gs pos="100000">
+              <a:schemeClr val="phClr">
+                <a:shade val="63000"/>
+                <a:satMod val="120000"/>
+              </a:schemeClr>
+            </a:gs>
+          </a:gsLst>
+          <a:lin ang="5400000" scaled="0"/>
+        </a:gradFill>
+      </a:bgFillStyleLst>
+    </a:fmtScheme>
+  </a:themeElements>
+  <a:objectDefaults/>
+  <a:extraClrSchemeLst/>
+  <a:extLst>
+    <a:ext uri="{05A4C25C-085E-4340-85A3-A5531E510DB2}">
+      <thm15:themeFamily xmlns:thm15="http://schemas.microsoft.com/office/thememl/2012/main" name="Office Theme" id="{62F939B6-93AF-4DB8-9C6B-D6C7DFDC589F}" vid="{4A3C46E8-61CC-4603-A589-7422A47A8E4A}"/>
+    </a:ext>
+  </a:extLst>
+</a:theme>
 </file>